--- a/paper/Neurotron/Neurotron - Images.pptx
+++ b/paper/Neurotron/Neurotron - Images.pptx
@@ -5,11 +5,13 @@
     <p:sldMasterId id="2147483648" r:id="rId1"/>
   </p:sldMasterIdLst>
   <p:notesMasterIdLst>
-    <p:notesMasterId r:id="rId4"/>
+    <p:notesMasterId r:id="rId6"/>
   </p:notesMasterIdLst>
   <p:sldIdLst>
     <p:sldId id="276" r:id="rId2"/>
-    <p:sldId id="283" r:id="rId3"/>
+    <p:sldId id="285" r:id="rId3"/>
+    <p:sldId id="283" r:id="rId4"/>
+    <p:sldId id="284" r:id="rId5"/>
   </p:sldIdLst>
   <p:sldSz cx="12192000" cy="6858000"/>
   <p:notesSz cx="6858000" cy="9144000"/>
@@ -7742,6 +7744,2252 @@
       </p:grpSpPr>
       <p:grpSp>
         <p:nvGrpSpPr>
+          <p:cNvPr id="113" name="Gruppieren 112">
+            <a:extLst>
+              <a:ext uri="{FF2B5EF4-FFF2-40B4-BE49-F238E27FC236}">
+                <a16:creationId xmlns:a16="http://schemas.microsoft.com/office/drawing/2014/main" id="{D254129F-D3DB-B9D7-A7D3-DED4E630F675}"/>
+              </a:ext>
+            </a:extLst>
+          </p:cNvPr>
+          <p:cNvGrpSpPr/>
+          <p:nvPr/>
+        </p:nvGrpSpPr>
+        <p:grpSpPr>
+          <a:xfrm>
+            <a:off x="8594453" y="2239805"/>
+            <a:ext cx="1015147" cy="1731560"/>
+            <a:chOff x="8576059" y="130190"/>
+            <a:chExt cx="1015147" cy="1731560"/>
+          </a:xfrm>
+        </p:grpSpPr>
+        <p:sp>
+          <p:nvSpPr>
+            <p:cNvPr id="110" name="Abgerundetes Rechteck 109">
+              <a:extLst>
+                <a:ext uri="{FF2B5EF4-FFF2-40B4-BE49-F238E27FC236}">
+                  <a16:creationId xmlns:a16="http://schemas.microsoft.com/office/drawing/2014/main" id="{1FA77316-4985-EE14-732D-4513B9F166B9}"/>
+                </a:ext>
+              </a:extLst>
+            </p:cNvPr>
+            <p:cNvSpPr/>
+            <p:nvPr/>
+          </p:nvSpPr>
+          <p:spPr>
+            <a:xfrm>
+              <a:off x="8576059" y="130190"/>
+              <a:ext cx="1008923" cy="1723296"/>
+            </a:xfrm>
+            <a:prstGeom prst="roundRect">
+              <a:avLst>
+                <a:gd name="adj" fmla="val 50000"/>
+              </a:avLst>
+            </a:prstGeom>
+            <a:solidFill>
+              <a:schemeClr val="bg1">
+                <a:lumMod val="85000"/>
+              </a:schemeClr>
+            </a:solidFill>
+            <a:ln w="19050">
+              <a:noFill/>
+            </a:ln>
+          </p:spPr>
+          <p:style>
+            <a:lnRef idx="2">
+              <a:schemeClr val="accent1">
+                <a:shade val="15000"/>
+              </a:schemeClr>
+            </a:lnRef>
+            <a:fillRef idx="1">
+              <a:schemeClr val="accent1"/>
+            </a:fillRef>
+            <a:effectRef idx="0">
+              <a:schemeClr val="accent1"/>
+            </a:effectRef>
+            <a:fontRef idx="minor">
+              <a:schemeClr val="lt1"/>
+            </a:fontRef>
+          </p:style>
+          <p:txBody>
+            <a:bodyPr rtlCol="0" anchor="ctr"/>
+            <a:lstStyle/>
+            <a:p>
+              <a:pPr algn="ctr"/>
+              <a:endParaRPr lang="de-DE"/>
+            </a:p>
+          </p:txBody>
+        </p:sp>
+        <p:sp>
+          <p:nvSpPr>
+            <p:cNvPr id="111" name="Rechteck 110">
+              <a:extLst>
+                <a:ext uri="{FF2B5EF4-FFF2-40B4-BE49-F238E27FC236}">
+                  <a16:creationId xmlns:a16="http://schemas.microsoft.com/office/drawing/2014/main" id="{499296B6-594A-0761-A27A-293047A53693}"/>
+                </a:ext>
+              </a:extLst>
+            </p:cNvPr>
+            <p:cNvSpPr/>
+            <p:nvPr/>
+          </p:nvSpPr>
+          <p:spPr>
+            <a:xfrm>
+              <a:off x="8576059" y="130190"/>
+              <a:ext cx="507653" cy="1725627"/>
+            </a:xfrm>
+            <a:prstGeom prst="rect">
+              <a:avLst/>
+            </a:prstGeom>
+            <a:solidFill>
+              <a:schemeClr val="bg1"/>
+            </a:solidFill>
+            <a:ln w="19050">
+              <a:noFill/>
+            </a:ln>
+          </p:spPr>
+          <p:style>
+            <a:lnRef idx="2">
+              <a:schemeClr val="accent1">
+                <a:shade val="15000"/>
+              </a:schemeClr>
+            </a:lnRef>
+            <a:fillRef idx="1">
+              <a:schemeClr val="accent1"/>
+            </a:fillRef>
+            <a:effectRef idx="0">
+              <a:schemeClr val="accent1"/>
+            </a:effectRef>
+            <a:fontRef idx="minor">
+              <a:schemeClr val="lt1"/>
+            </a:fontRef>
+          </p:style>
+          <p:txBody>
+            <a:bodyPr rtlCol="0" anchor="ctr"/>
+            <a:lstStyle/>
+            <a:p>
+              <a:pPr algn="ctr"/>
+              <a:endParaRPr lang="de-DE"/>
+            </a:p>
+          </p:txBody>
+        </p:sp>
+        <p:sp>
+          <p:nvSpPr>
+            <p:cNvPr id="112" name="Abgerundetes Rechteck 111">
+              <a:extLst>
+                <a:ext uri="{FF2B5EF4-FFF2-40B4-BE49-F238E27FC236}">
+                  <a16:creationId xmlns:a16="http://schemas.microsoft.com/office/drawing/2014/main" id="{52B5D864-DB00-B895-CEC7-39AAB962E348}"/>
+                </a:ext>
+              </a:extLst>
+            </p:cNvPr>
+            <p:cNvSpPr/>
+            <p:nvPr/>
+          </p:nvSpPr>
+          <p:spPr>
+            <a:xfrm>
+              <a:off x="8582283" y="138454"/>
+              <a:ext cx="1008923" cy="1723296"/>
+            </a:xfrm>
+            <a:prstGeom prst="roundRect">
+              <a:avLst>
+                <a:gd name="adj" fmla="val 50000"/>
+              </a:avLst>
+            </a:prstGeom>
+            <a:noFill/>
+            <a:ln w="19050"/>
+          </p:spPr>
+          <p:style>
+            <a:lnRef idx="2">
+              <a:schemeClr val="accent1">
+                <a:shade val="15000"/>
+              </a:schemeClr>
+            </a:lnRef>
+            <a:fillRef idx="1">
+              <a:schemeClr val="accent1"/>
+            </a:fillRef>
+            <a:effectRef idx="0">
+              <a:schemeClr val="accent1"/>
+            </a:effectRef>
+            <a:fontRef idx="minor">
+              <a:schemeClr val="lt1"/>
+            </a:fontRef>
+          </p:style>
+          <p:txBody>
+            <a:bodyPr rtlCol="0" anchor="ctr"/>
+            <a:lstStyle/>
+            <a:p>
+              <a:pPr algn="ctr"/>
+              <a:endParaRPr lang="de-DE"/>
+            </a:p>
+          </p:txBody>
+        </p:sp>
+      </p:grpSp>
+      <p:grpSp>
+        <p:nvGrpSpPr>
+          <p:cNvPr id="17" name="Gruppieren 16">
+            <a:extLst>
+              <a:ext uri="{FF2B5EF4-FFF2-40B4-BE49-F238E27FC236}">
+                <a16:creationId xmlns:a16="http://schemas.microsoft.com/office/drawing/2014/main" id="{091E711D-7799-2FC8-2BB7-72C1962807D0}"/>
+              </a:ext>
+            </a:extLst>
+          </p:cNvPr>
+          <p:cNvGrpSpPr/>
+          <p:nvPr/>
+        </p:nvGrpSpPr>
+        <p:grpSpPr>
+          <a:xfrm>
+            <a:off x="2656597" y="2597786"/>
+            <a:ext cx="1019947" cy="1019946"/>
+            <a:chOff x="3699640" y="1528996"/>
+            <a:chExt cx="1172164" cy="1172163"/>
+          </a:xfrm>
+        </p:grpSpPr>
+        <p:sp>
+          <p:nvSpPr>
+            <p:cNvPr id="15" name="Kreis 14">
+              <a:extLst>
+                <a:ext uri="{FF2B5EF4-FFF2-40B4-BE49-F238E27FC236}">
+                  <a16:creationId xmlns:a16="http://schemas.microsoft.com/office/drawing/2014/main" id="{767D03CB-377B-3E1A-3DC0-5B24BA36BFF9}"/>
+                </a:ext>
+              </a:extLst>
+            </p:cNvPr>
+            <p:cNvSpPr/>
+            <p:nvPr/>
+          </p:nvSpPr>
+          <p:spPr>
+            <a:xfrm flipH="1">
+              <a:off x="3699640" y="1528996"/>
+              <a:ext cx="1172163" cy="1172163"/>
+            </a:xfrm>
+            <a:prstGeom prst="pie">
+              <a:avLst>
+                <a:gd name="adj1" fmla="val 5399996"/>
+                <a:gd name="adj2" fmla="val 16200000"/>
+              </a:avLst>
+            </a:prstGeom>
+            <a:solidFill>
+              <a:schemeClr val="bg1">
+                <a:lumMod val="75000"/>
+              </a:schemeClr>
+            </a:solidFill>
+            <a:ln>
+              <a:noFill/>
+            </a:ln>
+          </p:spPr>
+          <p:style>
+            <a:lnRef idx="2">
+              <a:schemeClr val="accent1">
+                <a:shade val="15000"/>
+              </a:schemeClr>
+            </a:lnRef>
+            <a:fillRef idx="1">
+              <a:schemeClr val="accent1"/>
+            </a:fillRef>
+            <a:effectRef idx="0">
+              <a:schemeClr val="accent1"/>
+            </a:effectRef>
+            <a:fontRef idx="minor">
+              <a:schemeClr val="lt1"/>
+            </a:fontRef>
+          </p:style>
+          <p:txBody>
+            <a:bodyPr rtlCol="0" anchor="ctr"/>
+            <a:lstStyle/>
+            <a:p>
+              <a:pPr algn="ctr"/>
+              <a:endParaRPr lang="de-DE">
+                <a:solidFill>
+                  <a:schemeClr val="tx1"/>
+                </a:solidFill>
+              </a:endParaRPr>
+            </a:p>
+          </p:txBody>
+        </p:sp>
+        <p:sp>
+          <p:nvSpPr>
+            <p:cNvPr id="16" name="Oval 15">
+              <a:extLst>
+                <a:ext uri="{FF2B5EF4-FFF2-40B4-BE49-F238E27FC236}">
+                  <a16:creationId xmlns:a16="http://schemas.microsoft.com/office/drawing/2014/main" id="{64C8942B-82BA-8627-5FCE-F9E1FF707C52}"/>
+                </a:ext>
+              </a:extLst>
+            </p:cNvPr>
+            <p:cNvSpPr/>
+            <p:nvPr/>
+          </p:nvSpPr>
+          <p:spPr>
+            <a:xfrm>
+              <a:off x="3699641" y="1528996"/>
+              <a:ext cx="1172163" cy="1172163"/>
+            </a:xfrm>
+            <a:prstGeom prst="ellipse">
+              <a:avLst/>
+            </a:prstGeom>
+            <a:noFill/>
+            <a:ln w="19050"/>
+          </p:spPr>
+          <p:style>
+            <a:lnRef idx="2">
+              <a:schemeClr val="accent1">
+                <a:shade val="15000"/>
+              </a:schemeClr>
+            </a:lnRef>
+            <a:fillRef idx="1">
+              <a:schemeClr val="accent1"/>
+            </a:fillRef>
+            <a:effectRef idx="0">
+              <a:schemeClr val="accent1"/>
+            </a:effectRef>
+            <a:fontRef idx="minor">
+              <a:schemeClr val="lt1"/>
+            </a:fontRef>
+          </p:style>
+          <p:txBody>
+            <a:bodyPr rtlCol="0" anchor="ctr"/>
+            <a:lstStyle/>
+            <a:p>
+              <a:pPr algn="ctr"/>
+              <a:endParaRPr lang="de-DE"/>
+            </a:p>
+          </p:txBody>
+        </p:sp>
+      </p:grpSp>
+      <p:cxnSp>
+        <p:nvCxnSpPr>
+          <p:cNvPr id="19" name="Gerade Verbindung mit Pfeil 18">
+            <a:extLst>
+              <a:ext uri="{FF2B5EF4-FFF2-40B4-BE49-F238E27FC236}">
+                <a16:creationId xmlns:a16="http://schemas.microsoft.com/office/drawing/2014/main" id="{F0758F30-D315-AD6C-B6E7-6564273B961A}"/>
+              </a:ext>
+            </a:extLst>
+          </p:cNvPr>
+          <p:cNvCxnSpPr>
+            <a:cxnSpLocks/>
+          </p:cNvCxnSpPr>
+          <p:nvPr/>
+        </p:nvCxnSpPr>
+        <p:spPr>
+          <a:xfrm>
+            <a:off x="2115209" y="2306108"/>
+            <a:ext cx="619431" cy="506118"/>
+          </a:xfrm>
+          <a:prstGeom prst="straightConnector1">
+            <a:avLst/>
+          </a:prstGeom>
+          <a:solidFill>
+            <a:schemeClr val="bg1"/>
+          </a:solidFill>
+          <a:ln w="19050">
+            <a:headEnd type="none" w="med" len="med"/>
+            <a:tailEnd type="triangle" w="lg" len="lg"/>
+          </a:ln>
+        </p:spPr>
+        <p:style>
+          <a:lnRef idx="2">
+            <a:schemeClr val="accent1">
+              <a:shade val="15000"/>
+            </a:schemeClr>
+          </a:lnRef>
+          <a:fillRef idx="1">
+            <a:schemeClr val="accent1"/>
+          </a:fillRef>
+          <a:effectRef idx="0">
+            <a:schemeClr val="accent1"/>
+          </a:effectRef>
+          <a:fontRef idx="minor">
+            <a:schemeClr val="lt1"/>
+          </a:fontRef>
+        </p:style>
+      </p:cxnSp>
+      <p:cxnSp>
+        <p:nvCxnSpPr>
+          <p:cNvPr id="21" name="Gerade Verbindung mit Pfeil 20">
+            <a:extLst>
+              <a:ext uri="{FF2B5EF4-FFF2-40B4-BE49-F238E27FC236}">
+                <a16:creationId xmlns:a16="http://schemas.microsoft.com/office/drawing/2014/main" id="{F39B3248-DBFE-0178-C515-C533A7C18502}"/>
+              </a:ext>
+            </a:extLst>
+          </p:cNvPr>
+          <p:cNvCxnSpPr>
+            <a:cxnSpLocks/>
+          </p:cNvCxnSpPr>
+          <p:nvPr/>
+        </p:nvCxnSpPr>
+        <p:spPr>
+          <a:xfrm>
+            <a:off x="1906515" y="2703055"/>
+            <a:ext cx="760787" cy="262345"/>
+          </a:xfrm>
+          <a:prstGeom prst="straightConnector1">
+            <a:avLst/>
+          </a:prstGeom>
+          <a:solidFill>
+            <a:schemeClr val="bg1"/>
+          </a:solidFill>
+          <a:ln w="19050">
+            <a:headEnd type="none" w="med" len="med"/>
+            <a:tailEnd type="triangle" w="lg" len="lg"/>
+          </a:ln>
+        </p:spPr>
+        <p:style>
+          <a:lnRef idx="2">
+            <a:schemeClr val="accent1">
+              <a:shade val="15000"/>
+            </a:schemeClr>
+          </a:lnRef>
+          <a:fillRef idx="1">
+            <a:schemeClr val="accent1"/>
+          </a:fillRef>
+          <a:effectRef idx="0">
+            <a:schemeClr val="accent1"/>
+          </a:effectRef>
+          <a:fontRef idx="minor">
+            <a:schemeClr val="lt1"/>
+          </a:fontRef>
+        </p:style>
+      </p:cxnSp>
+      <p:cxnSp>
+        <p:nvCxnSpPr>
+          <p:cNvPr id="24" name="Gerade Verbindung mit Pfeil 23">
+            <a:extLst>
+              <a:ext uri="{FF2B5EF4-FFF2-40B4-BE49-F238E27FC236}">
+                <a16:creationId xmlns:a16="http://schemas.microsoft.com/office/drawing/2014/main" id="{44B46C45-1180-71C3-33DE-2C99A2A9EFC2}"/>
+              </a:ext>
+            </a:extLst>
+          </p:cNvPr>
+          <p:cNvCxnSpPr>
+            <a:cxnSpLocks/>
+          </p:cNvCxnSpPr>
+          <p:nvPr/>
+        </p:nvCxnSpPr>
+        <p:spPr>
+          <a:xfrm flipV="1">
+            <a:off x="1843934" y="3118221"/>
+            <a:ext cx="800634" cy="2893"/>
+          </a:xfrm>
+          <a:prstGeom prst="straightConnector1">
+            <a:avLst/>
+          </a:prstGeom>
+          <a:solidFill>
+            <a:schemeClr val="bg1"/>
+          </a:solidFill>
+          <a:ln w="19050">
+            <a:headEnd type="none" w="med" len="med"/>
+            <a:tailEnd type="triangle" w="lg" len="lg"/>
+          </a:ln>
+        </p:spPr>
+        <p:style>
+          <a:lnRef idx="2">
+            <a:schemeClr val="accent1">
+              <a:shade val="15000"/>
+            </a:schemeClr>
+          </a:lnRef>
+          <a:fillRef idx="1">
+            <a:schemeClr val="accent1"/>
+          </a:fillRef>
+          <a:effectRef idx="0">
+            <a:schemeClr val="accent1"/>
+          </a:effectRef>
+          <a:fontRef idx="minor">
+            <a:schemeClr val="lt1"/>
+          </a:fontRef>
+        </p:style>
+      </p:cxnSp>
+      <p:cxnSp>
+        <p:nvCxnSpPr>
+          <p:cNvPr id="26" name="Gerade Verbindung mit Pfeil 25">
+            <a:extLst>
+              <a:ext uri="{FF2B5EF4-FFF2-40B4-BE49-F238E27FC236}">
+                <a16:creationId xmlns:a16="http://schemas.microsoft.com/office/drawing/2014/main" id="{F2728B98-F2B3-4293-9C19-8059C978E063}"/>
+              </a:ext>
+            </a:extLst>
+          </p:cNvPr>
+          <p:cNvCxnSpPr>
+            <a:cxnSpLocks/>
+          </p:cNvCxnSpPr>
+          <p:nvPr/>
+        </p:nvCxnSpPr>
+        <p:spPr>
+          <a:xfrm flipV="1">
+            <a:off x="2115209" y="3380765"/>
+            <a:ext cx="619431" cy="548297"/>
+          </a:xfrm>
+          <a:prstGeom prst="straightConnector1">
+            <a:avLst/>
+          </a:prstGeom>
+          <a:solidFill>
+            <a:schemeClr val="bg1"/>
+          </a:solidFill>
+          <a:ln w="19050">
+            <a:headEnd type="none" w="med" len="med"/>
+            <a:tailEnd type="triangle" w="lg" len="lg"/>
+          </a:ln>
+        </p:spPr>
+        <p:style>
+          <a:lnRef idx="2">
+            <a:schemeClr val="accent1">
+              <a:shade val="15000"/>
+            </a:schemeClr>
+          </a:lnRef>
+          <a:fillRef idx="1">
+            <a:schemeClr val="accent1"/>
+          </a:fillRef>
+          <a:effectRef idx="0">
+            <a:schemeClr val="accent1"/>
+          </a:effectRef>
+          <a:fontRef idx="minor">
+            <a:schemeClr val="lt1"/>
+          </a:fontRef>
+        </p:style>
+      </p:cxnSp>
+      <p:sp>
+        <p:nvSpPr>
+          <p:cNvPr id="27" name="Textfeld 26">
+            <a:extLst>
+              <a:ext uri="{FF2B5EF4-FFF2-40B4-BE49-F238E27FC236}">
+                <a16:creationId xmlns:a16="http://schemas.microsoft.com/office/drawing/2014/main" id="{BE4DEBD8-8872-7ECD-B6C7-E872DB6F9D73}"/>
+              </a:ext>
+            </a:extLst>
+          </p:cNvPr>
+          <p:cNvSpPr txBox="1"/>
+          <p:nvPr/>
+        </p:nvSpPr>
+        <p:spPr>
+          <a:xfrm rot="14859344">
+            <a:off x="1908387" y="3199258"/>
+            <a:ext cx="553351" cy="369332"/>
+          </a:xfrm>
+          <a:prstGeom prst="rect">
+            <a:avLst/>
+          </a:prstGeom>
+          <a:noFill/>
+        </p:spPr>
+        <p:txBody>
+          <a:bodyPr wrap="square" rtlCol="0">
+            <a:spAutoFit/>
+          </a:bodyPr>
+          <a:lstStyle/>
+          <a:p>
+            <a:r>
+              <a:rPr lang="de-DE" dirty="0"/>
+              <a:t>. . .</a:t>
+            </a:r>
+          </a:p>
+        </p:txBody>
+      </p:sp>
+      <p:sp>
+        <p:nvSpPr>
+          <p:cNvPr id="28" name="Textfeld 27">
+            <a:extLst>
+              <a:ext uri="{FF2B5EF4-FFF2-40B4-BE49-F238E27FC236}">
+                <a16:creationId xmlns:a16="http://schemas.microsoft.com/office/drawing/2014/main" id="{9EE20C2A-58E3-0E5C-3190-9B409B4F2463}"/>
+              </a:ext>
+            </a:extLst>
+          </p:cNvPr>
+          <p:cNvSpPr txBox="1"/>
+          <p:nvPr/>
+        </p:nvSpPr>
+        <p:spPr>
+          <a:xfrm>
+            <a:off x="1803742" y="1919614"/>
+            <a:ext cx="368516" cy="401713"/>
+          </a:xfrm>
+          <a:prstGeom prst="rect">
+            <a:avLst/>
+          </a:prstGeom>
+          <a:noFill/>
+        </p:spPr>
+        <p:txBody>
+          <a:bodyPr wrap="none" rtlCol="0">
+            <a:spAutoFit/>
+          </a:bodyPr>
+          <a:lstStyle/>
+          <a:p>
+            <a:r>
+              <a:rPr lang="de-DE" sz="2400" i="1" dirty="0">
+                <a:latin typeface="Times New Roman" panose="02020603050405020304" pitchFamily="18" charset="0"/>
+                <a:cs typeface="Times New Roman" panose="02020603050405020304" pitchFamily="18" charset="0"/>
+              </a:rPr>
+              <a:t>v</a:t>
+            </a:r>
+            <a:r>
+              <a:rPr lang="de-DE" sz="2400" i="1" baseline="-25000" dirty="0">
+                <a:latin typeface="Times New Roman" panose="02020603050405020304" pitchFamily="18" charset="0"/>
+                <a:cs typeface="Times New Roman" panose="02020603050405020304" pitchFamily="18" charset="0"/>
+              </a:rPr>
+              <a:t>1</a:t>
+            </a:r>
+          </a:p>
+        </p:txBody>
+      </p:sp>
+      <p:sp>
+        <p:nvSpPr>
+          <p:cNvPr id="29" name="Textfeld 28">
+            <a:extLst>
+              <a:ext uri="{FF2B5EF4-FFF2-40B4-BE49-F238E27FC236}">
+                <a16:creationId xmlns:a16="http://schemas.microsoft.com/office/drawing/2014/main" id="{FCD7E20A-79FA-5712-292D-03D1A410C724}"/>
+              </a:ext>
+            </a:extLst>
+          </p:cNvPr>
+          <p:cNvSpPr txBox="1"/>
+          <p:nvPr/>
+        </p:nvSpPr>
+        <p:spPr>
+          <a:xfrm>
+            <a:off x="1537998" y="2410512"/>
+            <a:ext cx="368516" cy="401713"/>
+          </a:xfrm>
+          <a:prstGeom prst="rect">
+            <a:avLst/>
+          </a:prstGeom>
+          <a:noFill/>
+        </p:spPr>
+        <p:txBody>
+          <a:bodyPr wrap="none" rtlCol="0">
+            <a:spAutoFit/>
+          </a:bodyPr>
+          <a:lstStyle/>
+          <a:p>
+            <a:r>
+              <a:rPr lang="de-DE" sz="2400" i="1" dirty="0">
+                <a:latin typeface="Times New Roman" panose="02020603050405020304" pitchFamily="18" charset="0"/>
+                <a:cs typeface="Times New Roman" panose="02020603050405020304" pitchFamily="18" charset="0"/>
+              </a:rPr>
+              <a:t>v</a:t>
+            </a:r>
+            <a:r>
+              <a:rPr lang="de-DE" sz="2400" i="1" baseline="-25000" dirty="0">
+                <a:latin typeface="Times New Roman" panose="02020603050405020304" pitchFamily="18" charset="0"/>
+                <a:cs typeface="Times New Roman" panose="02020603050405020304" pitchFamily="18" charset="0"/>
+              </a:rPr>
+              <a:t>2</a:t>
+            </a:r>
+          </a:p>
+        </p:txBody>
+      </p:sp>
+      <p:sp>
+        <p:nvSpPr>
+          <p:cNvPr id="30" name="Textfeld 29">
+            <a:extLst>
+              <a:ext uri="{FF2B5EF4-FFF2-40B4-BE49-F238E27FC236}">
+                <a16:creationId xmlns:a16="http://schemas.microsoft.com/office/drawing/2014/main" id="{3D98363C-5C62-5697-831D-8643322E5664}"/>
+              </a:ext>
+            </a:extLst>
+          </p:cNvPr>
+          <p:cNvSpPr txBox="1"/>
+          <p:nvPr/>
+        </p:nvSpPr>
+        <p:spPr>
+          <a:xfrm>
+            <a:off x="1784073" y="3513897"/>
+            <a:ext cx="378630" cy="461665"/>
+          </a:xfrm>
+          <a:prstGeom prst="rect">
+            <a:avLst/>
+          </a:prstGeom>
+          <a:noFill/>
+        </p:spPr>
+        <p:txBody>
+          <a:bodyPr wrap="none" rtlCol="0">
+            <a:spAutoFit/>
+          </a:bodyPr>
+          <a:lstStyle/>
+          <a:p>
+            <a:r>
+              <a:rPr lang="de-DE" sz="2400" i="1" dirty="0">
+                <a:latin typeface="Times New Roman" panose="02020603050405020304" pitchFamily="18" charset="0"/>
+                <a:cs typeface="Times New Roman" panose="02020603050405020304" pitchFamily="18" charset="0"/>
+              </a:rPr>
+              <a:t>v</a:t>
+            </a:r>
+            <a:r>
+              <a:rPr lang="de-DE" sz="2400" i="1" baseline="-25000" dirty="0">
+                <a:latin typeface="Times New Roman" panose="02020603050405020304" pitchFamily="18" charset="0"/>
+                <a:cs typeface="Times New Roman" panose="02020603050405020304" pitchFamily="18" charset="0"/>
+              </a:rPr>
+              <a:t>l</a:t>
+            </a:r>
+          </a:p>
+        </p:txBody>
+      </p:sp>
+      <p:sp>
+        <p:nvSpPr>
+          <p:cNvPr id="43" name="Textfeld 42">
+            <a:extLst>
+              <a:ext uri="{FF2B5EF4-FFF2-40B4-BE49-F238E27FC236}">
+                <a16:creationId xmlns:a16="http://schemas.microsoft.com/office/drawing/2014/main" id="{0B0DDD0C-AD80-D47F-AB7B-26B000414F70}"/>
+              </a:ext>
+            </a:extLst>
+          </p:cNvPr>
+          <p:cNvSpPr txBox="1"/>
+          <p:nvPr/>
+        </p:nvSpPr>
+        <p:spPr>
+          <a:xfrm>
+            <a:off x="1515265" y="2865174"/>
+            <a:ext cx="368516" cy="401713"/>
+          </a:xfrm>
+          <a:prstGeom prst="rect">
+            <a:avLst/>
+          </a:prstGeom>
+          <a:noFill/>
+        </p:spPr>
+        <p:txBody>
+          <a:bodyPr wrap="none" rtlCol="0">
+            <a:spAutoFit/>
+          </a:bodyPr>
+          <a:lstStyle/>
+          <a:p>
+            <a:r>
+              <a:rPr lang="de-DE" sz="2400" i="1" dirty="0">
+                <a:latin typeface="Times New Roman" panose="02020603050405020304" pitchFamily="18" charset="0"/>
+                <a:cs typeface="Times New Roman" panose="02020603050405020304" pitchFamily="18" charset="0"/>
+              </a:rPr>
+              <a:t>v</a:t>
+            </a:r>
+            <a:r>
+              <a:rPr lang="de-DE" sz="2400" i="1" baseline="-25000" dirty="0">
+                <a:latin typeface="Times New Roman" panose="02020603050405020304" pitchFamily="18" charset="0"/>
+                <a:cs typeface="Times New Roman" panose="02020603050405020304" pitchFamily="18" charset="0"/>
+              </a:rPr>
+              <a:t>3</a:t>
+            </a:r>
+          </a:p>
+        </p:txBody>
+      </p:sp>
+      <p:cxnSp>
+        <p:nvCxnSpPr>
+          <p:cNvPr id="44" name="Gerade Verbindung mit Pfeil 43">
+            <a:extLst>
+              <a:ext uri="{FF2B5EF4-FFF2-40B4-BE49-F238E27FC236}">
+                <a16:creationId xmlns:a16="http://schemas.microsoft.com/office/drawing/2014/main" id="{7BCE2E89-0E7A-5585-4134-BF7D23CC901E}"/>
+              </a:ext>
+            </a:extLst>
+          </p:cNvPr>
+          <p:cNvCxnSpPr>
+            <a:cxnSpLocks/>
+          </p:cNvCxnSpPr>
+          <p:nvPr/>
+        </p:nvCxnSpPr>
+        <p:spPr>
+          <a:xfrm flipV="1">
+            <a:off x="3676543" y="3118221"/>
+            <a:ext cx="800634" cy="2893"/>
+          </a:xfrm>
+          <a:prstGeom prst="straightConnector1">
+            <a:avLst/>
+          </a:prstGeom>
+          <a:solidFill>
+            <a:schemeClr val="bg1"/>
+          </a:solidFill>
+          <a:ln w="19050">
+            <a:headEnd type="none" w="med" len="med"/>
+            <a:tailEnd type="triangle" w="lg" len="lg"/>
+          </a:ln>
+        </p:spPr>
+        <p:style>
+          <a:lnRef idx="2">
+            <a:schemeClr val="accent1">
+              <a:shade val="15000"/>
+            </a:schemeClr>
+          </a:lnRef>
+          <a:fillRef idx="1">
+            <a:schemeClr val="accent1"/>
+          </a:fillRef>
+          <a:effectRef idx="0">
+            <a:schemeClr val="accent1"/>
+          </a:effectRef>
+          <a:fontRef idx="minor">
+            <a:schemeClr val="lt1"/>
+          </a:fontRef>
+        </p:style>
+      </p:cxnSp>
+      <p:sp>
+        <p:nvSpPr>
+          <p:cNvPr id="45" name="Textfeld 44">
+            <a:extLst>
+              <a:ext uri="{FF2B5EF4-FFF2-40B4-BE49-F238E27FC236}">
+                <a16:creationId xmlns:a16="http://schemas.microsoft.com/office/drawing/2014/main" id="{C5A3889A-8CE6-D079-2D83-AD68A7A31C2E}"/>
+              </a:ext>
+            </a:extLst>
+          </p:cNvPr>
+          <p:cNvSpPr txBox="1"/>
+          <p:nvPr/>
+        </p:nvSpPr>
+        <p:spPr>
+          <a:xfrm>
+            <a:off x="3982022" y="2612682"/>
+            <a:ext cx="304892" cy="461665"/>
+          </a:xfrm>
+          <a:prstGeom prst="rect">
+            <a:avLst/>
+          </a:prstGeom>
+          <a:noFill/>
+        </p:spPr>
+        <p:txBody>
+          <a:bodyPr wrap="none" rtlCol="0">
+            <a:spAutoFit/>
+          </a:bodyPr>
+          <a:lstStyle/>
+          <a:p>
+            <a:r>
+              <a:rPr lang="de-DE" sz="2400" i="1" dirty="0">
+                <a:ln>
+                  <a:noFill/>
+                </a:ln>
+                <a:solidFill>
+                  <a:srgbClr val="000000"/>
+                </a:solidFill>
+                <a:effectLst/>
+                <a:latin typeface="Times New Roman" panose="02020603050405020304" pitchFamily="18" charset="0"/>
+                <a:ea typeface="Arial Unicode MS" panose="020B0604020202020204" pitchFamily="34" charset="-128"/>
+                <a:cs typeface="Times New Roman" panose="02020603050405020304" pitchFamily="18" charset="0"/>
+                <a:sym typeface="Symbol" pitchFamily="2" charset="2"/>
+              </a:rPr>
+              <a:t>s</a:t>
+            </a:r>
+            <a:endParaRPr lang="de-DE" sz="2400" i="1" baseline="-25000" dirty="0">
+              <a:latin typeface="Times New Roman" panose="02020603050405020304" pitchFamily="18" charset="0"/>
+              <a:cs typeface="Times New Roman" panose="02020603050405020304" pitchFamily="18" charset="0"/>
+            </a:endParaRPr>
+          </a:p>
+        </p:txBody>
+      </p:sp>
+      <p:sp>
+        <p:nvSpPr>
+          <p:cNvPr id="59" name="Textfeld 58">
+            <a:extLst>
+              <a:ext uri="{FF2B5EF4-FFF2-40B4-BE49-F238E27FC236}">
+                <a16:creationId xmlns:a16="http://schemas.microsoft.com/office/drawing/2014/main" id="{934554C8-00C1-3BB0-C4E6-ED3A45C35B09}"/>
+              </a:ext>
+            </a:extLst>
+          </p:cNvPr>
+          <p:cNvSpPr txBox="1"/>
+          <p:nvPr/>
+        </p:nvSpPr>
+        <p:spPr>
+          <a:xfrm>
+            <a:off x="2817706" y="2856961"/>
+            <a:ext cx="320922" cy="461665"/>
+          </a:xfrm>
+          <a:prstGeom prst="rect">
+            <a:avLst/>
+          </a:prstGeom>
+          <a:noFill/>
+        </p:spPr>
+        <p:txBody>
+          <a:bodyPr wrap="none" rtlCol="0">
+            <a:spAutoFit/>
+          </a:bodyPr>
+          <a:lstStyle/>
+          <a:p>
+            <a:r>
+              <a:rPr lang="de-AT" sz="2400" i="1" dirty="0">
+                <a:latin typeface="Times New Roman" panose="02020603050405020304" pitchFamily="18" charset="0"/>
+                <a:cs typeface="Times New Roman" panose="02020603050405020304" pitchFamily="18" charset="0"/>
+              </a:rPr>
+              <a:t>e</a:t>
+            </a:r>
+            <a:endParaRPr lang="de-DE" sz="2400" i="1" baseline="-25000" dirty="0">
+              <a:latin typeface="Times New Roman" panose="02020603050405020304" pitchFamily="18" charset="0"/>
+              <a:cs typeface="Times New Roman" panose="02020603050405020304" pitchFamily="18" charset="0"/>
+            </a:endParaRPr>
+          </a:p>
+        </p:txBody>
+      </p:sp>
+      <p:sp>
+        <p:nvSpPr>
+          <p:cNvPr id="60" name="Textfeld 59">
+            <a:extLst>
+              <a:ext uri="{FF2B5EF4-FFF2-40B4-BE49-F238E27FC236}">
+                <a16:creationId xmlns:a16="http://schemas.microsoft.com/office/drawing/2014/main" id="{DEF595CB-B5FB-F3C3-A25C-2AAE10F77BC2}"/>
+              </a:ext>
+            </a:extLst>
+          </p:cNvPr>
+          <p:cNvSpPr txBox="1"/>
+          <p:nvPr/>
+        </p:nvSpPr>
+        <p:spPr>
+          <a:xfrm>
+            <a:off x="3247684" y="2856961"/>
+            <a:ext cx="304892" cy="461665"/>
+          </a:xfrm>
+          <a:prstGeom prst="rect">
+            <a:avLst/>
+          </a:prstGeom>
+          <a:noFill/>
+        </p:spPr>
+        <p:txBody>
+          <a:bodyPr wrap="none" rtlCol="0">
+            <a:spAutoFit/>
+          </a:bodyPr>
+          <a:lstStyle/>
+          <a:p>
+            <a:r>
+              <a:rPr lang="de-AT" sz="2400" i="1" dirty="0">
+                <a:latin typeface="Times New Roman" panose="02020603050405020304" pitchFamily="18" charset="0"/>
+                <a:cs typeface="Times New Roman" panose="02020603050405020304" pitchFamily="18" charset="0"/>
+              </a:rPr>
+              <a:t>s</a:t>
+            </a:r>
+            <a:endParaRPr lang="de-DE" sz="2400" i="1" baseline="-25000" dirty="0">
+              <a:latin typeface="Times New Roman" panose="02020603050405020304" pitchFamily="18" charset="0"/>
+              <a:cs typeface="Times New Roman" panose="02020603050405020304" pitchFamily="18" charset="0"/>
+            </a:endParaRPr>
+          </a:p>
+        </p:txBody>
+      </p:sp>
+      <p:grpSp>
+        <p:nvGrpSpPr>
+          <p:cNvPr id="61" name="Gruppieren 60">
+            <a:extLst>
+              <a:ext uri="{FF2B5EF4-FFF2-40B4-BE49-F238E27FC236}">
+                <a16:creationId xmlns:a16="http://schemas.microsoft.com/office/drawing/2014/main" id="{2759D293-6DA1-4964-0357-E688A561CE79}"/>
+              </a:ext>
+            </a:extLst>
+          </p:cNvPr>
+          <p:cNvGrpSpPr/>
+          <p:nvPr/>
+        </p:nvGrpSpPr>
+        <p:grpSpPr>
+          <a:xfrm>
+            <a:off x="5591459" y="2590305"/>
+            <a:ext cx="1019947" cy="1019946"/>
+            <a:chOff x="3699640" y="1528996"/>
+            <a:chExt cx="1172164" cy="1172163"/>
+          </a:xfrm>
+        </p:grpSpPr>
+        <p:sp>
+          <p:nvSpPr>
+            <p:cNvPr id="62" name="Kreis 61">
+              <a:extLst>
+                <a:ext uri="{FF2B5EF4-FFF2-40B4-BE49-F238E27FC236}">
+                  <a16:creationId xmlns:a16="http://schemas.microsoft.com/office/drawing/2014/main" id="{7CE45076-E8F6-3C4E-7B7A-DDED07003C3E}"/>
+                </a:ext>
+              </a:extLst>
+            </p:cNvPr>
+            <p:cNvSpPr/>
+            <p:nvPr/>
+          </p:nvSpPr>
+          <p:spPr>
+            <a:xfrm flipH="1">
+              <a:off x="3699640" y="1528996"/>
+              <a:ext cx="1172163" cy="1172163"/>
+            </a:xfrm>
+            <a:prstGeom prst="pie">
+              <a:avLst>
+                <a:gd name="adj1" fmla="val 5399996"/>
+                <a:gd name="adj2" fmla="val 16200000"/>
+              </a:avLst>
+            </a:prstGeom>
+            <a:solidFill>
+              <a:schemeClr val="bg1">
+                <a:lumMod val="75000"/>
+              </a:schemeClr>
+            </a:solidFill>
+            <a:ln>
+              <a:noFill/>
+            </a:ln>
+          </p:spPr>
+          <p:style>
+            <a:lnRef idx="2">
+              <a:schemeClr val="accent1">
+                <a:shade val="15000"/>
+              </a:schemeClr>
+            </a:lnRef>
+            <a:fillRef idx="1">
+              <a:schemeClr val="accent1"/>
+            </a:fillRef>
+            <a:effectRef idx="0">
+              <a:schemeClr val="accent1"/>
+            </a:effectRef>
+            <a:fontRef idx="minor">
+              <a:schemeClr val="lt1"/>
+            </a:fontRef>
+          </p:style>
+          <p:txBody>
+            <a:bodyPr rtlCol="0" anchor="ctr"/>
+            <a:lstStyle/>
+            <a:p>
+              <a:pPr algn="ctr"/>
+              <a:endParaRPr lang="de-DE">
+                <a:solidFill>
+                  <a:schemeClr val="tx1"/>
+                </a:solidFill>
+              </a:endParaRPr>
+            </a:p>
+          </p:txBody>
+        </p:sp>
+        <p:sp>
+          <p:nvSpPr>
+            <p:cNvPr id="63" name="Oval 62">
+              <a:extLst>
+                <a:ext uri="{FF2B5EF4-FFF2-40B4-BE49-F238E27FC236}">
+                  <a16:creationId xmlns:a16="http://schemas.microsoft.com/office/drawing/2014/main" id="{B217AFEC-E39C-FCBE-2A23-EF04C3372102}"/>
+                </a:ext>
+              </a:extLst>
+            </p:cNvPr>
+            <p:cNvSpPr/>
+            <p:nvPr/>
+          </p:nvSpPr>
+          <p:spPr>
+            <a:xfrm>
+              <a:off x="3699641" y="1528996"/>
+              <a:ext cx="1172163" cy="1172163"/>
+            </a:xfrm>
+            <a:prstGeom prst="ellipse">
+              <a:avLst/>
+            </a:prstGeom>
+            <a:noFill/>
+            <a:ln w="19050"/>
+          </p:spPr>
+          <p:style>
+            <a:lnRef idx="2">
+              <a:schemeClr val="accent1">
+                <a:shade val="15000"/>
+              </a:schemeClr>
+            </a:lnRef>
+            <a:fillRef idx="1">
+              <a:schemeClr val="accent1"/>
+            </a:fillRef>
+            <a:effectRef idx="0">
+              <a:schemeClr val="accent1"/>
+            </a:effectRef>
+            <a:fontRef idx="minor">
+              <a:schemeClr val="lt1"/>
+            </a:fontRef>
+          </p:style>
+          <p:txBody>
+            <a:bodyPr rtlCol="0" anchor="ctr"/>
+            <a:lstStyle/>
+            <a:p>
+              <a:pPr algn="ctr"/>
+              <a:endParaRPr lang="de-DE"/>
+            </a:p>
+          </p:txBody>
+        </p:sp>
+      </p:grpSp>
+      <p:cxnSp>
+        <p:nvCxnSpPr>
+          <p:cNvPr id="66" name="Gerade Verbindung mit Pfeil 65">
+            <a:extLst>
+              <a:ext uri="{FF2B5EF4-FFF2-40B4-BE49-F238E27FC236}">
+                <a16:creationId xmlns:a16="http://schemas.microsoft.com/office/drawing/2014/main" id="{7BC13C16-3382-1AD7-00A0-7F2D614F0FE0}"/>
+              </a:ext>
+            </a:extLst>
+          </p:cNvPr>
+          <p:cNvCxnSpPr>
+            <a:cxnSpLocks/>
+          </p:cNvCxnSpPr>
+          <p:nvPr/>
+        </p:nvCxnSpPr>
+        <p:spPr>
+          <a:xfrm flipV="1">
+            <a:off x="4778797" y="3110740"/>
+            <a:ext cx="800634" cy="2893"/>
+          </a:xfrm>
+          <a:prstGeom prst="straightConnector1">
+            <a:avLst/>
+          </a:prstGeom>
+          <a:solidFill>
+            <a:schemeClr val="bg1"/>
+          </a:solidFill>
+          <a:ln w="19050">
+            <a:headEnd type="none" w="med" len="med"/>
+            <a:tailEnd type="triangle" w="lg" len="lg"/>
+          </a:ln>
+        </p:spPr>
+        <p:style>
+          <a:lnRef idx="2">
+            <a:schemeClr val="accent1">
+              <a:shade val="15000"/>
+            </a:schemeClr>
+          </a:lnRef>
+          <a:fillRef idx="1">
+            <a:schemeClr val="accent1"/>
+          </a:fillRef>
+          <a:effectRef idx="0">
+            <a:schemeClr val="accent1"/>
+          </a:effectRef>
+          <a:fontRef idx="minor">
+            <a:schemeClr val="lt1"/>
+          </a:fontRef>
+        </p:style>
+      </p:cxnSp>
+      <p:cxnSp>
+        <p:nvCxnSpPr>
+          <p:cNvPr id="73" name="Gerade Verbindung mit Pfeil 72">
+            <a:extLst>
+              <a:ext uri="{FF2B5EF4-FFF2-40B4-BE49-F238E27FC236}">
+                <a16:creationId xmlns:a16="http://schemas.microsoft.com/office/drawing/2014/main" id="{EE8637F8-9CD3-6CEA-D09E-9DCEC337901B}"/>
+              </a:ext>
+            </a:extLst>
+          </p:cNvPr>
+          <p:cNvCxnSpPr>
+            <a:cxnSpLocks/>
+          </p:cNvCxnSpPr>
+          <p:nvPr/>
+        </p:nvCxnSpPr>
+        <p:spPr>
+          <a:xfrm flipV="1">
+            <a:off x="6611405" y="3110740"/>
+            <a:ext cx="800634" cy="2893"/>
+          </a:xfrm>
+          <a:prstGeom prst="straightConnector1">
+            <a:avLst/>
+          </a:prstGeom>
+          <a:solidFill>
+            <a:schemeClr val="bg1"/>
+          </a:solidFill>
+          <a:ln w="19050">
+            <a:headEnd type="none" w="med" len="med"/>
+            <a:tailEnd type="triangle" w="lg" len="lg"/>
+          </a:ln>
+        </p:spPr>
+        <p:style>
+          <a:lnRef idx="2">
+            <a:schemeClr val="accent1">
+              <a:shade val="15000"/>
+            </a:schemeClr>
+          </a:lnRef>
+          <a:fillRef idx="1">
+            <a:schemeClr val="accent1"/>
+          </a:fillRef>
+          <a:effectRef idx="0">
+            <a:schemeClr val="accent1"/>
+          </a:effectRef>
+          <a:fontRef idx="minor">
+            <a:schemeClr val="lt1"/>
+          </a:fontRef>
+        </p:style>
+      </p:cxnSp>
+      <p:sp>
+        <p:nvSpPr>
+          <p:cNvPr id="74" name="Textfeld 73">
+            <a:extLst>
+              <a:ext uri="{FF2B5EF4-FFF2-40B4-BE49-F238E27FC236}">
+                <a16:creationId xmlns:a16="http://schemas.microsoft.com/office/drawing/2014/main" id="{2BCC4E28-8225-08EF-64E9-1AEDE1798EFC}"/>
+              </a:ext>
+            </a:extLst>
+          </p:cNvPr>
+          <p:cNvSpPr txBox="1"/>
+          <p:nvPr/>
+        </p:nvSpPr>
+        <p:spPr>
+          <a:xfrm>
+            <a:off x="6783072" y="2605201"/>
+            <a:ext cx="304892" cy="461665"/>
+          </a:xfrm>
+          <a:prstGeom prst="rect">
+            <a:avLst/>
+          </a:prstGeom>
+          <a:noFill/>
+        </p:spPr>
+        <p:txBody>
+          <a:bodyPr wrap="none" rtlCol="0">
+            <a:spAutoFit/>
+          </a:bodyPr>
+          <a:lstStyle/>
+          <a:p>
+            <a:r>
+              <a:rPr lang="de-DE" sz="2400" i="1" dirty="0">
+                <a:ln>
+                  <a:noFill/>
+                </a:ln>
+                <a:solidFill>
+                  <a:srgbClr val="000000"/>
+                </a:solidFill>
+                <a:effectLst/>
+                <a:latin typeface="Times New Roman" panose="02020603050405020304" pitchFamily="18" charset="0"/>
+                <a:ea typeface="Arial Unicode MS" panose="020B0604020202020204" pitchFamily="34" charset="-128"/>
+                <a:cs typeface="Times New Roman" panose="02020603050405020304" pitchFamily="18" charset="0"/>
+                <a:sym typeface="Symbol" pitchFamily="2" charset="2"/>
+              </a:rPr>
+              <a:t>s</a:t>
+            </a:r>
+            <a:endParaRPr lang="de-DE" sz="2400" i="1" baseline="-25000" dirty="0">
+              <a:latin typeface="Times New Roman" panose="02020603050405020304" pitchFamily="18" charset="0"/>
+              <a:cs typeface="Times New Roman" panose="02020603050405020304" pitchFamily="18" charset="0"/>
+            </a:endParaRPr>
+          </a:p>
+        </p:txBody>
+      </p:sp>
+      <p:sp>
+        <p:nvSpPr>
+          <p:cNvPr id="76" name="Textfeld 75">
+            <a:extLst>
+              <a:ext uri="{FF2B5EF4-FFF2-40B4-BE49-F238E27FC236}">
+                <a16:creationId xmlns:a16="http://schemas.microsoft.com/office/drawing/2014/main" id="{CFE0C2C9-BE44-5C41-5B0C-7A3C7C1503A6}"/>
+              </a:ext>
+            </a:extLst>
+          </p:cNvPr>
+          <p:cNvSpPr txBox="1"/>
+          <p:nvPr/>
+        </p:nvSpPr>
+        <p:spPr>
+          <a:xfrm>
+            <a:off x="5741202" y="2860847"/>
+            <a:ext cx="320922" cy="461665"/>
+          </a:xfrm>
+          <a:prstGeom prst="rect">
+            <a:avLst/>
+          </a:prstGeom>
+          <a:noFill/>
+        </p:spPr>
+        <p:txBody>
+          <a:bodyPr wrap="none" rtlCol="0">
+            <a:spAutoFit/>
+          </a:bodyPr>
+          <a:lstStyle/>
+          <a:p>
+            <a:r>
+              <a:rPr lang="de-AT" sz="2400" b="1" i="1" dirty="0">
+                <a:latin typeface="Times New Roman" panose="02020603050405020304" pitchFamily="18" charset="0"/>
+                <a:cs typeface="Times New Roman" panose="02020603050405020304" pitchFamily="18" charset="0"/>
+              </a:rPr>
+              <a:t>e</a:t>
+            </a:r>
+            <a:endParaRPr lang="de-DE" sz="2400" b="1" i="1" baseline="-25000" dirty="0">
+              <a:latin typeface="Times New Roman" panose="02020603050405020304" pitchFamily="18" charset="0"/>
+              <a:cs typeface="Times New Roman" panose="02020603050405020304" pitchFamily="18" charset="0"/>
+            </a:endParaRPr>
+          </a:p>
+        </p:txBody>
+      </p:sp>
+      <p:sp>
+        <p:nvSpPr>
+          <p:cNvPr id="77" name="Textfeld 76">
+            <a:extLst>
+              <a:ext uri="{FF2B5EF4-FFF2-40B4-BE49-F238E27FC236}">
+                <a16:creationId xmlns:a16="http://schemas.microsoft.com/office/drawing/2014/main" id="{AB3F2E3C-6459-8F5A-C71B-F102A5CFAEC1}"/>
+              </a:ext>
+            </a:extLst>
+          </p:cNvPr>
+          <p:cNvSpPr txBox="1"/>
+          <p:nvPr/>
+        </p:nvSpPr>
+        <p:spPr>
+          <a:xfrm>
+            <a:off x="6182546" y="2849481"/>
+            <a:ext cx="304892" cy="461665"/>
+          </a:xfrm>
+          <a:prstGeom prst="rect">
+            <a:avLst/>
+          </a:prstGeom>
+          <a:noFill/>
+        </p:spPr>
+        <p:txBody>
+          <a:bodyPr wrap="none" rtlCol="0">
+            <a:spAutoFit/>
+          </a:bodyPr>
+          <a:lstStyle/>
+          <a:p>
+            <a:r>
+              <a:rPr lang="de-AT" sz="2400" i="1" dirty="0">
+                <a:latin typeface="Times New Roman" panose="02020603050405020304" pitchFamily="18" charset="0"/>
+                <a:cs typeface="Times New Roman" panose="02020603050405020304" pitchFamily="18" charset="0"/>
+              </a:rPr>
+              <a:t>s</a:t>
+            </a:r>
+            <a:endParaRPr lang="de-DE" sz="2400" i="1" baseline="-25000" dirty="0">
+              <a:latin typeface="Times New Roman" panose="02020603050405020304" pitchFamily="18" charset="0"/>
+              <a:cs typeface="Times New Roman" panose="02020603050405020304" pitchFamily="18" charset="0"/>
+            </a:endParaRPr>
+          </a:p>
+        </p:txBody>
+      </p:sp>
+      <p:sp>
+        <p:nvSpPr>
+          <p:cNvPr id="78" name="Textfeld 77">
+            <a:extLst>
+              <a:ext uri="{FF2B5EF4-FFF2-40B4-BE49-F238E27FC236}">
+                <a16:creationId xmlns:a16="http://schemas.microsoft.com/office/drawing/2014/main" id="{9BC395AC-491A-DAD2-207E-45758E795516}"/>
+              </a:ext>
+            </a:extLst>
+          </p:cNvPr>
+          <p:cNvSpPr txBox="1"/>
+          <p:nvPr/>
+        </p:nvSpPr>
+        <p:spPr>
+          <a:xfrm>
+            <a:off x="4898065" y="2590305"/>
+            <a:ext cx="320922" cy="461665"/>
+          </a:xfrm>
+          <a:prstGeom prst="rect">
+            <a:avLst/>
+          </a:prstGeom>
+          <a:noFill/>
+        </p:spPr>
+        <p:txBody>
+          <a:bodyPr wrap="none" rtlCol="0">
+            <a:spAutoFit/>
+          </a:bodyPr>
+          <a:lstStyle/>
+          <a:p>
+            <a:r>
+              <a:rPr lang="de-DE" sz="2400" b="1" i="1" dirty="0">
+                <a:ln>
+                  <a:noFill/>
+                </a:ln>
+                <a:solidFill>
+                  <a:srgbClr val="000000"/>
+                </a:solidFill>
+                <a:effectLst/>
+                <a:latin typeface="Times New Roman" panose="02020603050405020304" pitchFamily="18" charset="0"/>
+                <a:ea typeface="Arial Unicode MS" panose="020B0604020202020204" pitchFamily="34" charset="-128"/>
+                <a:cs typeface="Times New Roman" panose="02020603050405020304" pitchFamily="18" charset="0"/>
+                <a:sym typeface="Symbol" pitchFamily="2" charset="2"/>
+              </a:rPr>
+              <a:t>v</a:t>
+            </a:r>
+            <a:endParaRPr lang="de-DE" sz="2400" i="1" baseline="30000" dirty="0">
+              <a:latin typeface="Times New Roman" panose="02020603050405020304" pitchFamily="18" charset="0"/>
+              <a:cs typeface="Times New Roman" panose="02020603050405020304" pitchFamily="18" charset="0"/>
+            </a:endParaRPr>
+          </a:p>
+        </p:txBody>
+      </p:sp>
+      <p:cxnSp>
+        <p:nvCxnSpPr>
+          <p:cNvPr id="80" name="Gerade Verbindung mit Pfeil 79">
+            <a:extLst>
+              <a:ext uri="{FF2B5EF4-FFF2-40B4-BE49-F238E27FC236}">
+                <a16:creationId xmlns:a16="http://schemas.microsoft.com/office/drawing/2014/main" id="{F711F912-23BF-592A-781F-81F78B359DDE}"/>
+              </a:ext>
+            </a:extLst>
+          </p:cNvPr>
+          <p:cNvCxnSpPr>
+            <a:cxnSpLocks/>
+          </p:cNvCxnSpPr>
+          <p:nvPr/>
+        </p:nvCxnSpPr>
+        <p:spPr>
+          <a:xfrm>
+            <a:off x="6097216" y="2050642"/>
+            <a:ext cx="0" cy="529870"/>
+          </a:xfrm>
+          <a:prstGeom prst="straightConnector1">
+            <a:avLst/>
+          </a:prstGeom>
+          <a:solidFill>
+            <a:schemeClr val="bg1"/>
+          </a:solidFill>
+          <a:ln w="19050">
+            <a:headEnd type="none" w="med" len="med"/>
+            <a:tailEnd type="triangle" w="lg" len="lg"/>
+          </a:ln>
+        </p:spPr>
+        <p:style>
+          <a:lnRef idx="2">
+            <a:schemeClr val="accent1">
+              <a:shade val="15000"/>
+            </a:schemeClr>
+          </a:lnRef>
+          <a:fillRef idx="1">
+            <a:schemeClr val="accent1"/>
+          </a:fillRef>
+          <a:effectRef idx="0">
+            <a:schemeClr val="accent1"/>
+          </a:effectRef>
+          <a:fontRef idx="minor">
+            <a:schemeClr val="lt1"/>
+          </a:fontRef>
+        </p:style>
+      </p:cxnSp>
+      <p:sp>
+        <p:nvSpPr>
+          <p:cNvPr id="82" name="Textfeld 81">
+            <a:extLst>
+              <a:ext uri="{FF2B5EF4-FFF2-40B4-BE49-F238E27FC236}">
+                <a16:creationId xmlns:a16="http://schemas.microsoft.com/office/drawing/2014/main" id="{272AE74C-5EC2-B19F-1A4B-4FF69355E39C}"/>
+              </a:ext>
+            </a:extLst>
+          </p:cNvPr>
+          <p:cNvSpPr txBox="1"/>
+          <p:nvPr/>
+        </p:nvSpPr>
+        <p:spPr>
+          <a:xfrm>
+            <a:off x="6182546" y="1928374"/>
+            <a:ext cx="389850" cy="461665"/>
+          </a:xfrm>
+          <a:prstGeom prst="rect">
+            <a:avLst/>
+          </a:prstGeom>
+          <a:noFill/>
+        </p:spPr>
+        <p:txBody>
+          <a:bodyPr wrap="none" rtlCol="0">
+            <a:spAutoFit/>
+          </a:bodyPr>
+          <a:lstStyle/>
+          <a:p>
+            <a:r>
+              <a:rPr lang="de-DE" sz="2400" b="1" i="1" dirty="0">
+                <a:ln>
+                  <a:noFill/>
+                </a:ln>
+                <a:solidFill>
+                  <a:srgbClr val="000000"/>
+                </a:solidFill>
+                <a:effectLst/>
+                <a:latin typeface="Times New Roman" panose="02020603050405020304" pitchFamily="18" charset="0"/>
+                <a:ea typeface="Arial Unicode MS" panose="020B0604020202020204" pitchFamily="34" charset="-128"/>
+                <a:cs typeface="Times New Roman" panose="02020603050405020304" pitchFamily="18" charset="0"/>
+                <a:sym typeface="Symbol" pitchFamily="2" charset="2"/>
+              </a:rPr>
+              <a:t>w</a:t>
+            </a:r>
+            <a:endParaRPr lang="de-DE" sz="2400" i="1" baseline="30000" dirty="0">
+              <a:latin typeface="Times New Roman" panose="02020603050405020304" pitchFamily="18" charset="0"/>
+              <a:cs typeface="Times New Roman" panose="02020603050405020304" pitchFamily="18" charset="0"/>
+            </a:endParaRPr>
+          </a:p>
+        </p:txBody>
+      </p:sp>
+      <p:cxnSp>
+        <p:nvCxnSpPr>
+          <p:cNvPr id="94" name="Gerade Verbindung mit Pfeil 93">
+            <a:extLst>
+              <a:ext uri="{FF2B5EF4-FFF2-40B4-BE49-F238E27FC236}">
+                <a16:creationId xmlns:a16="http://schemas.microsoft.com/office/drawing/2014/main" id="{DBFE38CC-D265-E418-9F7D-217CCE8BE44B}"/>
+              </a:ext>
+            </a:extLst>
+          </p:cNvPr>
+          <p:cNvCxnSpPr>
+            <a:cxnSpLocks/>
+          </p:cNvCxnSpPr>
+          <p:nvPr/>
+        </p:nvCxnSpPr>
+        <p:spPr>
+          <a:xfrm flipV="1">
+            <a:off x="7791156" y="3100580"/>
+            <a:ext cx="800634" cy="2893"/>
+          </a:xfrm>
+          <a:prstGeom prst="straightConnector1">
+            <a:avLst/>
+          </a:prstGeom>
+          <a:solidFill>
+            <a:schemeClr val="bg1"/>
+          </a:solidFill>
+          <a:ln w="19050">
+            <a:headEnd type="none" w="med" len="med"/>
+            <a:tailEnd type="triangle" w="lg" len="lg"/>
+          </a:ln>
+        </p:spPr>
+        <p:style>
+          <a:lnRef idx="2">
+            <a:schemeClr val="accent1">
+              <a:shade val="15000"/>
+            </a:schemeClr>
+          </a:lnRef>
+          <a:fillRef idx="1">
+            <a:schemeClr val="accent1"/>
+          </a:fillRef>
+          <a:effectRef idx="0">
+            <a:schemeClr val="accent1"/>
+          </a:effectRef>
+          <a:fontRef idx="minor">
+            <a:schemeClr val="lt1"/>
+          </a:fontRef>
+        </p:style>
+      </p:cxnSp>
+      <p:cxnSp>
+        <p:nvCxnSpPr>
+          <p:cNvPr id="95" name="Gerade Verbindung mit Pfeil 94">
+            <a:extLst>
+              <a:ext uri="{FF2B5EF4-FFF2-40B4-BE49-F238E27FC236}">
+                <a16:creationId xmlns:a16="http://schemas.microsoft.com/office/drawing/2014/main" id="{14604832-D293-6E55-74DB-05462EC03BF8}"/>
+              </a:ext>
+            </a:extLst>
+          </p:cNvPr>
+          <p:cNvCxnSpPr>
+            <a:cxnSpLocks/>
+          </p:cNvCxnSpPr>
+          <p:nvPr/>
+        </p:nvCxnSpPr>
+        <p:spPr>
+          <a:xfrm flipV="1">
+            <a:off x="9623764" y="3100580"/>
+            <a:ext cx="800634" cy="2893"/>
+          </a:xfrm>
+          <a:prstGeom prst="straightConnector1">
+            <a:avLst/>
+          </a:prstGeom>
+          <a:solidFill>
+            <a:schemeClr val="bg1"/>
+          </a:solidFill>
+          <a:ln w="19050">
+            <a:headEnd type="none" w="med" len="med"/>
+            <a:tailEnd type="triangle" w="lg" len="lg"/>
+          </a:ln>
+        </p:spPr>
+        <p:style>
+          <a:lnRef idx="2">
+            <a:schemeClr val="accent1">
+              <a:shade val="15000"/>
+            </a:schemeClr>
+          </a:lnRef>
+          <a:fillRef idx="1">
+            <a:schemeClr val="accent1"/>
+          </a:fillRef>
+          <a:effectRef idx="0">
+            <a:schemeClr val="accent1"/>
+          </a:effectRef>
+          <a:fontRef idx="minor">
+            <a:schemeClr val="lt1"/>
+          </a:fontRef>
+        </p:style>
+      </p:cxnSp>
+      <p:sp>
+        <p:nvSpPr>
+          <p:cNvPr id="96" name="Textfeld 95">
+            <a:extLst>
+              <a:ext uri="{FF2B5EF4-FFF2-40B4-BE49-F238E27FC236}">
+                <a16:creationId xmlns:a16="http://schemas.microsoft.com/office/drawing/2014/main" id="{004120D8-7EE1-342F-2FFA-0534B6E27D72}"/>
+              </a:ext>
+            </a:extLst>
+          </p:cNvPr>
+          <p:cNvSpPr txBox="1"/>
+          <p:nvPr/>
+        </p:nvSpPr>
+        <p:spPr>
+          <a:xfrm>
+            <a:off x="9851274" y="2559167"/>
+            <a:ext cx="304892" cy="461665"/>
+          </a:xfrm>
+          <a:prstGeom prst="rect">
+            <a:avLst/>
+          </a:prstGeom>
+          <a:noFill/>
+        </p:spPr>
+        <p:txBody>
+          <a:bodyPr wrap="none" rtlCol="0">
+            <a:spAutoFit/>
+          </a:bodyPr>
+          <a:lstStyle/>
+          <a:p>
+            <a:r>
+              <a:rPr lang="de-DE" sz="2400" b="1" i="1" dirty="0">
+                <a:ln>
+                  <a:noFill/>
+                </a:ln>
+                <a:solidFill>
+                  <a:srgbClr val="000000"/>
+                </a:solidFill>
+                <a:effectLst/>
+                <a:latin typeface="Times New Roman" panose="02020603050405020304" pitchFamily="18" charset="0"/>
+                <a:ea typeface="Arial Unicode MS" panose="020B0604020202020204" pitchFamily="34" charset="-128"/>
+                <a:cs typeface="Times New Roman" panose="02020603050405020304" pitchFamily="18" charset="0"/>
+                <a:sym typeface="Symbol" pitchFamily="2" charset="2"/>
+              </a:rPr>
+              <a:t>s</a:t>
+            </a:r>
+            <a:endParaRPr lang="de-DE" sz="2400" i="1" baseline="-25000" dirty="0">
+              <a:latin typeface="Times New Roman" panose="02020603050405020304" pitchFamily="18" charset="0"/>
+              <a:cs typeface="Times New Roman" panose="02020603050405020304" pitchFamily="18" charset="0"/>
+            </a:endParaRPr>
+          </a:p>
+        </p:txBody>
+      </p:sp>
+      <p:sp>
+        <p:nvSpPr>
+          <p:cNvPr id="97" name="Textfeld 96">
+            <a:extLst>
+              <a:ext uri="{FF2B5EF4-FFF2-40B4-BE49-F238E27FC236}">
+                <a16:creationId xmlns:a16="http://schemas.microsoft.com/office/drawing/2014/main" id="{F27AED0B-3FA5-1DA5-52F7-F958B0CC80EB}"/>
+              </a:ext>
+            </a:extLst>
+          </p:cNvPr>
+          <p:cNvSpPr txBox="1"/>
+          <p:nvPr/>
+        </p:nvSpPr>
+        <p:spPr>
+          <a:xfrm>
+            <a:off x="8675504" y="2850687"/>
+            <a:ext cx="389850" cy="461665"/>
+          </a:xfrm>
+          <a:prstGeom prst="rect">
+            <a:avLst/>
+          </a:prstGeom>
+          <a:noFill/>
+        </p:spPr>
+        <p:txBody>
+          <a:bodyPr wrap="none" rtlCol="0">
+            <a:spAutoFit/>
+          </a:bodyPr>
+          <a:lstStyle/>
+          <a:p>
+            <a:r>
+              <a:rPr lang="de-AT" sz="2400" b="1" i="1" dirty="0">
+                <a:latin typeface="Times New Roman" panose="02020603050405020304" pitchFamily="18" charset="0"/>
+                <a:cs typeface="Times New Roman" panose="02020603050405020304" pitchFamily="18" charset="0"/>
+              </a:rPr>
+              <a:t>E</a:t>
+            </a:r>
+            <a:endParaRPr lang="de-DE" sz="2400" b="1" i="1" baseline="-25000" dirty="0">
+              <a:latin typeface="Times New Roman" panose="02020603050405020304" pitchFamily="18" charset="0"/>
+              <a:cs typeface="Times New Roman" panose="02020603050405020304" pitchFamily="18" charset="0"/>
+            </a:endParaRPr>
+          </a:p>
+        </p:txBody>
+      </p:sp>
+      <p:sp>
+        <p:nvSpPr>
+          <p:cNvPr id="98" name="Textfeld 97">
+            <a:extLst>
+              <a:ext uri="{FF2B5EF4-FFF2-40B4-BE49-F238E27FC236}">
+                <a16:creationId xmlns:a16="http://schemas.microsoft.com/office/drawing/2014/main" id="{4560ED30-14DB-A924-FEBC-636EECDE761E}"/>
+              </a:ext>
+            </a:extLst>
+          </p:cNvPr>
+          <p:cNvSpPr txBox="1"/>
+          <p:nvPr/>
+        </p:nvSpPr>
+        <p:spPr>
+          <a:xfrm>
+            <a:off x="9194905" y="2839321"/>
+            <a:ext cx="304892" cy="461665"/>
+          </a:xfrm>
+          <a:prstGeom prst="rect">
+            <a:avLst/>
+          </a:prstGeom>
+          <a:noFill/>
+        </p:spPr>
+        <p:txBody>
+          <a:bodyPr wrap="none" rtlCol="0">
+            <a:spAutoFit/>
+          </a:bodyPr>
+          <a:lstStyle/>
+          <a:p>
+            <a:r>
+              <a:rPr lang="de-AT" sz="2400" b="1" i="1" dirty="0">
+                <a:latin typeface="Times New Roman" panose="02020603050405020304" pitchFamily="18" charset="0"/>
+                <a:cs typeface="Times New Roman" panose="02020603050405020304" pitchFamily="18" charset="0"/>
+              </a:rPr>
+              <a:t>s</a:t>
+            </a:r>
+            <a:endParaRPr lang="de-DE" sz="2400" b="1" i="1" baseline="-25000" dirty="0">
+              <a:latin typeface="Times New Roman" panose="02020603050405020304" pitchFamily="18" charset="0"/>
+              <a:cs typeface="Times New Roman" panose="02020603050405020304" pitchFamily="18" charset="0"/>
+            </a:endParaRPr>
+          </a:p>
+        </p:txBody>
+      </p:sp>
+      <p:cxnSp>
+        <p:nvCxnSpPr>
+          <p:cNvPr id="100" name="Gerade Verbindung mit Pfeil 99">
+            <a:extLst>
+              <a:ext uri="{FF2B5EF4-FFF2-40B4-BE49-F238E27FC236}">
+                <a16:creationId xmlns:a16="http://schemas.microsoft.com/office/drawing/2014/main" id="{C36E84B3-A1AB-2810-4700-445E571AA43E}"/>
+              </a:ext>
+            </a:extLst>
+          </p:cNvPr>
+          <p:cNvCxnSpPr>
+            <a:cxnSpLocks/>
+          </p:cNvCxnSpPr>
+          <p:nvPr/>
+        </p:nvCxnSpPr>
+        <p:spPr>
+          <a:xfrm>
+            <a:off x="9106731" y="1718199"/>
+            <a:ext cx="0" cy="529870"/>
+          </a:xfrm>
+          <a:prstGeom prst="straightConnector1">
+            <a:avLst/>
+          </a:prstGeom>
+          <a:solidFill>
+            <a:schemeClr val="bg1"/>
+          </a:solidFill>
+          <a:ln w="19050">
+            <a:headEnd type="none" w="med" len="med"/>
+            <a:tailEnd type="triangle" w="lg" len="lg"/>
+          </a:ln>
+        </p:spPr>
+        <p:style>
+          <a:lnRef idx="2">
+            <a:schemeClr val="accent1">
+              <a:shade val="15000"/>
+            </a:schemeClr>
+          </a:lnRef>
+          <a:fillRef idx="1">
+            <a:schemeClr val="accent1"/>
+          </a:fillRef>
+          <a:effectRef idx="0">
+            <a:schemeClr val="accent1"/>
+          </a:effectRef>
+          <a:fontRef idx="minor">
+            <a:schemeClr val="lt1"/>
+          </a:fontRef>
+        </p:style>
+      </p:cxnSp>
+      <p:sp>
+        <p:nvSpPr>
+          <p:cNvPr id="101" name="Textfeld 100">
+            <a:extLst>
+              <a:ext uri="{FF2B5EF4-FFF2-40B4-BE49-F238E27FC236}">
+                <a16:creationId xmlns:a16="http://schemas.microsoft.com/office/drawing/2014/main" id="{86F6659D-53DB-EB76-6CF1-FEFF293B5BA8}"/>
+              </a:ext>
+            </a:extLst>
+          </p:cNvPr>
+          <p:cNvSpPr txBox="1"/>
+          <p:nvPr/>
+        </p:nvSpPr>
+        <p:spPr>
+          <a:xfrm>
+            <a:off x="9098914" y="1669617"/>
+            <a:ext cx="458780" cy="461665"/>
+          </a:xfrm>
+          <a:prstGeom prst="rect">
+            <a:avLst/>
+          </a:prstGeom>
+          <a:noFill/>
+        </p:spPr>
+        <p:txBody>
+          <a:bodyPr wrap="none" rtlCol="0">
+            <a:spAutoFit/>
+          </a:bodyPr>
+          <a:lstStyle/>
+          <a:p>
+            <a:r>
+              <a:rPr lang="de-DE" sz="2400" b="1" i="1" dirty="0">
+                <a:ln>
+                  <a:noFill/>
+                </a:ln>
+                <a:solidFill>
+                  <a:srgbClr val="000000"/>
+                </a:solidFill>
+                <a:effectLst/>
+                <a:latin typeface="Times New Roman" panose="02020603050405020304" pitchFamily="18" charset="0"/>
+                <a:ea typeface="Arial Unicode MS" panose="020B0604020202020204" pitchFamily="34" charset="-128"/>
+                <a:cs typeface="Times New Roman" panose="02020603050405020304" pitchFamily="18" charset="0"/>
+                <a:sym typeface="Symbol" pitchFamily="2" charset="2"/>
+              </a:rPr>
+              <a:t>W</a:t>
+            </a:r>
+            <a:endParaRPr lang="de-DE" sz="2400" i="1" baseline="30000" dirty="0">
+              <a:latin typeface="Times New Roman" panose="02020603050405020304" pitchFamily="18" charset="0"/>
+              <a:cs typeface="Times New Roman" panose="02020603050405020304" pitchFamily="18" charset="0"/>
+            </a:endParaRPr>
+          </a:p>
+        </p:txBody>
+      </p:sp>
+      <p:sp>
+        <p:nvSpPr>
+          <p:cNvPr id="118" name="Textfeld 117">
+            <a:extLst>
+              <a:ext uri="{FF2B5EF4-FFF2-40B4-BE49-F238E27FC236}">
+                <a16:creationId xmlns:a16="http://schemas.microsoft.com/office/drawing/2014/main" id="{76FB83A9-F9B2-0E0A-27E2-0E74FE5AAFAC}"/>
+              </a:ext>
+            </a:extLst>
+          </p:cNvPr>
+          <p:cNvSpPr txBox="1"/>
+          <p:nvPr/>
+        </p:nvSpPr>
+        <p:spPr>
+          <a:xfrm>
+            <a:off x="7966080" y="2578512"/>
+            <a:ext cx="389850" cy="461665"/>
+          </a:xfrm>
+          <a:prstGeom prst="rect">
+            <a:avLst/>
+          </a:prstGeom>
+          <a:noFill/>
+        </p:spPr>
+        <p:txBody>
+          <a:bodyPr wrap="none" rtlCol="0">
+            <a:spAutoFit/>
+          </a:bodyPr>
+          <a:lstStyle/>
+          <a:p>
+            <a:r>
+              <a:rPr lang="de-DE" sz="2400" b="1" i="1" dirty="0">
+                <a:ln>
+                  <a:noFill/>
+                </a:ln>
+                <a:solidFill>
+                  <a:srgbClr val="000000"/>
+                </a:solidFill>
+                <a:effectLst/>
+                <a:latin typeface="Times New Roman" panose="02020603050405020304" pitchFamily="18" charset="0"/>
+                <a:ea typeface="Arial Unicode MS" panose="020B0604020202020204" pitchFamily="34" charset="-128"/>
+                <a:cs typeface="Times New Roman" panose="02020603050405020304" pitchFamily="18" charset="0"/>
+                <a:sym typeface="Symbol" pitchFamily="2" charset="2"/>
+              </a:rPr>
+              <a:t>V</a:t>
+            </a:r>
+            <a:endParaRPr lang="de-DE" sz="2400" i="1" baseline="30000" dirty="0">
+              <a:latin typeface="Times New Roman" panose="02020603050405020304" pitchFamily="18" charset="0"/>
+              <a:cs typeface="Times New Roman" panose="02020603050405020304" pitchFamily="18" charset="0"/>
+            </a:endParaRPr>
+          </a:p>
+        </p:txBody>
+      </p:sp>
+      <p:sp>
+        <p:nvSpPr>
+          <p:cNvPr id="119" name="Textfeld 118">
+            <a:extLst>
+              <a:ext uri="{FF2B5EF4-FFF2-40B4-BE49-F238E27FC236}">
+                <a16:creationId xmlns:a16="http://schemas.microsoft.com/office/drawing/2014/main" id="{C7516EA9-CADE-CB34-8C87-CFC2B39A4616}"/>
+              </a:ext>
+            </a:extLst>
+          </p:cNvPr>
+          <p:cNvSpPr txBox="1"/>
+          <p:nvPr/>
+        </p:nvSpPr>
+        <p:spPr>
+          <a:xfrm>
+            <a:off x="1473352" y="4425332"/>
+            <a:ext cx="2431499" cy="923330"/>
+          </a:xfrm>
+          <a:prstGeom prst="rect">
+            <a:avLst/>
+          </a:prstGeom>
+          <a:noFill/>
+        </p:spPr>
+        <p:txBody>
+          <a:bodyPr wrap="none" rtlCol="0">
+            <a:spAutoFit/>
+          </a:bodyPr>
+          <a:lstStyle/>
+          <a:p>
+            <a:pPr marL="342900" indent="-342900">
+              <a:buAutoNum type="alphaLcParenR"/>
+            </a:pPr>
+            <a:r>
+              <a:rPr lang="de-DE" dirty="0"/>
+              <a:t>proposed model by</a:t>
+            </a:r>
+          </a:p>
+          <a:p>
+            <a:r>
+              <a:rPr lang="de-DE" dirty="0"/>
+              <a:t>      McCulloch and Pitts</a:t>
+            </a:r>
+          </a:p>
+          <a:p>
+            <a:r>
+              <a:rPr lang="de-DE" dirty="0"/>
+              <a:t>       </a:t>
+            </a:r>
+          </a:p>
+        </p:txBody>
+      </p:sp>
+      <p:sp>
+        <p:nvSpPr>
+          <p:cNvPr id="120" name="Textfeld 119">
+            <a:extLst>
+              <a:ext uri="{FF2B5EF4-FFF2-40B4-BE49-F238E27FC236}">
+                <a16:creationId xmlns:a16="http://schemas.microsoft.com/office/drawing/2014/main" id="{0097C73C-B6D5-DC49-004E-C0A8CB5B79AA}"/>
+              </a:ext>
+            </a:extLst>
+          </p:cNvPr>
+          <p:cNvSpPr txBox="1"/>
+          <p:nvPr/>
+        </p:nvSpPr>
+        <p:spPr>
+          <a:xfrm>
+            <a:off x="4898065" y="4430624"/>
+            <a:ext cx="2323585" cy="646331"/>
+          </a:xfrm>
+          <a:prstGeom prst="rect">
+            <a:avLst/>
+          </a:prstGeom>
+          <a:noFill/>
+        </p:spPr>
+        <p:txBody>
+          <a:bodyPr wrap="none" rtlCol="0">
+            <a:spAutoFit/>
+          </a:bodyPr>
+          <a:lstStyle/>
+          <a:p>
+            <a:r>
+              <a:rPr lang="en-US" dirty="0"/>
+              <a:t>b) augmentation with </a:t>
+            </a:r>
+          </a:p>
+          <a:p>
+            <a:r>
+              <a:rPr lang="en-US" dirty="0"/>
+              <a:t>    binary weight vector</a:t>
+            </a:r>
+          </a:p>
+        </p:txBody>
+      </p:sp>
+      <p:sp>
+        <p:nvSpPr>
+          <p:cNvPr id="121" name="Textfeld 120">
+            <a:extLst>
+              <a:ext uri="{FF2B5EF4-FFF2-40B4-BE49-F238E27FC236}">
+                <a16:creationId xmlns:a16="http://schemas.microsoft.com/office/drawing/2014/main" id="{37F902F3-25E9-7041-8A4F-DB3BDC57CE98}"/>
+              </a:ext>
+            </a:extLst>
+          </p:cNvPr>
+          <p:cNvSpPr txBox="1"/>
+          <p:nvPr/>
+        </p:nvSpPr>
+        <p:spPr>
+          <a:xfrm>
+            <a:off x="7807696" y="4420464"/>
+            <a:ext cx="2605137" cy="646331"/>
+          </a:xfrm>
+          <a:prstGeom prst="rect">
+            <a:avLst/>
+          </a:prstGeom>
+          <a:noFill/>
+        </p:spPr>
+        <p:txBody>
+          <a:bodyPr wrap="none" rtlCol="0">
+            <a:spAutoFit/>
+          </a:bodyPr>
+          <a:lstStyle/>
+          <a:p>
+            <a:r>
+              <a:rPr lang="en-US" dirty="0"/>
+              <a:t>c) array of augmented</a:t>
+            </a:r>
+          </a:p>
+          <a:p>
+            <a:r>
+              <a:rPr lang="en-US" dirty="0"/>
+              <a:t>    McCulloch-Pitts models</a:t>
+            </a:r>
+          </a:p>
+        </p:txBody>
+      </p:sp>
+      <p:sp>
+        <p:nvSpPr>
+          <p:cNvPr id="124" name="Textfeld 123">
+            <a:extLst>
+              <a:ext uri="{FF2B5EF4-FFF2-40B4-BE49-F238E27FC236}">
+                <a16:creationId xmlns:a16="http://schemas.microsoft.com/office/drawing/2014/main" id="{367D0F58-858A-DF5B-9870-0AB09BA4F0CA}"/>
+              </a:ext>
+            </a:extLst>
+          </p:cNvPr>
+          <p:cNvSpPr txBox="1"/>
+          <p:nvPr/>
+        </p:nvSpPr>
+        <p:spPr>
+          <a:xfrm>
+            <a:off x="2854287" y="2734567"/>
+            <a:ext cx="287258" cy="461665"/>
+          </a:xfrm>
+          <a:prstGeom prst="rect">
+            <a:avLst/>
+          </a:prstGeom>
+          <a:noFill/>
+        </p:spPr>
+        <p:txBody>
+          <a:bodyPr wrap="none" rtlCol="0">
+            <a:spAutoFit/>
+          </a:bodyPr>
+          <a:lstStyle/>
+          <a:p>
+            <a:r>
+              <a:rPr lang="de-AT" sz="2400" i="1" dirty="0">
+                <a:latin typeface="Times New Roman" panose="02020603050405020304" pitchFamily="18" charset="0"/>
+                <a:cs typeface="Times New Roman" panose="02020603050405020304" pitchFamily="18" charset="0"/>
+              </a:rPr>
+              <a:t>-</a:t>
+            </a:r>
+            <a:endParaRPr lang="de-DE" sz="2400" i="1" baseline="-25000" dirty="0">
+              <a:latin typeface="Times New Roman" panose="02020603050405020304" pitchFamily="18" charset="0"/>
+              <a:cs typeface="Times New Roman" panose="02020603050405020304" pitchFamily="18" charset="0"/>
+            </a:endParaRPr>
+          </a:p>
+        </p:txBody>
+      </p:sp>
+      <p:sp>
+        <p:nvSpPr>
+          <p:cNvPr id="125" name="Textfeld 124">
+            <a:extLst>
+              <a:ext uri="{FF2B5EF4-FFF2-40B4-BE49-F238E27FC236}">
+                <a16:creationId xmlns:a16="http://schemas.microsoft.com/office/drawing/2014/main" id="{9A26457D-0DF6-3504-DCCB-06AC964ADD0D}"/>
+              </a:ext>
+            </a:extLst>
+          </p:cNvPr>
+          <p:cNvSpPr txBox="1"/>
+          <p:nvPr/>
+        </p:nvSpPr>
+        <p:spPr>
+          <a:xfrm>
+            <a:off x="3267032" y="2734567"/>
+            <a:ext cx="287258" cy="461665"/>
+          </a:xfrm>
+          <a:prstGeom prst="rect">
+            <a:avLst/>
+          </a:prstGeom>
+          <a:noFill/>
+        </p:spPr>
+        <p:txBody>
+          <a:bodyPr wrap="none" rtlCol="0">
+            <a:spAutoFit/>
+          </a:bodyPr>
+          <a:lstStyle/>
+          <a:p>
+            <a:r>
+              <a:rPr lang="de-AT" sz="2400" i="1" dirty="0">
+                <a:latin typeface="Times New Roman" panose="02020603050405020304" pitchFamily="18" charset="0"/>
+                <a:cs typeface="Times New Roman" panose="02020603050405020304" pitchFamily="18" charset="0"/>
+              </a:rPr>
+              <a:t>-</a:t>
+            </a:r>
+            <a:endParaRPr lang="de-DE" sz="2400" i="1" baseline="-25000" dirty="0">
+              <a:latin typeface="Times New Roman" panose="02020603050405020304" pitchFamily="18" charset="0"/>
+              <a:cs typeface="Times New Roman" panose="02020603050405020304" pitchFamily="18" charset="0"/>
+            </a:endParaRPr>
+          </a:p>
+        </p:txBody>
+      </p:sp>
+      <p:sp>
+        <p:nvSpPr>
+          <p:cNvPr id="126" name="Textfeld 125">
+            <a:extLst>
+              <a:ext uri="{FF2B5EF4-FFF2-40B4-BE49-F238E27FC236}">
+                <a16:creationId xmlns:a16="http://schemas.microsoft.com/office/drawing/2014/main" id="{772B44AD-EAA2-3E0F-9C15-E4568D24946E}"/>
+              </a:ext>
+            </a:extLst>
+          </p:cNvPr>
+          <p:cNvSpPr txBox="1"/>
+          <p:nvPr/>
+        </p:nvSpPr>
+        <p:spPr>
+          <a:xfrm>
+            <a:off x="5771321" y="2733576"/>
+            <a:ext cx="287258" cy="461665"/>
+          </a:xfrm>
+          <a:prstGeom prst="rect">
+            <a:avLst/>
+          </a:prstGeom>
+          <a:noFill/>
+        </p:spPr>
+        <p:txBody>
+          <a:bodyPr wrap="none" rtlCol="0">
+            <a:spAutoFit/>
+          </a:bodyPr>
+          <a:lstStyle/>
+          <a:p>
+            <a:r>
+              <a:rPr lang="de-AT" sz="2400" i="1" dirty="0">
+                <a:latin typeface="Times New Roman" panose="02020603050405020304" pitchFamily="18" charset="0"/>
+                <a:cs typeface="Times New Roman" panose="02020603050405020304" pitchFamily="18" charset="0"/>
+              </a:rPr>
+              <a:t>-</a:t>
+            </a:r>
+            <a:endParaRPr lang="de-DE" sz="2400" i="1" baseline="-25000" dirty="0">
+              <a:latin typeface="Times New Roman" panose="02020603050405020304" pitchFamily="18" charset="0"/>
+              <a:cs typeface="Times New Roman" panose="02020603050405020304" pitchFamily="18" charset="0"/>
+            </a:endParaRPr>
+          </a:p>
+        </p:txBody>
+      </p:sp>
+      <p:sp>
+        <p:nvSpPr>
+          <p:cNvPr id="127" name="Textfeld 126">
+            <a:extLst>
+              <a:ext uri="{FF2B5EF4-FFF2-40B4-BE49-F238E27FC236}">
+                <a16:creationId xmlns:a16="http://schemas.microsoft.com/office/drawing/2014/main" id="{E0BA8123-885F-FCAF-9F96-A58003732267}"/>
+              </a:ext>
+            </a:extLst>
+          </p:cNvPr>
+          <p:cNvSpPr txBox="1"/>
+          <p:nvPr/>
+        </p:nvSpPr>
+        <p:spPr>
+          <a:xfrm>
+            <a:off x="6195725" y="2733576"/>
+            <a:ext cx="287258" cy="461665"/>
+          </a:xfrm>
+          <a:prstGeom prst="rect">
+            <a:avLst/>
+          </a:prstGeom>
+          <a:noFill/>
+        </p:spPr>
+        <p:txBody>
+          <a:bodyPr wrap="none" rtlCol="0">
+            <a:spAutoFit/>
+          </a:bodyPr>
+          <a:lstStyle/>
+          <a:p>
+            <a:r>
+              <a:rPr lang="de-AT" sz="2400" i="1" dirty="0">
+                <a:latin typeface="Times New Roman" panose="02020603050405020304" pitchFamily="18" charset="0"/>
+                <a:cs typeface="Times New Roman" panose="02020603050405020304" pitchFamily="18" charset="0"/>
+              </a:rPr>
+              <a:t>-</a:t>
+            </a:r>
+            <a:endParaRPr lang="de-DE" sz="2400" i="1" baseline="-25000" dirty="0">
+              <a:latin typeface="Times New Roman" panose="02020603050405020304" pitchFamily="18" charset="0"/>
+              <a:cs typeface="Times New Roman" panose="02020603050405020304" pitchFamily="18" charset="0"/>
+            </a:endParaRPr>
+          </a:p>
+        </p:txBody>
+      </p:sp>
+      <p:sp>
+        <p:nvSpPr>
+          <p:cNvPr id="128" name="Textfeld 127">
+            <a:extLst>
+              <a:ext uri="{FF2B5EF4-FFF2-40B4-BE49-F238E27FC236}">
+                <a16:creationId xmlns:a16="http://schemas.microsoft.com/office/drawing/2014/main" id="{571C919C-B25C-B4E6-4459-CCEC262CCBC1}"/>
+              </a:ext>
+            </a:extLst>
+          </p:cNvPr>
+          <p:cNvSpPr txBox="1"/>
+          <p:nvPr/>
+        </p:nvSpPr>
+        <p:spPr>
+          <a:xfrm>
+            <a:off x="9218889" y="2712265"/>
+            <a:ext cx="287258" cy="461665"/>
+          </a:xfrm>
+          <a:prstGeom prst="rect">
+            <a:avLst/>
+          </a:prstGeom>
+          <a:noFill/>
+        </p:spPr>
+        <p:txBody>
+          <a:bodyPr wrap="none" rtlCol="0">
+            <a:spAutoFit/>
+          </a:bodyPr>
+          <a:lstStyle/>
+          <a:p>
+            <a:r>
+              <a:rPr lang="de-AT" sz="2400" i="1" dirty="0">
+                <a:latin typeface="Times New Roman" panose="02020603050405020304" pitchFamily="18" charset="0"/>
+                <a:cs typeface="Times New Roman" panose="02020603050405020304" pitchFamily="18" charset="0"/>
+              </a:rPr>
+              <a:t>-</a:t>
+            </a:r>
+            <a:endParaRPr lang="de-DE" sz="2400" i="1" baseline="-25000" dirty="0">
+              <a:latin typeface="Times New Roman" panose="02020603050405020304" pitchFamily="18" charset="0"/>
+              <a:cs typeface="Times New Roman" panose="02020603050405020304" pitchFamily="18" charset="0"/>
+            </a:endParaRPr>
+          </a:p>
+        </p:txBody>
+      </p:sp>
+      <p:sp>
+        <p:nvSpPr>
+          <p:cNvPr id="129" name="Textfeld 128">
+            <a:extLst>
+              <a:ext uri="{FF2B5EF4-FFF2-40B4-BE49-F238E27FC236}">
+                <a16:creationId xmlns:a16="http://schemas.microsoft.com/office/drawing/2014/main" id="{726CE9ED-B058-067A-3EAF-8FE44B7A5E51}"/>
+              </a:ext>
+            </a:extLst>
+          </p:cNvPr>
+          <p:cNvSpPr txBox="1"/>
+          <p:nvPr/>
+        </p:nvSpPr>
+        <p:spPr>
+          <a:xfrm>
+            <a:off x="8738018" y="2545000"/>
+            <a:ext cx="338554" cy="461665"/>
+          </a:xfrm>
+          <a:prstGeom prst="rect">
+            <a:avLst/>
+          </a:prstGeom>
+          <a:noFill/>
+        </p:spPr>
+        <p:txBody>
+          <a:bodyPr wrap="none" rtlCol="0">
+            <a:spAutoFit/>
+          </a:bodyPr>
+          <a:lstStyle/>
+          <a:p>
+            <a:r>
+              <a:rPr lang="de-AT" sz="2400" i="1" dirty="0">
+                <a:latin typeface="Times New Roman" panose="02020603050405020304" pitchFamily="18" charset="0"/>
+                <a:cs typeface="Times New Roman" panose="02020603050405020304" pitchFamily="18" charset="0"/>
+              </a:rPr>
+              <a:t>_</a:t>
+            </a:r>
+            <a:endParaRPr lang="de-DE" sz="2400" i="1" baseline="-25000" dirty="0">
+              <a:latin typeface="Times New Roman" panose="02020603050405020304" pitchFamily="18" charset="0"/>
+              <a:cs typeface="Times New Roman" panose="02020603050405020304" pitchFamily="18" charset="0"/>
+            </a:endParaRPr>
+          </a:p>
+        </p:txBody>
+      </p:sp>
+      <p:sp>
+        <p:nvSpPr>
+          <p:cNvPr id="136" name="Rechteck 135">
+            <a:extLst>
+              <a:ext uri="{FF2B5EF4-FFF2-40B4-BE49-F238E27FC236}">
+                <a16:creationId xmlns:a16="http://schemas.microsoft.com/office/drawing/2014/main" id="{9E5FD98B-8A0D-DA7D-867D-629662FE5F1F}"/>
+              </a:ext>
+            </a:extLst>
+          </p:cNvPr>
+          <p:cNvSpPr/>
+          <p:nvPr/>
+        </p:nvSpPr>
+        <p:spPr>
+          <a:xfrm>
+            <a:off x="1323745" y="1388302"/>
+            <a:ext cx="9384895" cy="4081395"/>
+          </a:xfrm>
+          <a:prstGeom prst="rect">
+            <a:avLst/>
+          </a:prstGeom>
+          <a:noFill/>
+          <a:ln w="19050">
+            <a:solidFill>
+              <a:schemeClr val="tx1"/>
+            </a:solidFill>
+          </a:ln>
+        </p:spPr>
+        <p:style>
+          <a:lnRef idx="2">
+            <a:schemeClr val="accent1">
+              <a:shade val="15000"/>
+            </a:schemeClr>
+          </a:lnRef>
+          <a:fillRef idx="1">
+            <a:schemeClr val="accent1"/>
+          </a:fillRef>
+          <a:effectRef idx="0">
+            <a:schemeClr val="accent1"/>
+          </a:effectRef>
+          <a:fontRef idx="minor">
+            <a:schemeClr val="lt1"/>
+          </a:fontRef>
+        </p:style>
+        <p:txBody>
+          <a:bodyPr rtlCol="0" anchor="ctr"/>
+          <a:lstStyle/>
+          <a:p>
+            <a:pPr algn="ctr"/>
+            <a:endParaRPr lang="de-DE"/>
+          </a:p>
+        </p:txBody>
+      </p:sp>
+    </p:spTree>
+    <p:extLst>
+      <p:ext uri="{BB962C8B-B14F-4D97-AF65-F5344CB8AC3E}">
+        <p14:creationId xmlns:p14="http://schemas.microsoft.com/office/powerpoint/2010/main" val="1613359564"/>
+      </p:ext>
+    </p:extLst>
+  </p:cSld>
+  <p:clrMapOvr>
+    <a:masterClrMapping/>
+  </p:clrMapOvr>
+</p:sld>
+</file>
+
+<file path=ppt/slides/slide3.xml><?xml version="1.0" encoding="utf-8"?>
+<p:sld xmlns:a="http://schemas.openxmlformats.org/drawingml/2006/main" xmlns:r="http://schemas.openxmlformats.org/officeDocument/2006/relationships" xmlns:p="http://schemas.openxmlformats.org/presentationml/2006/main">
+  <p:cSld>
+    <p:spTree>
+      <p:nvGrpSpPr>
+        <p:cNvPr id="1" name=""/>
+        <p:cNvGrpSpPr/>
+        <p:nvPr/>
+      </p:nvGrpSpPr>
+      <p:grpSpPr>
+        <a:xfrm>
+          <a:off x="0" y="0"/>
+          <a:ext cx="0" cy="0"/>
+          <a:chOff x="0" y="0"/>
+          <a:chExt cx="0" cy="0"/>
+        </a:xfrm>
+      </p:grpSpPr>
+      <p:grpSp>
+        <p:nvGrpSpPr>
           <p:cNvPr id="8" name="Gruppieren 7">
             <a:extLst>
               <a:ext uri="{FF2B5EF4-FFF2-40B4-BE49-F238E27FC236}">
@@ -9768,6 +12016,170 @@
     <p:extLst>
       <p:ext uri="{BB962C8B-B14F-4D97-AF65-F5344CB8AC3E}">
         <p14:creationId xmlns:p14="http://schemas.microsoft.com/office/powerpoint/2010/main" val="147156479"/>
+      </p:ext>
+    </p:extLst>
+  </p:cSld>
+  <p:clrMapOvr>
+    <a:masterClrMapping/>
+  </p:clrMapOvr>
+</p:sld>
+</file>
+
+<file path=ppt/slides/slide4.xml><?xml version="1.0" encoding="utf-8"?>
+<p:sld xmlns:a="http://schemas.openxmlformats.org/drawingml/2006/main" xmlns:r="http://schemas.openxmlformats.org/officeDocument/2006/relationships" xmlns:p="http://schemas.openxmlformats.org/presentationml/2006/main">
+  <p:cSld>
+    <p:spTree>
+      <p:nvGrpSpPr>
+        <p:cNvPr id="1" name=""/>
+        <p:cNvGrpSpPr/>
+        <p:nvPr/>
+      </p:nvGrpSpPr>
+      <p:grpSpPr>
+        <a:xfrm>
+          <a:off x="0" y="0"/>
+          <a:ext cx="0" cy="0"/>
+          <a:chOff x="0" y="0"/>
+          <a:chExt cx="0" cy="0"/>
+        </a:xfrm>
+      </p:grpSpPr>
+      <p:pic>
+        <p:nvPicPr>
+          <p:cNvPr id="4" name="Grafik 3">
+            <a:extLst>
+              <a:ext uri="{FF2B5EF4-FFF2-40B4-BE49-F238E27FC236}">
+                <a16:creationId xmlns:a16="http://schemas.microsoft.com/office/drawing/2014/main" id="{598BE3BA-1041-C171-8A86-EB40D97ECD0B}"/>
+              </a:ext>
+            </a:extLst>
+          </p:cNvPr>
+          <p:cNvPicPr>
+            <a:picLocks noChangeAspect="1"/>
+          </p:cNvPicPr>
+          <p:nvPr/>
+        </p:nvPicPr>
+        <p:blipFill>
+          <a:blip r:embed="rId2"/>
+          <a:stretch>
+            <a:fillRect/>
+          </a:stretch>
+        </p:blipFill>
+        <p:spPr>
+          <a:xfrm>
+            <a:off x="3054350" y="1225550"/>
+            <a:ext cx="6083300" cy="4406900"/>
+          </a:xfrm>
+          <a:prstGeom prst="rect">
+            <a:avLst/>
+          </a:prstGeom>
+        </p:spPr>
+      </p:pic>
+      <p:sp>
+        <p:nvSpPr>
+          <p:cNvPr id="5" name="Rechteck 4">
+            <a:extLst>
+              <a:ext uri="{FF2B5EF4-FFF2-40B4-BE49-F238E27FC236}">
+                <a16:creationId xmlns:a16="http://schemas.microsoft.com/office/drawing/2014/main" id="{0C497F12-474F-6E8A-13F2-BB665CDEB039}"/>
+              </a:ext>
+            </a:extLst>
+          </p:cNvPr>
+          <p:cNvSpPr/>
+          <p:nvPr/>
+        </p:nvSpPr>
+        <p:spPr>
+          <a:xfrm>
+            <a:off x="2319454" y="1003610"/>
+            <a:ext cx="1271239" cy="825190"/>
+          </a:xfrm>
+          <a:prstGeom prst="rect">
+            <a:avLst/>
+          </a:prstGeom>
+          <a:solidFill>
+            <a:schemeClr val="bg1"/>
+          </a:solidFill>
+          <a:ln>
+            <a:noFill/>
+          </a:ln>
+        </p:spPr>
+        <p:style>
+          <a:lnRef idx="2">
+            <a:schemeClr val="accent1">
+              <a:shade val="15000"/>
+            </a:schemeClr>
+          </a:lnRef>
+          <a:fillRef idx="1">
+            <a:schemeClr val="accent1"/>
+          </a:fillRef>
+          <a:effectRef idx="0">
+            <a:schemeClr val="accent1"/>
+          </a:effectRef>
+          <a:fontRef idx="minor">
+            <a:schemeClr val="lt1"/>
+          </a:fontRef>
+        </p:style>
+        <p:txBody>
+          <a:bodyPr rtlCol="0" anchor="ctr"/>
+          <a:lstStyle/>
+          <a:p>
+            <a:pPr algn="ctr"/>
+            <a:endParaRPr lang="de-DE"/>
+          </a:p>
+        </p:txBody>
+      </p:sp>
+      <p:sp>
+        <p:nvSpPr>
+          <p:cNvPr id="6" name="Rechteck 5">
+            <a:extLst>
+              <a:ext uri="{FF2B5EF4-FFF2-40B4-BE49-F238E27FC236}">
+                <a16:creationId xmlns:a16="http://schemas.microsoft.com/office/drawing/2014/main" id="{EA379F6B-9EAF-452F-B52C-0C6FB7A085DD}"/>
+              </a:ext>
+            </a:extLst>
+          </p:cNvPr>
+          <p:cNvSpPr/>
+          <p:nvPr/>
+        </p:nvSpPr>
+        <p:spPr>
+          <a:xfrm>
+            <a:off x="6233532" y="5029200"/>
+            <a:ext cx="2364058" cy="825190"/>
+          </a:xfrm>
+          <a:prstGeom prst="rect">
+            <a:avLst/>
+          </a:prstGeom>
+          <a:solidFill>
+            <a:schemeClr val="bg1"/>
+          </a:solidFill>
+          <a:ln>
+            <a:noFill/>
+          </a:ln>
+        </p:spPr>
+        <p:style>
+          <a:lnRef idx="2">
+            <a:schemeClr val="accent1">
+              <a:shade val="15000"/>
+            </a:schemeClr>
+          </a:lnRef>
+          <a:fillRef idx="1">
+            <a:schemeClr val="accent1"/>
+          </a:fillRef>
+          <a:effectRef idx="0">
+            <a:schemeClr val="accent1"/>
+          </a:effectRef>
+          <a:fontRef idx="minor">
+            <a:schemeClr val="lt1"/>
+          </a:fontRef>
+        </p:style>
+        <p:txBody>
+          <a:bodyPr rtlCol="0" anchor="ctr"/>
+          <a:lstStyle/>
+          <a:p>
+            <a:pPr algn="ctr"/>
+            <a:endParaRPr lang="de-DE"/>
+          </a:p>
+        </p:txBody>
+      </p:sp>
+    </p:spTree>
+    <p:extLst>
+      <p:ext uri="{BB962C8B-B14F-4D97-AF65-F5344CB8AC3E}">
+        <p14:creationId xmlns:p14="http://schemas.microsoft.com/office/powerpoint/2010/main" val="92662480"/>
       </p:ext>
     </p:extLst>
   </p:cSld>

--- a/paper/Neurotron/Neurotron - Images.pptx
+++ b/paper/Neurotron/Neurotron - Images.pptx
@@ -5,7 +5,7 @@
     <p:sldMasterId id="2147483648" r:id="rId1"/>
   </p:sldMasterIdLst>
   <p:notesMasterIdLst>
-    <p:notesMasterId r:id="rId16"/>
+    <p:notesMasterId r:id="rId17"/>
   </p:notesMasterIdLst>
   <p:sldIdLst>
     <p:sldId id="276" r:id="rId2"/>
@@ -21,7 +21,8 @@
     <p:sldId id="294" r:id="rId12"/>
     <p:sldId id="295" r:id="rId13"/>
     <p:sldId id="296" r:id="rId14"/>
-    <p:sldId id="288" r:id="rId15"/>
+    <p:sldId id="297" r:id="rId15"/>
+    <p:sldId id="288" r:id="rId16"/>
   </p:sldIdLst>
   <p:sldSz cx="12192000" cy="6858000"/>
   <p:notesSz cx="6858000" cy="9144000"/>
@@ -628,6 +629,90 @@
             <a:fld id="{C92A1811-5870-B04B-BFAC-7255E544D666}" type="slidenum">
               <a:rPr lang="en-US" smtClean="0"/>
               <a:t>14</a:t>
+            </a:fld>
+            <a:endParaRPr lang="en-US"/>
+          </a:p>
+        </p:txBody>
+      </p:sp>
+    </p:spTree>
+    <p:extLst>
+      <p:ext uri="{BB962C8B-B14F-4D97-AF65-F5344CB8AC3E}">
+        <p14:creationId xmlns:p14="http://schemas.microsoft.com/office/powerpoint/2010/main" val="2598813184"/>
+      </p:ext>
+    </p:extLst>
+  </p:cSld>
+  <p:clrMapOvr>
+    <a:masterClrMapping/>
+  </p:clrMapOvr>
+</p:notes>
+</file>
+
+<file path=ppt/notesSlides/notesSlide11.xml><?xml version="1.0" encoding="utf-8"?>
+<p:notes xmlns:a="http://schemas.openxmlformats.org/drawingml/2006/main" xmlns:r="http://schemas.openxmlformats.org/officeDocument/2006/relationships" xmlns:p="http://schemas.openxmlformats.org/presentationml/2006/main">
+  <p:cSld>
+    <p:spTree>
+      <p:nvGrpSpPr>
+        <p:cNvPr id="1" name=""/>
+        <p:cNvGrpSpPr/>
+        <p:nvPr/>
+      </p:nvGrpSpPr>
+      <p:grpSpPr>
+        <a:xfrm>
+          <a:off x="0" y="0"/>
+          <a:ext cx="0" cy="0"/>
+          <a:chOff x="0" y="0"/>
+          <a:chExt cx="0" cy="0"/>
+        </a:xfrm>
+      </p:grpSpPr>
+      <p:sp>
+        <p:nvSpPr>
+          <p:cNvPr id="2" name="Folienbildplatzhalter 1"/>
+          <p:cNvSpPr>
+            <a:spLocks noGrp="1" noRot="1" noChangeAspect="1"/>
+          </p:cNvSpPr>
+          <p:nvPr>
+            <p:ph type="sldImg"/>
+          </p:nvPr>
+        </p:nvSpPr>
+        <p:spPr/>
+      </p:sp>
+      <p:sp>
+        <p:nvSpPr>
+          <p:cNvPr id="3" name="Notizenplatzhalter 2"/>
+          <p:cNvSpPr>
+            <a:spLocks noGrp="1"/>
+          </p:cNvSpPr>
+          <p:nvPr>
+            <p:ph type="body" idx="1"/>
+          </p:nvPr>
+        </p:nvSpPr>
+        <p:spPr/>
+        <p:txBody>
+          <a:bodyPr/>
+          <a:lstStyle/>
+          <a:p>
+            <a:endParaRPr lang="de-DE" dirty="0"/>
+          </a:p>
+        </p:txBody>
+      </p:sp>
+      <p:sp>
+        <p:nvSpPr>
+          <p:cNvPr id="4" name="Foliennummernplatzhalter 3"/>
+          <p:cNvSpPr>
+            <a:spLocks noGrp="1"/>
+          </p:cNvSpPr>
+          <p:nvPr>
+            <p:ph type="sldNum" sz="quarter" idx="5"/>
+          </p:nvPr>
+        </p:nvSpPr>
+        <p:spPr/>
+        <p:txBody>
+          <a:bodyPr/>
+          <a:lstStyle/>
+          <a:p>
+            <a:fld id="{C92A1811-5870-B04B-BFAC-7255E544D666}" type="slidenum">
+              <a:rPr lang="en-US" smtClean="0"/>
+              <a:t>15</a:t>
             </a:fld>
             <a:endParaRPr lang="en-US"/>
           </a:p>
@@ -27282,6 +27367,7559 @@
           <a:chExt cx="0" cy="0"/>
         </a:xfrm>
       </p:grpSpPr>
+      <p:cxnSp>
+        <p:nvCxnSpPr>
+          <p:cNvPr id="83" name="Gerade Verbindung 82">
+            <a:extLst>
+              <a:ext uri="{FF2B5EF4-FFF2-40B4-BE49-F238E27FC236}">
+                <a16:creationId xmlns:a16="http://schemas.microsoft.com/office/drawing/2014/main" id="{DE6D70EA-DD48-E9AD-ED6C-33A12652023C}"/>
+              </a:ext>
+            </a:extLst>
+          </p:cNvPr>
+          <p:cNvCxnSpPr>
+            <a:cxnSpLocks/>
+          </p:cNvCxnSpPr>
+          <p:nvPr/>
+        </p:nvCxnSpPr>
+        <p:spPr>
+          <a:xfrm>
+            <a:off x="11577972" y="2309378"/>
+            <a:ext cx="0" cy="1916524"/>
+          </a:xfrm>
+          <a:prstGeom prst="line">
+            <a:avLst/>
+          </a:prstGeom>
+          <a:ln>
+            <a:solidFill>
+              <a:schemeClr val="bg1"/>
+            </a:solidFill>
+          </a:ln>
+        </p:spPr>
+        <p:style>
+          <a:lnRef idx="1">
+            <a:schemeClr val="accent1"/>
+          </a:lnRef>
+          <a:fillRef idx="0">
+            <a:schemeClr val="accent1"/>
+          </a:fillRef>
+          <a:effectRef idx="0">
+            <a:schemeClr val="accent1"/>
+          </a:effectRef>
+          <a:fontRef idx="minor">
+            <a:schemeClr val="tx1"/>
+          </a:fontRef>
+        </p:style>
+      </p:cxnSp>
+      <p:sp>
+        <p:nvSpPr>
+          <p:cNvPr id="5" name="Rechteck 4">
+            <a:extLst>
+              <a:ext uri="{FF2B5EF4-FFF2-40B4-BE49-F238E27FC236}">
+                <a16:creationId xmlns:a16="http://schemas.microsoft.com/office/drawing/2014/main" id="{0C497F12-474F-6E8A-13F2-BB665CDEB039}"/>
+              </a:ext>
+            </a:extLst>
+          </p:cNvPr>
+          <p:cNvSpPr/>
+          <p:nvPr/>
+        </p:nvSpPr>
+        <p:spPr>
+          <a:xfrm>
+            <a:off x="7559101" y="5375488"/>
+            <a:ext cx="706566" cy="458648"/>
+          </a:xfrm>
+          <a:prstGeom prst="rect">
+            <a:avLst/>
+          </a:prstGeom>
+          <a:solidFill>
+            <a:schemeClr val="bg1"/>
+          </a:solidFill>
+          <a:ln>
+            <a:noFill/>
+          </a:ln>
+        </p:spPr>
+        <p:style>
+          <a:lnRef idx="2">
+            <a:schemeClr val="accent1">
+              <a:shade val="15000"/>
+            </a:schemeClr>
+          </a:lnRef>
+          <a:fillRef idx="1">
+            <a:schemeClr val="accent1"/>
+          </a:fillRef>
+          <a:effectRef idx="0">
+            <a:schemeClr val="accent1"/>
+          </a:effectRef>
+          <a:fontRef idx="minor">
+            <a:schemeClr val="lt1"/>
+          </a:fontRef>
+        </p:style>
+        <p:txBody>
+          <a:bodyPr rtlCol="0" anchor="ctr"/>
+          <a:lstStyle/>
+          <a:p>
+            <a:pPr algn="ctr"/>
+            <a:endParaRPr lang="de-DE"/>
+          </a:p>
+        </p:txBody>
+      </p:sp>
+      <p:sp>
+        <p:nvSpPr>
+          <p:cNvPr id="36" name="Textfeld 35">
+            <a:extLst>
+              <a:ext uri="{FF2B5EF4-FFF2-40B4-BE49-F238E27FC236}">
+                <a16:creationId xmlns:a16="http://schemas.microsoft.com/office/drawing/2014/main" id="{596AFE2F-7A3C-FB2A-D137-5276FA192DB2}"/>
+              </a:ext>
+            </a:extLst>
+          </p:cNvPr>
+          <p:cNvSpPr txBox="1"/>
+          <p:nvPr/>
+        </p:nvSpPr>
+        <p:spPr>
+          <a:xfrm>
+            <a:off x="1040130" y="1797641"/>
+            <a:ext cx="1691810" cy="369332"/>
+          </a:xfrm>
+          <a:prstGeom prst="rect">
+            <a:avLst/>
+          </a:prstGeom>
+          <a:noFill/>
+        </p:spPr>
+        <p:txBody>
+          <a:bodyPr wrap="none" rtlCol="0">
+            <a:spAutoFit/>
+          </a:bodyPr>
+          <a:lstStyle/>
+          <a:p>
+            <a:r>
+              <a:rPr lang="de-DE" i="1" dirty="0">
+                <a:latin typeface="Times New Roman" panose="02020603050405020304" pitchFamily="18" charset="0"/>
+                <a:cs typeface="Times New Roman" panose="02020603050405020304" pitchFamily="18" charset="0"/>
+              </a:rPr>
+              <a:t>t = 1.2:    </a:t>
+            </a:r>
+            <a:r>
+              <a:rPr lang="de-DE" dirty="0">
+                <a:latin typeface="+mj-lt"/>
+                <a:cs typeface="Times New Roman" panose="02020603050405020304" pitchFamily="18" charset="0"/>
+              </a:rPr>
+              <a:t>Sarah</a:t>
+            </a:r>
+            <a:r>
+              <a:rPr lang="de-DE" i="1" dirty="0">
+                <a:latin typeface="Times New Roman" panose="02020603050405020304" pitchFamily="18" charset="0"/>
+                <a:cs typeface="Times New Roman" panose="02020603050405020304" pitchFamily="18" charset="0"/>
+              </a:rPr>
+              <a:t> </a:t>
+            </a:r>
+          </a:p>
+        </p:txBody>
+      </p:sp>
+      <p:grpSp>
+        <p:nvGrpSpPr>
+          <p:cNvPr id="38" name="Gruppieren 37">
+            <a:extLst>
+              <a:ext uri="{FF2B5EF4-FFF2-40B4-BE49-F238E27FC236}">
+                <a16:creationId xmlns:a16="http://schemas.microsoft.com/office/drawing/2014/main" id="{C77E153B-36EC-1CEF-C95E-1AB88EA986BF}"/>
+              </a:ext>
+            </a:extLst>
+          </p:cNvPr>
+          <p:cNvGrpSpPr/>
+          <p:nvPr/>
+        </p:nvGrpSpPr>
+        <p:grpSpPr>
+          <a:xfrm>
+            <a:off x="3038884" y="1641740"/>
+            <a:ext cx="706234" cy="706322"/>
+            <a:chOff x="9391771" y="3793537"/>
+            <a:chExt cx="706234" cy="706322"/>
+          </a:xfrm>
+        </p:grpSpPr>
+        <p:grpSp>
+          <p:nvGrpSpPr>
+            <p:cNvPr id="39" name="Gruppieren 38">
+              <a:extLst>
+                <a:ext uri="{FF2B5EF4-FFF2-40B4-BE49-F238E27FC236}">
+                  <a16:creationId xmlns:a16="http://schemas.microsoft.com/office/drawing/2014/main" id="{383857A9-70E1-7077-CF08-489735CA8739}"/>
+                </a:ext>
+              </a:extLst>
+            </p:cNvPr>
+            <p:cNvGrpSpPr/>
+            <p:nvPr/>
+          </p:nvGrpSpPr>
+          <p:grpSpPr>
+            <a:xfrm>
+              <a:off x="9391771" y="3793537"/>
+              <a:ext cx="688831" cy="706322"/>
+              <a:chOff x="7281844" y="1218399"/>
+              <a:chExt cx="1239331" cy="1270800"/>
+            </a:xfrm>
+          </p:grpSpPr>
+          <p:grpSp>
+            <p:nvGrpSpPr>
+              <p:cNvPr id="42" name="Gruppieren 41">
+                <a:extLst>
+                  <a:ext uri="{FF2B5EF4-FFF2-40B4-BE49-F238E27FC236}">
+                    <a16:creationId xmlns:a16="http://schemas.microsoft.com/office/drawing/2014/main" id="{3BA9827D-E30D-819D-3216-B3B712E84303}"/>
+                  </a:ext>
+                </a:extLst>
+              </p:cNvPr>
+              <p:cNvGrpSpPr/>
+              <p:nvPr/>
+            </p:nvGrpSpPr>
+            <p:grpSpPr>
+              <a:xfrm>
+                <a:off x="7297328" y="1243128"/>
+                <a:ext cx="1223847" cy="1223847"/>
+                <a:chOff x="5206567" y="1243128"/>
+                <a:chExt cx="1223847" cy="1223847"/>
+              </a:xfrm>
+            </p:grpSpPr>
+            <p:sp>
+              <p:nvSpPr>
+                <p:cNvPr id="44" name="Ring 43">
+                  <a:extLst>
+                    <a:ext uri="{FF2B5EF4-FFF2-40B4-BE49-F238E27FC236}">
+                      <a16:creationId xmlns:a16="http://schemas.microsoft.com/office/drawing/2014/main" id="{D227743B-8D3F-2E89-B6E3-86726F213CE9}"/>
+                    </a:ext>
+                  </a:extLst>
+                </p:cNvPr>
+                <p:cNvSpPr/>
+                <p:nvPr/>
+              </p:nvSpPr>
+              <p:spPr>
+                <a:xfrm>
+                  <a:off x="5206567" y="1243128"/>
+                  <a:ext cx="1223847" cy="1223847"/>
+                </a:xfrm>
+                <a:prstGeom prst="donut">
+                  <a:avLst>
+                    <a:gd name="adj" fmla="val 14231"/>
+                  </a:avLst>
+                </a:prstGeom>
+                <a:solidFill>
+                  <a:schemeClr val="bg1">
+                    <a:lumMod val="75000"/>
+                  </a:schemeClr>
+                </a:solidFill>
+                <a:ln>
+                  <a:noFill/>
+                </a:ln>
+                <a:scene3d>
+                  <a:camera prst="orthographicFront"/>
+                  <a:lightRig rig="threePt" dir="t"/>
+                </a:scene3d>
+                <a:sp3d>
+                  <a:bevelT/>
+                </a:sp3d>
+              </p:spPr>
+              <p:style>
+                <a:lnRef idx="2">
+                  <a:schemeClr val="accent1">
+                    <a:shade val="15000"/>
+                  </a:schemeClr>
+                </a:lnRef>
+                <a:fillRef idx="1">
+                  <a:schemeClr val="accent1"/>
+                </a:fillRef>
+                <a:effectRef idx="0">
+                  <a:schemeClr val="accent1"/>
+                </a:effectRef>
+                <a:fontRef idx="minor">
+                  <a:schemeClr val="lt1"/>
+                </a:fontRef>
+              </p:style>
+              <p:txBody>
+                <a:bodyPr rtlCol="0" anchor="ctr"/>
+                <a:lstStyle/>
+                <a:p>
+                  <a:pPr algn="ctr"/>
+                  <a:endParaRPr lang="de-DE"/>
+                </a:p>
+              </p:txBody>
+            </p:sp>
+            <p:sp>
+              <p:nvSpPr>
+                <p:cNvPr id="45" name="Oval 44">
+                  <a:extLst>
+                    <a:ext uri="{FF2B5EF4-FFF2-40B4-BE49-F238E27FC236}">
+                      <a16:creationId xmlns:a16="http://schemas.microsoft.com/office/drawing/2014/main" id="{9D205F5E-F877-D71A-6927-5F63F4B083C2}"/>
+                    </a:ext>
+                  </a:extLst>
+                </p:cNvPr>
+                <p:cNvSpPr/>
+                <p:nvPr/>
+              </p:nvSpPr>
+              <p:spPr>
+                <a:xfrm>
+                  <a:off x="5377924" y="1414485"/>
+                  <a:ext cx="881133" cy="881133"/>
+                </a:xfrm>
+                <a:prstGeom prst="ellipse">
+                  <a:avLst/>
+                </a:prstGeom>
+                <a:solidFill>
+                  <a:schemeClr val="bg1">
+                    <a:lumMod val="75000"/>
+                  </a:schemeClr>
+                </a:solidFill>
+                <a:ln>
+                  <a:noFill/>
+                </a:ln>
+                <a:scene3d>
+                  <a:camera prst="orthographicFront"/>
+                  <a:lightRig rig="threePt" dir="t"/>
+                </a:scene3d>
+                <a:sp3d>
+                  <a:bevelT w="317500" h="260350"/>
+                </a:sp3d>
+              </p:spPr>
+              <p:style>
+                <a:lnRef idx="2">
+                  <a:schemeClr val="accent1">
+                    <a:shade val="15000"/>
+                  </a:schemeClr>
+                </a:lnRef>
+                <a:fillRef idx="1">
+                  <a:schemeClr val="accent1"/>
+                </a:fillRef>
+                <a:effectRef idx="0">
+                  <a:schemeClr val="accent1"/>
+                </a:effectRef>
+                <a:fontRef idx="minor">
+                  <a:schemeClr val="lt1"/>
+                </a:fontRef>
+              </p:style>
+              <p:txBody>
+                <a:bodyPr rtlCol="0" anchor="ctr"/>
+                <a:lstStyle/>
+                <a:p>
+                  <a:pPr algn="ctr"/>
+                  <a:endParaRPr lang="de-DE"/>
+                </a:p>
+              </p:txBody>
+            </p:sp>
+          </p:grpSp>
+          <p:pic>
+            <p:nvPicPr>
+              <p:cNvPr id="43" name="Grafik 42">
+                <a:extLst>
+                  <a:ext uri="{FF2B5EF4-FFF2-40B4-BE49-F238E27FC236}">
+                    <a16:creationId xmlns:a16="http://schemas.microsoft.com/office/drawing/2014/main" id="{2EB3B090-18C3-397B-F5DA-E4330D7EF11D}"/>
+                  </a:ext>
+                </a:extLst>
+              </p:cNvPr>
+              <p:cNvPicPr>
+                <a:picLocks noChangeAspect="1"/>
+              </p:cNvPicPr>
+              <p:nvPr/>
+            </p:nvPicPr>
+            <p:blipFill>
+              <a:blip r:embed="rId3"/>
+              <a:stretch>
+                <a:fillRect/>
+              </a:stretch>
+            </p:blipFill>
+            <p:spPr>
+              <a:xfrm>
+                <a:off x="7281844" y="1218399"/>
+                <a:ext cx="625772" cy="1270800"/>
+              </a:xfrm>
+              <a:prstGeom prst="rect">
+                <a:avLst/>
+              </a:prstGeom>
+            </p:spPr>
+          </p:pic>
+        </p:grpSp>
+        <p:pic>
+          <p:nvPicPr>
+            <p:cNvPr id="40" name="Grafik 39">
+              <a:extLst>
+                <a:ext uri="{FF2B5EF4-FFF2-40B4-BE49-F238E27FC236}">
+                  <a16:creationId xmlns:a16="http://schemas.microsoft.com/office/drawing/2014/main" id="{22C20ACD-DDE6-D710-0557-5E84AE823746}"/>
+                </a:ext>
+              </a:extLst>
+            </p:cNvPr>
+            <p:cNvPicPr>
+              <a:picLocks noChangeAspect="1"/>
+            </p:cNvPicPr>
+            <p:nvPr/>
+          </p:nvPicPr>
+          <p:blipFill>
+            <a:blip r:embed="rId4"/>
+            <a:stretch>
+              <a:fillRect/>
+            </a:stretch>
+          </p:blipFill>
+          <p:spPr>
+            <a:xfrm>
+              <a:off x="9739481" y="3799155"/>
+              <a:ext cx="358524" cy="698318"/>
+            </a:xfrm>
+            <a:prstGeom prst="rect">
+              <a:avLst/>
+            </a:prstGeom>
+          </p:spPr>
+        </p:pic>
+        <p:sp>
+          <p:nvSpPr>
+            <p:cNvPr id="41" name="Abgerundetes Rechteck 40">
+              <a:extLst>
+                <a:ext uri="{FF2B5EF4-FFF2-40B4-BE49-F238E27FC236}">
+                  <a16:creationId xmlns:a16="http://schemas.microsoft.com/office/drawing/2014/main" id="{195F0A13-351E-62A7-F5F1-FEC74A3AC9AA}"/>
+                </a:ext>
+              </a:extLst>
+            </p:cNvPr>
+            <p:cNvSpPr/>
+            <p:nvPr/>
+          </p:nvSpPr>
+          <p:spPr>
+            <a:xfrm>
+              <a:off x="9663126" y="3798012"/>
+              <a:ext cx="156676" cy="698318"/>
+            </a:xfrm>
+            <a:prstGeom prst="roundRect">
+              <a:avLst>
+                <a:gd name="adj" fmla="val 33106"/>
+              </a:avLst>
+            </a:prstGeom>
+            <a:solidFill>
+              <a:schemeClr val="bg1">
+                <a:lumMod val="75000"/>
+              </a:schemeClr>
+            </a:solidFill>
+            <a:ln>
+              <a:noFill/>
+            </a:ln>
+            <a:scene3d>
+              <a:camera prst="orthographicFront"/>
+              <a:lightRig rig="threePt" dir="t"/>
+            </a:scene3d>
+            <a:sp3d>
+              <a:bevelT w="50800" h="50800"/>
+            </a:sp3d>
+          </p:spPr>
+          <p:style>
+            <a:lnRef idx="2">
+              <a:schemeClr val="accent1">
+                <a:shade val="15000"/>
+              </a:schemeClr>
+            </a:lnRef>
+            <a:fillRef idx="1">
+              <a:schemeClr val="accent1"/>
+            </a:fillRef>
+            <a:effectRef idx="0">
+              <a:schemeClr val="accent1"/>
+            </a:effectRef>
+            <a:fontRef idx="minor">
+              <a:schemeClr val="lt1"/>
+            </a:fontRef>
+          </p:style>
+          <p:txBody>
+            <a:bodyPr rtlCol="0" anchor="ctr"/>
+            <a:lstStyle/>
+            <a:p>
+              <a:pPr algn="ctr"/>
+              <a:endParaRPr lang="de-DE"/>
+            </a:p>
+          </p:txBody>
+        </p:sp>
+      </p:grpSp>
+      <p:grpSp>
+        <p:nvGrpSpPr>
+          <p:cNvPr id="46" name="Gruppieren 45">
+            <a:extLst>
+              <a:ext uri="{FF2B5EF4-FFF2-40B4-BE49-F238E27FC236}">
+                <a16:creationId xmlns:a16="http://schemas.microsoft.com/office/drawing/2014/main" id="{1A13D93C-C654-4339-82B9-2F4AF763E405}"/>
+              </a:ext>
+            </a:extLst>
+          </p:cNvPr>
+          <p:cNvGrpSpPr/>
+          <p:nvPr/>
+        </p:nvGrpSpPr>
+        <p:grpSpPr>
+          <a:xfrm>
+            <a:off x="4225598" y="1634737"/>
+            <a:ext cx="739971" cy="720328"/>
+            <a:chOff x="7189834" y="2653468"/>
+            <a:chExt cx="1331341" cy="1296000"/>
+          </a:xfrm>
+        </p:grpSpPr>
+        <p:grpSp>
+          <p:nvGrpSpPr>
+            <p:cNvPr id="47" name="Gruppieren 46">
+              <a:extLst>
+                <a:ext uri="{FF2B5EF4-FFF2-40B4-BE49-F238E27FC236}">
+                  <a16:creationId xmlns:a16="http://schemas.microsoft.com/office/drawing/2014/main" id="{4272A766-AC18-CC76-46D6-1ACFDE0EEB5A}"/>
+                </a:ext>
+              </a:extLst>
+            </p:cNvPr>
+            <p:cNvGrpSpPr/>
+            <p:nvPr/>
+          </p:nvGrpSpPr>
+          <p:grpSpPr>
+            <a:xfrm>
+              <a:off x="7297328" y="2686422"/>
+              <a:ext cx="1223847" cy="1223847"/>
+              <a:chOff x="5206567" y="1243128"/>
+              <a:chExt cx="1223847" cy="1223847"/>
+            </a:xfrm>
+          </p:grpSpPr>
+          <p:sp>
+            <p:nvSpPr>
+              <p:cNvPr id="50" name="Ring 49">
+                <a:extLst>
+                  <a:ext uri="{FF2B5EF4-FFF2-40B4-BE49-F238E27FC236}">
+                    <a16:creationId xmlns:a16="http://schemas.microsoft.com/office/drawing/2014/main" id="{23D2BA02-F3F7-CEB3-2818-3A463C6286B7}"/>
+                  </a:ext>
+                </a:extLst>
+              </p:cNvPr>
+              <p:cNvSpPr/>
+              <p:nvPr/>
+            </p:nvSpPr>
+            <p:spPr>
+              <a:xfrm>
+                <a:off x="5206567" y="1243128"/>
+                <a:ext cx="1223847" cy="1223847"/>
+              </a:xfrm>
+              <a:prstGeom prst="donut">
+                <a:avLst>
+                  <a:gd name="adj" fmla="val 14231"/>
+                </a:avLst>
+              </a:prstGeom>
+              <a:solidFill>
+                <a:schemeClr val="bg1">
+                  <a:lumMod val="75000"/>
+                </a:schemeClr>
+              </a:solidFill>
+              <a:ln>
+                <a:noFill/>
+              </a:ln>
+              <a:scene3d>
+                <a:camera prst="orthographicFront"/>
+                <a:lightRig rig="threePt" dir="t"/>
+              </a:scene3d>
+              <a:sp3d>
+                <a:bevelT/>
+              </a:sp3d>
+            </p:spPr>
+            <p:style>
+              <a:lnRef idx="2">
+                <a:schemeClr val="accent1">
+                  <a:shade val="15000"/>
+                </a:schemeClr>
+              </a:lnRef>
+              <a:fillRef idx="1">
+                <a:schemeClr val="accent1"/>
+              </a:fillRef>
+              <a:effectRef idx="0">
+                <a:schemeClr val="accent1"/>
+              </a:effectRef>
+              <a:fontRef idx="minor">
+                <a:schemeClr val="lt1"/>
+              </a:fontRef>
+            </p:style>
+            <p:txBody>
+              <a:bodyPr rtlCol="0" anchor="ctr"/>
+              <a:lstStyle/>
+              <a:p>
+                <a:pPr algn="ctr"/>
+                <a:endParaRPr lang="de-DE"/>
+              </a:p>
+            </p:txBody>
+          </p:sp>
+          <p:sp>
+            <p:nvSpPr>
+              <p:cNvPr id="51" name="Oval 50">
+                <a:extLst>
+                  <a:ext uri="{FF2B5EF4-FFF2-40B4-BE49-F238E27FC236}">
+                    <a16:creationId xmlns:a16="http://schemas.microsoft.com/office/drawing/2014/main" id="{161FFBBF-A36C-8417-257F-D2EFC9CBBEDE}"/>
+                  </a:ext>
+                </a:extLst>
+              </p:cNvPr>
+              <p:cNvSpPr/>
+              <p:nvPr/>
+            </p:nvSpPr>
+            <p:spPr>
+              <a:xfrm>
+                <a:off x="5377924" y="1414485"/>
+                <a:ext cx="881133" cy="881133"/>
+              </a:xfrm>
+              <a:prstGeom prst="ellipse">
+                <a:avLst/>
+              </a:prstGeom>
+              <a:solidFill>
+                <a:schemeClr val="bg1">
+                  <a:lumMod val="75000"/>
+                </a:schemeClr>
+              </a:solidFill>
+              <a:ln>
+                <a:noFill/>
+              </a:ln>
+              <a:scene3d>
+                <a:camera prst="orthographicFront"/>
+                <a:lightRig rig="threePt" dir="t"/>
+              </a:scene3d>
+              <a:sp3d>
+                <a:bevelT w="317500" h="260350"/>
+              </a:sp3d>
+            </p:spPr>
+            <p:style>
+              <a:lnRef idx="2">
+                <a:schemeClr val="accent1">
+                  <a:shade val="15000"/>
+                </a:schemeClr>
+              </a:lnRef>
+              <a:fillRef idx="1">
+                <a:schemeClr val="accent1"/>
+              </a:fillRef>
+              <a:effectRef idx="0">
+                <a:schemeClr val="accent1"/>
+              </a:effectRef>
+              <a:fontRef idx="minor">
+                <a:schemeClr val="lt1"/>
+              </a:fontRef>
+            </p:style>
+            <p:txBody>
+              <a:bodyPr rtlCol="0" anchor="ctr"/>
+              <a:lstStyle/>
+              <a:p>
+                <a:pPr algn="ctr"/>
+                <a:endParaRPr lang="de-DE"/>
+              </a:p>
+            </p:txBody>
+          </p:sp>
+        </p:grpSp>
+        <p:pic>
+          <p:nvPicPr>
+            <p:cNvPr id="48" name="Grafik 47">
+              <a:extLst>
+                <a:ext uri="{FF2B5EF4-FFF2-40B4-BE49-F238E27FC236}">
+                  <a16:creationId xmlns:a16="http://schemas.microsoft.com/office/drawing/2014/main" id="{33C19711-D332-A0BD-AC83-2929A031B9D7}"/>
+                </a:ext>
+              </a:extLst>
+            </p:cNvPr>
+            <p:cNvPicPr>
+              <a:picLocks noChangeAspect="1"/>
+            </p:cNvPicPr>
+            <p:nvPr/>
+          </p:nvPicPr>
+          <p:blipFill>
+            <a:blip r:embed="rId5"/>
+            <a:stretch>
+              <a:fillRect/>
+            </a:stretch>
+          </p:blipFill>
+          <p:spPr>
+            <a:xfrm>
+              <a:off x="7189834" y="2653468"/>
+              <a:ext cx="718311" cy="1296000"/>
+            </a:xfrm>
+            <a:prstGeom prst="rect">
+              <a:avLst/>
+            </a:prstGeom>
+          </p:spPr>
+        </p:pic>
+        <p:sp>
+          <p:nvSpPr>
+            <p:cNvPr id="49" name="Abgerundetes Rechteck 48">
+              <a:extLst>
+                <a:ext uri="{FF2B5EF4-FFF2-40B4-BE49-F238E27FC236}">
+                  <a16:creationId xmlns:a16="http://schemas.microsoft.com/office/drawing/2014/main" id="{C9A8A79A-7D14-443F-F33A-839B7CC6A8FE}"/>
+                </a:ext>
+              </a:extLst>
+            </p:cNvPr>
+            <p:cNvSpPr/>
+            <p:nvPr/>
+          </p:nvSpPr>
+          <p:spPr>
+            <a:xfrm>
+              <a:off x="7770061" y="2669744"/>
+              <a:ext cx="281889" cy="1256399"/>
+            </a:xfrm>
+            <a:prstGeom prst="roundRect">
+              <a:avLst>
+                <a:gd name="adj" fmla="val 33106"/>
+              </a:avLst>
+            </a:prstGeom>
+            <a:solidFill>
+              <a:schemeClr val="bg1">
+                <a:lumMod val="75000"/>
+              </a:schemeClr>
+            </a:solidFill>
+            <a:ln>
+              <a:noFill/>
+            </a:ln>
+            <a:scene3d>
+              <a:camera prst="orthographicFront"/>
+              <a:lightRig rig="threePt" dir="t"/>
+            </a:scene3d>
+            <a:sp3d>
+              <a:bevelT w="50800" h="50800"/>
+            </a:sp3d>
+          </p:spPr>
+          <p:style>
+            <a:lnRef idx="2">
+              <a:schemeClr val="accent1">
+                <a:shade val="15000"/>
+              </a:schemeClr>
+            </a:lnRef>
+            <a:fillRef idx="1">
+              <a:schemeClr val="accent1"/>
+            </a:fillRef>
+            <a:effectRef idx="0">
+              <a:schemeClr val="accent1"/>
+            </a:effectRef>
+            <a:fontRef idx="minor">
+              <a:schemeClr val="lt1"/>
+            </a:fontRef>
+          </p:style>
+          <p:txBody>
+            <a:bodyPr rtlCol="0" anchor="ctr"/>
+            <a:lstStyle/>
+            <a:p>
+              <a:pPr algn="ctr"/>
+              <a:endParaRPr lang="de-DE"/>
+            </a:p>
+          </p:txBody>
+        </p:sp>
+      </p:grpSp>
+      <p:grpSp>
+        <p:nvGrpSpPr>
+          <p:cNvPr id="52" name="Gruppieren 51">
+            <a:extLst>
+              <a:ext uri="{FF2B5EF4-FFF2-40B4-BE49-F238E27FC236}">
+                <a16:creationId xmlns:a16="http://schemas.microsoft.com/office/drawing/2014/main" id="{CB84E511-A31B-CDDD-49A3-14536B8E70AD}"/>
+              </a:ext>
+            </a:extLst>
+          </p:cNvPr>
+          <p:cNvGrpSpPr/>
+          <p:nvPr/>
+        </p:nvGrpSpPr>
+        <p:grpSpPr>
+          <a:xfrm>
+            <a:off x="5524673" y="1632470"/>
+            <a:ext cx="680225" cy="698318"/>
+            <a:chOff x="7297328" y="1226450"/>
+            <a:chExt cx="1223847" cy="1256399"/>
+          </a:xfrm>
+        </p:grpSpPr>
+        <p:grpSp>
+          <p:nvGrpSpPr>
+            <p:cNvPr id="54" name="Gruppieren 53">
+              <a:extLst>
+                <a:ext uri="{FF2B5EF4-FFF2-40B4-BE49-F238E27FC236}">
+                  <a16:creationId xmlns:a16="http://schemas.microsoft.com/office/drawing/2014/main" id="{AEDEC208-EB27-DB1E-113E-4C064FCAEEF0}"/>
+                </a:ext>
+              </a:extLst>
+            </p:cNvPr>
+            <p:cNvGrpSpPr/>
+            <p:nvPr/>
+          </p:nvGrpSpPr>
+          <p:grpSpPr>
+            <a:xfrm>
+              <a:off x="7297328" y="1243128"/>
+              <a:ext cx="1223847" cy="1223847"/>
+              <a:chOff x="5206567" y="1243128"/>
+              <a:chExt cx="1223847" cy="1223847"/>
+            </a:xfrm>
+          </p:grpSpPr>
+          <p:sp>
+            <p:nvSpPr>
+              <p:cNvPr id="57" name="Ring 56">
+                <a:extLst>
+                  <a:ext uri="{FF2B5EF4-FFF2-40B4-BE49-F238E27FC236}">
+                    <a16:creationId xmlns:a16="http://schemas.microsoft.com/office/drawing/2014/main" id="{D9A8EFF4-60CF-75B3-A4D0-0548F85ADA4C}"/>
+                  </a:ext>
+                </a:extLst>
+              </p:cNvPr>
+              <p:cNvSpPr/>
+              <p:nvPr/>
+            </p:nvSpPr>
+            <p:spPr>
+              <a:xfrm>
+                <a:off x="5206567" y="1243128"/>
+                <a:ext cx="1223847" cy="1223847"/>
+              </a:xfrm>
+              <a:prstGeom prst="donut">
+                <a:avLst>
+                  <a:gd name="adj" fmla="val 14231"/>
+                </a:avLst>
+              </a:prstGeom>
+              <a:solidFill>
+                <a:schemeClr val="bg1">
+                  <a:lumMod val="75000"/>
+                </a:schemeClr>
+              </a:solidFill>
+              <a:ln>
+                <a:noFill/>
+              </a:ln>
+              <a:scene3d>
+                <a:camera prst="orthographicFront"/>
+                <a:lightRig rig="threePt" dir="t"/>
+              </a:scene3d>
+              <a:sp3d>
+                <a:bevelT/>
+              </a:sp3d>
+            </p:spPr>
+            <p:style>
+              <a:lnRef idx="2">
+                <a:schemeClr val="accent1">
+                  <a:shade val="15000"/>
+                </a:schemeClr>
+              </a:lnRef>
+              <a:fillRef idx="1">
+                <a:schemeClr val="accent1"/>
+              </a:fillRef>
+              <a:effectRef idx="0">
+                <a:schemeClr val="accent1"/>
+              </a:effectRef>
+              <a:fontRef idx="minor">
+                <a:schemeClr val="lt1"/>
+              </a:fontRef>
+            </p:style>
+            <p:txBody>
+              <a:bodyPr rtlCol="0" anchor="ctr"/>
+              <a:lstStyle/>
+              <a:p>
+                <a:pPr algn="ctr"/>
+                <a:endParaRPr lang="de-DE"/>
+              </a:p>
+            </p:txBody>
+          </p:sp>
+          <p:sp>
+            <p:nvSpPr>
+              <p:cNvPr id="58" name="Oval 57">
+                <a:extLst>
+                  <a:ext uri="{FF2B5EF4-FFF2-40B4-BE49-F238E27FC236}">
+                    <a16:creationId xmlns:a16="http://schemas.microsoft.com/office/drawing/2014/main" id="{7978C638-4AC9-C910-B5DC-35D50277906B}"/>
+                  </a:ext>
+                </a:extLst>
+              </p:cNvPr>
+              <p:cNvSpPr/>
+              <p:nvPr/>
+            </p:nvSpPr>
+            <p:spPr>
+              <a:xfrm>
+                <a:off x="5377924" y="1414485"/>
+                <a:ext cx="881133" cy="881133"/>
+              </a:xfrm>
+              <a:prstGeom prst="ellipse">
+                <a:avLst/>
+              </a:prstGeom>
+              <a:solidFill>
+                <a:schemeClr val="bg1">
+                  <a:lumMod val="75000"/>
+                </a:schemeClr>
+              </a:solidFill>
+              <a:ln>
+                <a:noFill/>
+              </a:ln>
+              <a:scene3d>
+                <a:camera prst="orthographicFront"/>
+                <a:lightRig rig="threePt" dir="t"/>
+              </a:scene3d>
+              <a:sp3d>
+                <a:bevelT w="317500" h="260350"/>
+              </a:sp3d>
+            </p:spPr>
+            <p:style>
+              <a:lnRef idx="2">
+                <a:schemeClr val="accent1">
+                  <a:shade val="15000"/>
+                </a:schemeClr>
+              </a:lnRef>
+              <a:fillRef idx="1">
+                <a:schemeClr val="accent1"/>
+              </a:fillRef>
+              <a:effectRef idx="0">
+                <a:schemeClr val="accent1"/>
+              </a:effectRef>
+              <a:fontRef idx="minor">
+                <a:schemeClr val="lt1"/>
+              </a:fontRef>
+            </p:style>
+            <p:txBody>
+              <a:bodyPr rtlCol="0" anchor="ctr"/>
+              <a:lstStyle/>
+              <a:p>
+                <a:pPr algn="ctr"/>
+                <a:endParaRPr lang="de-DE"/>
+              </a:p>
+            </p:txBody>
+          </p:sp>
+        </p:grpSp>
+        <p:sp>
+          <p:nvSpPr>
+            <p:cNvPr id="55" name="Abgerundetes Rechteck 54">
+              <a:extLst>
+                <a:ext uri="{FF2B5EF4-FFF2-40B4-BE49-F238E27FC236}">
+                  <a16:creationId xmlns:a16="http://schemas.microsoft.com/office/drawing/2014/main" id="{2C57D4AD-FC38-83EF-EDF9-2940A95E7291}"/>
+                </a:ext>
+              </a:extLst>
+            </p:cNvPr>
+            <p:cNvSpPr/>
+            <p:nvPr/>
+          </p:nvSpPr>
+          <p:spPr>
+            <a:xfrm>
+              <a:off x="7770061" y="1226450"/>
+              <a:ext cx="281889" cy="1256399"/>
+            </a:xfrm>
+            <a:prstGeom prst="roundRect">
+              <a:avLst>
+                <a:gd name="adj" fmla="val 33106"/>
+              </a:avLst>
+            </a:prstGeom>
+            <a:solidFill>
+              <a:schemeClr val="bg1">
+                <a:lumMod val="75000"/>
+              </a:schemeClr>
+            </a:solidFill>
+            <a:ln>
+              <a:noFill/>
+            </a:ln>
+            <a:scene3d>
+              <a:camera prst="orthographicFront"/>
+              <a:lightRig rig="threePt" dir="t"/>
+            </a:scene3d>
+            <a:sp3d>
+              <a:bevelT w="50800" h="50800"/>
+            </a:sp3d>
+          </p:spPr>
+          <p:style>
+            <a:lnRef idx="2">
+              <a:schemeClr val="accent1">
+                <a:shade val="15000"/>
+              </a:schemeClr>
+            </a:lnRef>
+            <a:fillRef idx="1">
+              <a:schemeClr val="accent1"/>
+            </a:fillRef>
+            <a:effectRef idx="0">
+              <a:schemeClr val="accent1"/>
+            </a:effectRef>
+            <a:fontRef idx="minor">
+              <a:schemeClr val="lt1"/>
+            </a:fontRef>
+          </p:style>
+          <p:txBody>
+            <a:bodyPr rtlCol="0" anchor="ctr"/>
+            <a:lstStyle/>
+            <a:p>
+              <a:pPr algn="ctr"/>
+              <a:endParaRPr lang="de-DE"/>
+            </a:p>
+          </p:txBody>
+        </p:sp>
+      </p:grpSp>
+      <p:sp>
+        <p:nvSpPr>
+          <p:cNvPr id="59" name="Textfeld 58">
+            <a:extLst>
+              <a:ext uri="{FF2B5EF4-FFF2-40B4-BE49-F238E27FC236}">
+                <a16:creationId xmlns:a16="http://schemas.microsoft.com/office/drawing/2014/main" id="{A820975C-2458-49AF-4BCF-09E7031E75B0}"/>
+              </a:ext>
+            </a:extLst>
+          </p:cNvPr>
+          <p:cNvSpPr txBox="1"/>
+          <p:nvPr/>
+        </p:nvSpPr>
+        <p:spPr>
+          <a:xfrm>
+            <a:off x="1040130" y="4022649"/>
+            <a:ext cx="1646413" cy="369332"/>
+          </a:xfrm>
+          <a:prstGeom prst="rect">
+            <a:avLst/>
+          </a:prstGeom>
+          <a:noFill/>
+        </p:spPr>
+        <p:txBody>
+          <a:bodyPr wrap="none" rtlCol="0">
+            <a:spAutoFit/>
+          </a:bodyPr>
+          <a:lstStyle/>
+          <a:p>
+            <a:r>
+              <a:rPr lang="de-DE" i="1" dirty="0">
+                <a:latin typeface="Times New Roman" panose="02020603050405020304" pitchFamily="18" charset="0"/>
+                <a:cs typeface="Times New Roman" panose="02020603050405020304" pitchFamily="18" charset="0"/>
+              </a:rPr>
+              <a:t>t = 2.2:    </a:t>
+            </a:r>
+            <a:r>
+              <a:rPr lang="de-DE" dirty="0">
+                <a:latin typeface="+mj-lt"/>
+                <a:cs typeface="Times New Roman" panose="02020603050405020304" pitchFamily="18" charset="0"/>
+              </a:rPr>
+              <a:t>loves</a:t>
+            </a:r>
+            <a:r>
+              <a:rPr lang="de-DE" i="1" dirty="0">
+                <a:latin typeface="Times New Roman" panose="02020603050405020304" pitchFamily="18" charset="0"/>
+                <a:cs typeface="Times New Roman" panose="02020603050405020304" pitchFamily="18" charset="0"/>
+              </a:rPr>
+              <a:t> </a:t>
+            </a:r>
+          </a:p>
+        </p:txBody>
+      </p:sp>
+      <p:grpSp>
+        <p:nvGrpSpPr>
+          <p:cNvPr id="60" name="Gruppieren 59">
+            <a:extLst>
+              <a:ext uri="{FF2B5EF4-FFF2-40B4-BE49-F238E27FC236}">
+                <a16:creationId xmlns:a16="http://schemas.microsoft.com/office/drawing/2014/main" id="{29FA62B9-24D3-A900-4835-D62433B5ABB9}"/>
+              </a:ext>
+            </a:extLst>
+          </p:cNvPr>
+          <p:cNvGrpSpPr/>
+          <p:nvPr/>
+        </p:nvGrpSpPr>
+        <p:grpSpPr>
+          <a:xfrm>
+            <a:off x="3045505" y="3857478"/>
+            <a:ext cx="680225" cy="698318"/>
+            <a:chOff x="7297328" y="1226450"/>
+            <a:chExt cx="1223847" cy="1256399"/>
+          </a:xfrm>
+        </p:grpSpPr>
+        <p:grpSp>
+          <p:nvGrpSpPr>
+            <p:cNvPr id="61" name="Gruppieren 60">
+              <a:extLst>
+                <a:ext uri="{FF2B5EF4-FFF2-40B4-BE49-F238E27FC236}">
+                  <a16:creationId xmlns:a16="http://schemas.microsoft.com/office/drawing/2014/main" id="{9DB9780D-F8E6-6DA5-E767-7BF9830BDB9A}"/>
+                </a:ext>
+              </a:extLst>
+            </p:cNvPr>
+            <p:cNvGrpSpPr/>
+            <p:nvPr/>
+          </p:nvGrpSpPr>
+          <p:grpSpPr>
+            <a:xfrm>
+              <a:off x="7297328" y="1243128"/>
+              <a:ext cx="1223847" cy="1223847"/>
+              <a:chOff x="5206567" y="1243128"/>
+              <a:chExt cx="1223847" cy="1223847"/>
+            </a:xfrm>
+          </p:grpSpPr>
+          <p:sp>
+            <p:nvSpPr>
+              <p:cNvPr id="63" name="Ring 62">
+                <a:extLst>
+                  <a:ext uri="{FF2B5EF4-FFF2-40B4-BE49-F238E27FC236}">
+                    <a16:creationId xmlns:a16="http://schemas.microsoft.com/office/drawing/2014/main" id="{1C27EE6E-C67B-A500-A26B-C48EFBEC0A7B}"/>
+                  </a:ext>
+                </a:extLst>
+              </p:cNvPr>
+              <p:cNvSpPr/>
+              <p:nvPr/>
+            </p:nvSpPr>
+            <p:spPr>
+              <a:xfrm>
+                <a:off x="5206567" y="1243128"/>
+                <a:ext cx="1223847" cy="1223847"/>
+              </a:xfrm>
+              <a:prstGeom prst="donut">
+                <a:avLst>
+                  <a:gd name="adj" fmla="val 14231"/>
+                </a:avLst>
+              </a:prstGeom>
+              <a:solidFill>
+                <a:schemeClr val="bg1">
+                  <a:lumMod val="75000"/>
+                </a:schemeClr>
+              </a:solidFill>
+              <a:ln>
+                <a:noFill/>
+              </a:ln>
+              <a:scene3d>
+                <a:camera prst="orthographicFront"/>
+                <a:lightRig rig="threePt" dir="t"/>
+              </a:scene3d>
+              <a:sp3d>
+                <a:bevelT/>
+              </a:sp3d>
+            </p:spPr>
+            <p:style>
+              <a:lnRef idx="2">
+                <a:schemeClr val="accent1">
+                  <a:shade val="15000"/>
+                </a:schemeClr>
+              </a:lnRef>
+              <a:fillRef idx="1">
+                <a:schemeClr val="accent1"/>
+              </a:fillRef>
+              <a:effectRef idx="0">
+                <a:schemeClr val="accent1"/>
+              </a:effectRef>
+              <a:fontRef idx="minor">
+                <a:schemeClr val="lt1"/>
+              </a:fontRef>
+            </p:style>
+            <p:txBody>
+              <a:bodyPr rtlCol="0" anchor="ctr"/>
+              <a:lstStyle/>
+              <a:p>
+                <a:pPr algn="ctr"/>
+                <a:endParaRPr lang="de-DE"/>
+              </a:p>
+            </p:txBody>
+          </p:sp>
+          <p:sp>
+            <p:nvSpPr>
+              <p:cNvPr id="64" name="Oval 63">
+                <a:extLst>
+                  <a:ext uri="{FF2B5EF4-FFF2-40B4-BE49-F238E27FC236}">
+                    <a16:creationId xmlns:a16="http://schemas.microsoft.com/office/drawing/2014/main" id="{267AEF3B-31FA-AA03-0E37-EED2411EA5AA}"/>
+                  </a:ext>
+                </a:extLst>
+              </p:cNvPr>
+              <p:cNvSpPr/>
+              <p:nvPr/>
+            </p:nvSpPr>
+            <p:spPr>
+              <a:xfrm>
+                <a:off x="5377924" y="1414485"/>
+                <a:ext cx="881133" cy="881133"/>
+              </a:xfrm>
+              <a:prstGeom prst="ellipse">
+                <a:avLst/>
+              </a:prstGeom>
+              <a:solidFill>
+                <a:schemeClr val="bg1">
+                  <a:lumMod val="75000"/>
+                </a:schemeClr>
+              </a:solidFill>
+              <a:ln>
+                <a:noFill/>
+              </a:ln>
+              <a:scene3d>
+                <a:camera prst="orthographicFront"/>
+                <a:lightRig rig="threePt" dir="t"/>
+              </a:scene3d>
+              <a:sp3d>
+                <a:bevelT w="317500" h="260350"/>
+              </a:sp3d>
+            </p:spPr>
+            <p:style>
+              <a:lnRef idx="2">
+                <a:schemeClr val="accent1">
+                  <a:shade val="15000"/>
+                </a:schemeClr>
+              </a:lnRef>
+              <a:fillRef idx="1">
+                <a:schemeClr val="accent1"/>
+              </a:fillRef>
+              <a:effectRef idx="0">
+                <a:schemeClr val="accent1"/>
+              </a:effectRef>
+              <a:fontRef idx="minor">
+                <a:schemeClr val="lt1"/>
+              </a:fontRef>
+            </p:style>
+            <p:txBody>
+              <a:bodyPr rtlCol="0" anchor="ctr"/>
+              <a:lstStyle/>
+              <a:p>
+                <a:pPr algn="ctr"/>
+                <a:endParaRPr lang="de-DE"/>
+              </a:p>
+            </p:txBody>
+          </p:sp>
+        </p:grpSp>
+        <p:sp>
+          <p:nvSpPr>
+            <p:cNvPr id="62" name="Abgerundetes Rechteck 61">
+              <a:extLst>
+                <a:ext uri="{FF2B5EF4-FFF2-40B4-BE49-F238E27FC236}">
+                  <a16:creationId xmlns:a16="http://schemas.microsoft.com/office/drawing/2014/main" id="{6EFC033C-9473-01D8-46B0-ACC348DABA7A}"/>
+                </a:ext>
+              </a:extLst>
+            </p:cNvPr>
+            <p:cNvSpPr/>
+            <p:nvPr/>
+          </p:nvSpPr>
+          <p:spPr>
+            <a:xfrm>
+              <a:off x="7770061" y="1226450"/>
+              <a:ext cx="281889" cy="1256399"/>
+            </a:xfrm>
+            <a:prstGeom prst="roundRect">
+              <a:avLst>
+                <a:gd name="adj" fmla="val 33106"/>
+              </a:avLst>
+            </a:prstGeom>
+            <a:solidFill>
+              <a:schemeClr val="bg1">
+                <a:lumMod val="75000"/>
+              </a:schemeClr>
+            </a:solidFill>
+            <a:ln>
+              <a:noFill/>
+            </a:ln>
+            <a:scene3d>
+              <a:camera prst="orthographicFront"/>
+              <a:lightRig rig="threePt" dir="t"/>
+            </a:scene3d>
+            <a:sp3d>
+              <a:bevelT w="50800" h="50800"/>
+            </a:sp3d>
+          </p:spPr>
+          <p:style>
+            <a:lnRef idx="2">
+              <a:schemeClr val="accent1">
+                <a:shade val="15000"/>
+              </a:schemeClr>
+            </a:lnRef>
+            <a:fillRef idx="1">
+              <a:schemeClr val="accent1"/>
+            </a:fillRef>
+            <a:effectRef idx="0">
+              <a:schemeClr val="accent1"/>
+            </a:effectRef>
+            <a:fontRef idx="minor">
+              <a:schemeClr val="lt1"/>
+            </a:fontRef>
+          </p:style>
+          <p:txBody>
+            <a:bodyPr rtlCol="0" anchor="ctr"/>
+            <a:lstStyle/>
+            <a:p>
+              <a:pPr algn="ctr"/>
+              <a:endParaRPr lang="de-DE"/>
+            </a:p>
+          </p:txBody>
+        </p:sp>
+      </p:grpSp>
+      <p:grpSp>
+        <p:nvGrpSpPr>
+          <p:cNvPr id="66" name="Gruppieren 65">
+            <a:extLst>
+              <a:ext uri="{FF2B5EF4-FFF2-40B4-BE49-F238E27FC236}">
+                <a16:creationId xmlns:a16="http://schemas.microsoft.com/office/drawing/2014/main" id="{19019161-DBFC-9F9F-10F3-E59AF8631FC1}"/>
+              </a:ext>
+            </a:extLst>
+          </p:cNvPr>
+          <p:cNvGrpSpPr/>
+          <p:nvPr/>
+        </p:nvGrpSpPr>
+        <p:grpSpPr>
+          <a:xfrm>
+            <a:off x="4275094" y="3866748"/>
+            <a:ext cx="706234" cy="706322"/>
+            <a:chOff x="9391771" y="3793537"/>
+            <a:chExt cx="706234" cy="706322"/>
+          </a:xfrm>
+        </p:grpSpPr>
+        <p:grpSp>
+          <p:nvGrpSpPr>
+            <p:cNvPr id="67" name="Gruppieren 66">
+              <a:extLst>
+                <a:ext uri="{FF2B5EF4-FFF2-40B4-BE49-F238E27FC236}">
+                  <a16:creationId xmlns:a16="http://schemas.microsoft.com/office/drawing/2014/main" id="{2F4942A1-2C9D-9722-42FD-68E18D7264B1}"/>
+                </a:ext>
+              </a:extLst>
+            </p:cNvPr>
+            <p:cNvGrpSpPr/>
+            <p:nvPr/>
+          </p:nvGrpSpPr>
+          <p:grpSpPr>
+            <a:xfrm>
+              <a:off x="9391771" y="3793537"/>
+              <a:ext cx="688831" cy="706322"/>
+              <a:chOff x="7281844" y="1218399"/>
+              <a:chExt cx="1239331" cy="1270800"/>
+            </a:xfrm>
+          </p:grpSpPr>
+          <p:grpSp>
+            <p:nvGrpSpPr>
+              <p:cNvPr id="70" name="Gruppieren 69">
+                <a:extLst>
+                  <a:ext uri="{FF2B5EF4-FFF2-40B4-BE49-F238E27FC236}">
+                    <a16:creationId xmlns:a16="http://schemas.microsoft.com/office/drawing/2014/main" id="{0F455471-388A-ACBD-ACE4-C5FB6D9FEEF3}"/>
+                  </a:ext>
+                </a:extLst>
+              </p:cNvPr>
+              <p:cNvGrpSpPr/>
+              <p:nvPr/>
+            </p:nvGrpSpPr>
+            <p:grpSpPr>
+              <a:xfrm>
+                <a:off x="7297328" y="1243128"/>
+                <a:ext cx="1223847" cy="1223847"/>
+                <a:chOff x="5206567" y="1243128"/>
+                <a:chExt cx="1223847" cy="1223847"/>
+              </a:xfrm>
+            </p:grpSpPr>
+            <p:sp>
+              <p:nvSpPr>
+                <p:cNvPr id="74" name="Ring 73">
+                  <a:extLst>
+                    <a:ext uri="{FF2B5EF4-FFF2-40B4-BE49-F238E27FC236}">
+                      <a16:creationId xmlns:a16="http://schemas.microsoft.com/office/drawing/2014/main" id="{483F2505-F0AD-C2E0-BB2F-9D4514DE809E}"/>
+                    </a:ext>
+                  </a:extLst>
+                </p:cNvPr>
+                <p:cNvSpPr/>
+                <p:nvPr/>
+              </p:nvSpPr>
+              <p:spPr>
+                <a:xfrm>
+                  <a:off x="5206567" y="1243128"/>
+                  <a:ext cx="1223847" cy="1223847"/>
+                </a:xfrm>
+                <a:prstGeom prst="donut">
+                  <a:avLst>
+                    <a:gd name="adj" fmla="val 14231"/>
+                  </a:avLst>
+                </a:prstGeom>
+                <a:solidFill>
+                  <a:schemeClr val="bg1">
+                    <a:lumMod val="75000"/>
+                  </a:schemeClr>
+                </a:solidFill>
+                <a:ln>
+                  <a:noFill/>
+                </a:ln>
+                <a:scene3d>
+                  <a:camera prst="orthographicFront"/>
+                  <a:lightRig rig="threePt" dir="t"/>
+                </a:scene3d>
+                <a:sp3d>
+                  <a:bevelT/>
+                </a:sp3d>
+              </p:spPr>
+              <p:style>
+                <a:lnRef idx="2">
+                  <a:schemeClr val="accent1">
+                    <a:shade val="15000"/>
+                  </a:schemeClr>
+                </a:lnRef>
+                <a:fillRef idx="1">
+                  <a:schemeClr val="accent1"/>
+                </a:fillRef>
+                <a:effectRef idx="0">
+                  <a:schemeClr val="accent1"/>
+                </a:effectRef>
+                <a:fontRef idx="minor">
+                  <a:schemeClr val="lt1"/>
+                </a:fontRef>
+              </p:style>
+              <p:txBody>
+                <a:bodyPr rtlCol="0" anchor="ctr"/>
+                <a:lstStyle/>
+                <a:p>
+                  <a:pPr algn="ctr"/>
+                  <a:endParaRPr lang="de-DE"/>
+                </a:p>
+              </p:txBody>
+            </p:sp>
+            <p:sp>
+              <p:nvSpPr>
+                <p:cNvPr id="75" name="Oval 74">
+                  <a:extLst>
+                    <a:ext uri="{FF2B5EF4-FFF2-40B4-BE49-F238E27FC236}">
+                      <a16:creationId xmlns:a16="http://schemas.microsoft.com/office/drawing/2014/main" id="{F07413C1-02B3-943E-9C0C-31FB58705D4C}"/>
+                    </a:ext>
+                  </a:extLst>
+                </p:cNvPr>
+                <p:cNvSpPr/>
+                <p:nvPr/>
+              </p:nvSpPr>
+              <p:spPr>
+                <a:xfrm>
+                  <a:off x="5377924" y="1414485"/>
+                  <a:ext cx="881133" cy="881133"/>
+                </a:xfrm>
+                <a:prstGeom prst="ellipse">
+                  <a:avLst/>
+                </a:prstGeom>
+                <a:solidFill>
+                  <a:schemeClr val="bg1">
+                    <a:lumMod val="75000"/>
+                  </a:schemeClr>
+                </a:solidFill>
+                <a:ln>
+                  <a:noFill/>
+                </a:ln>
+                <a:scene3d>
+                  <a:camera prst="orthographicFront"/>
+                  <a:lightRig rig="threePt" dir="t"/>
+                </a:scene3d>
+                <a:sp3d>
+                  <a:bevelT w="317500" h="260350"/>
+                </a:sp3d>
+              </p:spPr>
+              <p:style>
+                <a:lnRef idx="2">
+                  <a:schemeClr val="accent1">
+                    <a:shade val="15000"/>
+                  </a:schemeClr>
+                </a:lnRef>
+                <a:fillRef idx="1">
+                  <a:schemeClr val="accent1"/>
+                </a:fillRef>
+                <a:effectRef idx="0">
+                  <a:schemeClr val="accent1"/>
+                </a:effectRef>
+                <a:fontRef idx="minor">
+                  <a:schemeClr val="lt1"/>
+                </a:fontRef>
+              </p:style>
+              <p:txBody>
+                <a:bodyPr rtlCol="0" anchor="ctr"/>
+                <a:lstStyle/>
+                <a:p>
+                  <a:pPr algn="ctr"/>
+                  <a:endParaRPr lang="de-DE"/>
+                </a:p>
+              </p:txBody>
+            </p:sp>
+          </p:grpSp>
+          <p:pic>
+            <p:nvPicPr>
+              <p:cNvPr id="73" name="Grafik 72">
+                <a:extLst>
+                  <a:ext uri="{FF2B5EF4-FFF2-40B4-BE49-F238E27FC236}">
+                    <a16:creationId xmlns:a16="http://schemas.microsoft.com/office/drawing/2014/main" id="{856264B0-DE8B-A127-A9B1-F2D4B6218E7A}"/>
+                  </a:ext>
+                </a:extLst>
+              </p:cNvPr>
+              <p:cNvPicPr>
+                <a:picLocks noChangeAspect="1"/>
+              </p:cNvPicPr>
+              <p:nvPr/>
+            </p:nvPicPr>
+            <p:blipFill>
+              <a:blip r:embed="rId3"/>
+              <a:stretch>
+                <a:fillRect/>
+              </a:stretch>
+            </p:blipFill>
+            <p:spPr>
+              <a:xfrm>
+                <a:off x="7281844" y="1218399"/>
+                <a:ext cx="625772" cy="1270800"/>
+              </a:xfrm>
+              <a:prstGeom prst="rect">
+                <a:avLst/>
+              </a:prstGeom>
+            </p:spPr>
+          </p:pic>
+        </p:grpSp>
+        <p:pic>
+          <p:nvPicPr>
+            <p:cNvPr id="68" name="Grafik 67">
+              <a:extLst>
+                <a:ext uri="{FF2B5EF4-FFF2-40B4-BE49-F238E27FC236}">
+                  <a16:creationId xmlns:a16="http://schemas.microsoft.com/office/drawing/2014/main" id="{7A22BF91-0D8C-0DE7-EE09-4745CEC6A5C5}"/>
+                </a:ext>
+              </a:extLst>
+            </p:cNvPr>
+            <p:cNvPicPr>
+              <a:picLocks noChangeAspect="1"/>
+            </p:cNvPicPr>
+            <p:nvPr/>
+          </p:nvPicPr>
+          <p:blipFill>
+            <a:blip r:embed="rId4"/>
+            <a:stretch>
+              <a:fillRect/>
+            </a:stretch>
+          </p:blipFill>
+          <p:spPr>
+            <a:xfrm>
+              <a:off x="9739481" y="3799155"/>
+              <a:ext cx="358524" cy="698318"/>
+            </a:xfrm>
+            <a:prstGeom prst="rect">
+              <a:avLst/>
+            </a:prstGeom>
+          </p:spPr>
+        </p:pic>
+        <p:sp>
+          <p:nvSpPr>
+            <p:cNvPr id="69" name="Abgerundetes Rechteck 68">
+              <a:extLst>
+                <a:ext uri="{FF2B5EF4-FFF2-40B4-BE49-F238E27FC236}">
+                  <a16:creationId xmlns:a16="http://schemas.microsoft.com/office/drawing/2014/main" id="{33E6CB81-78C5-95DE-7E09-35228E7B9776}"/>
+                </a:ext>
+              </a:extLst>
+            </p:cNvPr>
+            <p:cNvSpPr/>
+            <p:nvPr/>
+          </p:nvSpPr>
+          <p:spPr>
+            <a:xfrm>
+              <a:off x="9663126" y="3798012"/>
+              <a:ext cx="156676" cy="698318"/>
+            </a:xfrm>
+            <a:prstGeom prst="roundRect">
+              <a:avLst>
+                <a:gd name="adj" fmla="val 33106"/>
+              </a:avLst>
+            </a:prstGeom>
+            <a:solidFill>
+              <a:schemeClr val="bg1">
+                <a:lumMod val="75000"/>
+              </a:schemeClr>
+            </a:solidFill>
+            <a:ln>
+              <a:noFill/>
+            </a:ln>
+            <a:scene3d>
+              <a:camera prst="orthographicFront"/>
+              <a:lightRig rig="threePt" dir="t"/>
+            </a:scene3d>
+            <a:sp3d>
+              <a:bevelT w="50800" h="50800"/>
+            </a:sp3d>
+          </p:spPr>
+          <p:style>
+            <a:lnRef idx="2">
+              <a:schemeClr val="accent1">
+                <a:shade val="15000"/>
+              </a:schemeClr>
+            </a:lnRef>
+            <a:fillRef idx="1">
+              <a:schemeClr val="accent1"/>
+            </a:fillRef>
+            <a:effectRef idx="0">
+              <a:schemeClr val="accent1"/>
+            </a:effectRef>
+            <a:fontRef idx="minor">
+              <a:schemeClr val="lt1"/>
+            </a:fontRef>
+          </p:style>
+          <p:txBody>
+            <a:bodyPr rtlCol="0" anchor="ctr"/>
+            <a:lstStyle/>
+            <a:p>
+              <a:pPr algn="ctr"/>
+              <a:endParaRPr lang="de-DE"/>
+            </a:p>
+          </p:txBody>
+        </p:sp>
+      </p:grpSp>
+      <p:grpSp>
+        <p:nvGrpSpPr>
+          <p:cNvPr id="76" name="Gruppieren 75">
+            <a:extLst>
+              <a:ext uri="{FF2B5EF4-FFF2-40B4-BE49-F238E27FC236}">
+                <a16:creationId xmlns:a16="http://schemas.microsoft.com/office/drawing/2014/main" id="{60E3DAC2-60CD-8E33-FA9A-8396253BD275}"/>
+              </a:ext>
+            </a:extLst>
+          </p:cNvPr>
+          <p:cNvGrpSpPr/>
+          <p:nvPr/>
+        </p:nvGrpSpPr>
+        <p:grpSpPr>
+          <a:xfrm>
+            <a:off x="5486155" y="3859745"/>
+            <a:ext cx="739971" cy="720328"/>
+            <a:chOff x="7189834" y="2653468"/>
+            <a:chExt cx="1331341" cy="1296000"/>
+          </a:xfrm>
+        </p:grpSpPr>
+        <p:grpSp>
+          <p:nvGrpSpPr>
+            <p:cNvPr id="77" name="Gruppieren 76">
+              <a:extLst>
+                <a:ext uri="{FF2B5EF4-FFF2-40B4-BE49-F238E27FC236}">
+                  <a16:creationId xmlns:a16="http://schemas.microsoft.com/office/drawing/2014/main" id="{14B75B5E-3071-AEA3-257A-CB9F68A89F52}"/>
+                </a:ext>
+              </a:extLst>
+            </p:cNvPr>
+            <p:cNvGrpSpPr/>
+            <p:nvPr/>
+          </p:nvGrpSpPr>
+          <p:grpSpPr>
+            <a:xfrm>
+              <a:off x="7297328" y="2686422"/>
+              <a:ext cx="1223847" cy="1223847"/>
+              <a:chOff x="5206567" y="1243128"/>
+              <a:chExt cx="1223847" cy="1223847"/>
+            </a:xfrm>
+          </p:grpSpPr>
+          <p:sp>
+            <p:nvSpPr>
+              <p:cNvPr id="80" name="Ring 79">
+                <a:extLst>
+                  <a:ext uri="{FF2B5EF4-FFF2-40B4-BE49-F238E27FC236}">
+                    <a16:creationId xmlns:a16="http://schemas.microsoft.com/office/drawing/2014/main" id="{8D85555E-59B8-9B5B-06F9-DB6B0C45DF7D}"/>
+                  </a:ext>
+                </a:extLst>
+              </p:cNvPr>
+              <p:cNvSpPr/>
+              <p:nvPr/>
+            </p:nvSpPr>
+            <p:spPr>
+              <a:xfrm>
+                <a:off x="5206567" y="1243128"/>
+                <a:ext cx="1223847" cy="1223847"/>
+              </a:xfrm>
+              <a:prstGeom prst="donut">
+                <a:avLst>
+                  <a:gd name="adj" fmla="val 14231"/>
+                </a:avLst>
+              </a:prstGeom>
+              <a:solidFill>
+                <a:schemeClr val="bg1">
+                  <a:lumMod val="75000"/>
+                </a:schemeClr>
+              </a:solidFill>
+              <a:ln>
+                <a:noFill/>
+              </a:ln>
+              <a:scene3d>
+                <a:camera prst="orthographicFront"/>
+                <a:lightRig rig="threePt" dir="t"/>
+              </a:scene3d>
+              <a:sp3d>
+                <a:bevelT/>
+              </a:sp3d>
+            </p:spPr>
+            <p:style>
+              <a:lnRef idx="2">
+                <a:schemeClr val="accent1">
+                  <a:shade val="15000"/>
+                </a:schemeClr>
+              </a:lnRef>
+              <a:fillRef idx="1">
+                <a:schemeClr val="accent1"/>
+              </a:fillRef>
+              <a:effectRef idx="0">
+                <a:schemeClr val="accent1"/>
+              </a:effectRef>
+              <a:fontRef idx="minor">
+                <a:schemeClr val="lt1"/>
+              </a:fontRef>
+            </p:style>
+            <p:txBody>
+              <a:bodyPr rtlCol="0" anchor="ctr"/>
+              <a:lstStyle/>
+              <a:p>
+                <a:pPr algn="ctr"/>
+                <a:endParaRPr lang="de-DE"/>
+              </a:p>
+            </p:txBody>
+          </p:sp>
+          <p:sp>
+            <p:nvSpPr>
+              <p:cNvPr id="81" name="Oval 80">
+                <a:extLst>
+                  <a:ext uri="{FF2B5EF4-FFF2-40B4-BE49-F238E27FC236}">
+                    <a16:creationId xmlns:a16="http://schemas.microsoft.com/office/drawing/2014/main" id="{C5E89BF3-7112-992B-0D8C-536DD7F4E30C}"/>
+                  </a:ext>
+                </a:extLst>
+              </p:cNvPr>
+              <p:cNvSpPr/>
+              <p:nvPr/>
+            </p:nvSpPr>
+            <p:spPr>
+              <a:xfrm>
+                <a:off x="5377924" y="1414485"/>
+                <a:ext cx="881133" cy="881133"/>
+              </a:xfrm>
+              <a:prstGeom prst="ellipse">
+                <a:avLst/>
+              </a:prstGeom>
+              <a:solidFill>
+                <a:schemeClr val="bg1">
+                  <a:lumMod val="75000"/>
+                </a:schemeClr>
+              </a:solidFill>
+              <a:ln>
+                <a:noFill/>
+              </a:ln>
+              <a:scene3d>
+                <a:camera prst="orthographicFront"/>
+                <a:lightRig rig="threePt" dir="t"/>
+              </a:scene3d>
+              <a:sp3d>
+                <a:bevelT w="317500" h="260350"/>
+              </a:sp3d>
+            </p:spPr>
+            <p:style>
+              <a:lnRef idx="2">
+                <a:schemeClr val="accent1">
+                  <a:shade val="15000"/>
+                </a:schemeClr>
+              </a:lnRef>
+              <a:fillRef idx="1">
+                <a:schemeClr val="accent1"/>
+              </a:fillRef>
+              <a:effectRef idx="0">
+                <a:schemeClr val="accent1"/>
+              </a:effectRef>
+              <a:fontRef idx="minor">
+                <a:schemeClr val="lt1"/>
+              </a:fontRef>
+            </p:style>
+            <p:txBody>
+              <a:bodyPr rtlCol="0" anchor="ctr"/>
+              <a:lstStyle/>
+              <a:p>
+                <a:pPr algn="ctr"/>
+                <a:endParaRPr lang="de-DE"/>
+              </a:p>
+            </p:txBody>
+          </p:sp>
+        </p:grpSp>
+        <p:pic>
+          <p:nvPicPr>
+            <p:cNvPr id="78" name="Grafik 77">
+              <a:extLst>
+                <a:ext uri="{FF2B5EF4-FFF2-40B4-BE49-F238E27FC236}">
+                  <a16:creationId xmlns:a16="http://schemas.microsoft.com/office/drawing/2014/main" id="{88ED1952-A5AC-52A7-28F7-4DA69034880E}"/>
+                </a:ext>
+              </a:extLst>
+            </p:cNvPr>
+            <p:cNvPicPr>
+              <a:picLocks noChangeAspect="1"/>
+            </p:cNvPicPr>
+            <p:nvPr/>
+          </p:nvPicPr>
+          <p:blipFill>
+            <a:blip r:embed="rId5"/>
+            <a:stretch>
+              <a:fillRect/>
+            </a:stretch>
+          </p:blipFill>
+          <p:spPr>
+            <a:xfrm>
+              <a:off x="7189834" y="2653468"/>
+              <a:ext cx="718311" cy="1296000"/>
+            </a:xfrm>
+            <a:prstGeom prst="rect">
+              <a:avLst/>
+            </a:prstGeom>
+          </p:spPr>
+        </p:pic>
+        <p:sp>
+          <p:nvSpPr>
+            <p:cNvPr id="79" name="Abgerundetes Rechteck 78">
+              <a:extLst>
+                <a:ext uri="{FF2B5EF4-FFF2-40B4-BE49-F238E27FC236}">
+                  <a16:creationId xmlns:a16="http://schemas.microsoft.com/office/drawing/2014/main" id="{CF579562-FDE1-667D-33CA-7446047784A3}"/>
+                </a:ext>
+              </a:extLst>
+            </p:cNvPr>
+            <p:cNvSpPr/>
+            <p:nvPr/>
+          </p:nvSpPr>
+          <p:spPr>
+            <a:xfrm>
+              <a:off x="7770061" y="2669744"/>
+              <a:ext cx="281889" cy="1256399"/>
+            </a:xfrm>
+            <a:prstGeom prst="roundRect">
+              <a:avLst>
+                <a:gd name="adj" fmla="val 33106"/>
+              </a:avLst>
+            </a:prstGeom>
+            <a:solidFill>
+              <a:schemeClr val="bg1">
+                <a:lumMod val="75000"/>
+              </a:schemeClr>
+            </a:solidFill>
+            <a:ln>
+              <a:noFill/>
+            </a:ln>
+            <a:scene3d>
+              <a:camera prst="orthographicFront"/>
+              <a:lightRig rig="threePt" dir="t"/>
+            </a:scene3d>
+            <a:sp3d>
+              <a:bevelT w="50800" h="50800"/>
+            </a:sp3d>
+          </p:spPr>
+          <p:style>
+            <a:lnRef idx="2">
+              <a:schemeClr val="accent1">
+                <a:shade val="15000"/>
+              </a:schemeClr>
+            </a:lnRef>
+            <a:fillRef idx="1">
+              <a:schemeClr val="accent1"/>
+            </a:fillRef>
+            <a:effectRef idx="0">
+              <a:schemeClr val="accent1"/>
+            </a:effectRef>
+            <a:fontRef idx="minor">
+              <a:schemeClr val="lt1"/>
+            </a:fontRef>
+          </p:style>
+          <p:txBody>
+            <a:bodyPr rtlCol="0" anchor="ctr"/>
+            <a:lstStyle/>
+            <a:p>
+              <a:pPr algn="ctr"/>
+              <a:endParaRPr lang="de-DE"/>
+            </a:p>
+          </p:txBody>
+        </p:sp>
+      </p:grpSp>
+      <p:sp>
+        <p:nvSpPr>
+          <p:cNvPr id="82" name="Textfeld 81">
+            <a:extLst>
+              <a:ext uri="{FF2B5EF4-FFF2-40B4-BE49-F238E27FC236}">
+                <a16:creationId xmlns:a16="http://schemas.microsoft.com/office/drawing/2014/main" id="{02B19936-0E34-B3AA-E5F7-429CB89D8B44}"/>
+              </a:ext>
+            </a:extLst>
+          </p:cNvPr>
+          <p:cNvSpPr txBox="1"/>
+          <p:nvPr/>
+        </p:nvSpPr>
+        <p:spPr>
+          <a:xfrm>
+            <a:off x="1040130" y="331584"/>
+            <a:ext cx="1691810" cy="369332"/>
+          </a:xfrm>
+          <a:prstGeom prst="rect">
+            <a:avLst/>
+          </a:prstGeom>
+          <a:noFill/>
+        </p:spPr>
+        <p:txBody>
+          <a:bodyPr wrap="none" rtlCol="0">
+            <a:spAutoFit/>
+          </a:bodyPr>
+          <a:lstStyle/>
+          <a:p>
+            <a:r>
+              <a:rPr lang="de-DE" i="1" dirty="0">
+                <a:latin typeface="Times New Roman" panose="02020603050405020304" pitchFamily="18" charset="0"/>
+                <a:cs typeface="Times New Roman" panose="02020603050405020304" pitchFamily="18" charset="0"/>
+              </a:rPr>
+              <a:t>t = 1.0:    </a:t>
+            </a:r>
+            <a:r>
+              <a:rPr lang="de-DE" dirty="0">
+                <a:latin typeface="+mj-lt"/>
+                <a:cs typeface="Times New Roman" panose="02020603050405020304" pitchFamily="18" charset="0"/>
+              </a:rPr>
+              <a:t>Sarah</a:t>
+            </a:r>
+            <a:r>
+              <a:rPr lang="de-DE" i="1" dirty="0">
+                <a:latin typeface="Times New Roman" panose="02020603050405020304" pitchFamily="18" charset="0"/>
+                <a:cs typeface="Times New Roman" panose="02020603050405020304" pitchFamily="18" charset="0"/>
+              </a:rPr>
+              <a:t> </a:t>
+            </a:r>
+          </a:p>
+        </p:txBody>
+      </p:sp>
+      <p:grpSp>
+        <p:nvGrpSpPr>
+          <p:cNvPr id="84" name="Gruppieren 83">
+            <a:extLst>
+              <a:ext uri="{FF2B5EF4-FFF2-40B4-BE49-F238E27FC236}">
+                <a16:creationId xmlns:a16="http://schemas.microsoft.com/office/drawing/2014/main" id="{812A867F-C0B6-E483-F189-3AFC432182A7}"/>
+              </a:ext>
+            </a:extLst>
+          </p:cNvPr>
+          <p:cNvGrpSpPr/>
+          <p:nvPr/>
+        </p:nvGrpSpPr>
+        <p:grpSpPr>
+          <a:xfrm>
+            <a:off x="5524674" y="157245"/>
+            <a:ext cx="680225" cy="698318"/>
+            <a:chOff x="7297328" y="1226450"/>
+            <a:chExt cx="1223847" cy="1256399"/>
+          </a:xfrm>
+        </p:grpSpPr>
+        <p:grpSp>
+          <p:nvGrpSpPr>
+            <p:cNvPr id="85" name="Gruppieren 84">
+              <a:extLst>
+                <a:ext uri="{FF2B5EF4-FFF2-40B4-BE49-F238E27FC236}">
+                  <a16:creationId xmlns:a16="http://schemas.microsoft.com/office/drawing/2014/main" id="{35388E49-6393-27DD-24B4-904E6820B6E3}"/>
+                </a:ext>
+              </a:extLst>
+            </p:cNvPr>
+            <p:cNvGrpSpPr/>
+            <p:nvPr/>
+          </p:nvGrpSpPr>
+          <p:grpSpPr>
+            <a:xfrm>
+              <a:off x="7297328" y="1243128"/>
+              <a:ext cx="1223847" cy="1223847"/>
+              <a:chOff x="5206567" y="1243128"/>
+              <a:chExt cx="1223847" cy="1223847"/>
+            </a:xfrm>
+          </p:grpSpPr>
+          <p:sp>
+            <p:nvSpPr>
+              <p:cNvPr id="87" name="Ring 86">
+                <a:extLst>
+                  <a:ext uri="{FF2B5EF4-FFF2-40B4-BE49-F238E27FC236}">
+                    <a16:creationId xmlns:a16="http://schemas.microsoft.com/office/drawing/2014/main" id="{F16EFCDA-3411-96CE-34B7-8538B860B875}"/>
+                  </a:ext>
+                </a:extLst>
+              </p:cNvPr>
+              <p:cNvSpPr/>
+              <p:nvPr/>
+            </p:nvSpPr>
+            <p:spPr>
+              <a:xfrm>
+                <a:off x="5206567" y="1243128"/>
+                <a:ext cx="1223847" cy="1223847"/>
+              </a:xfrm>
+              <a:prstGeom prst="donut">
+                <a:avLst>
+                  <a:gd name="adj" fmla="val 14231"/>
+                </a:avLst>
+              </a:prstGeom>
+              <a:solidFill>
+                <a:schemeClr val="bg1">
+                  <a:lumMod val="75000"/>
+                </a:schemeClr>
+              </a:solidFill>
+              <a:ln>
+                <a:noFill/>
+              </a:ln>
+              <a:scene3d>
+                <a:camera prst="orthographicFront"/>
+                <a:lightRig rig="threePt" dir="t"/>
+              </a:scene3d>
+              <a:sp3d>
+                <a:bevelT/>
+              </a:sp3d>
+            </p:spPr>
+            <p:style>
+              <a:lnRef idx="2">
+                <a:schemeClr val="accent1">
+                  <a:shade val="15000"/>
+                </a:schemeClr>
+              </a:lnRef>
+              <a:fillRef idx="1">
+                <a:schemeClr val="accent1"/>
+              </a:fillRef>
+              <a:effectRef idx="0">
+                <a:schemeClr val="accent1"/>
+              </a:effectRef>
+              <a:fontRef idx="minor">
+                <a:schemeClr val="lt1"/>
+              </a:fontRef>
+            </p:style>
+            <p:txBody>
+              <a:bodyPr rtlCol="0" anchor="ctr"/>
+              <a:lstStyle/>
+              <a:p>
+                <a:pPr algn="ctr"/>
+                <a:endParaRPr lang="de-DE"/>
+              </a:p>
+            </p:txBody>
+          </p:sp>
+          <p:sp>
+            <p:nvSpPr>
+              <p:cNvPr id="88" name="Oval 87">
+                <a:extLst>
+                  <a:ext uri="{FF2B5EF4-FFF2-40B4-BE49-F238E27FC236}">
+                    <a16:creationId xmlns:a16="http://schemas.microsoft.com/office/drawing/2014/main" id="{820835BE-F69C-14A6-E8BC-7BE4C0FAAAA8}"/>
+                  </a:ext>
+                </a:extLst>
+              </p:cNvPr>
+              <p:cNvSpPr/>
+              <p:nvPr/>
+            </p:nvSpPr>
+            <p:spPr>
+              <a:xfrm>
+                <a:off x="5377924" y="1414485"/>
+                <a:ext cx="881133" cy="881133"/>
+              </a:xfrm>
+              <a:prstGeom prst="ellipse">
+                <a:avLst/>
+              </a:prstGeom>
+              <a:solidFill>
+                <a:schemeClr val="bg1">
+                  <a:lumMod val="75000"/>
+                </a:schemeClr>
+              </a:solidFill>
+              <a:ln>
+                <a:noFill/>
+              </a:ln>
+              <a:scene3d>
+                <a:camera prst="orthographicFront"/>
+                <a:lightRig rig="threePt" dir="t"/>
+              </a:scene3d>
+              <a:sp3d>
+                <a:bevelT w="317500" h="260350"/>
+              </a:sp3d>
+            </p:spPr>
+            <p:style>
+              <a:lnRef idx="2">
+                <a:schemeClr val="accent1">
+                  <a:shade val="15000"/>
+                </a:schemeClr>
+              </a:lnRef>
+              <a:fillRef idx="1">
+                <a:schemeClr val="accent1"/>
+              </a:fillRef>
+              <a:effectRef idx="0">
+                <a:schemeClr val="accent1"/>
+              </a:effectRef>
+              <a:fontRef idx="minor">
+                <a:schemeClr val="lt1"/>
+              </a:fontRef>
+            </p:style>
+            <p:txBody>
+              <a:bodyPr rtlCol="0" anchor="ctr"/>
+              <a:lstStyle/>
+              <a:p>
+                <a:pPr algn="ctr"/>
+                <a:endParaRPr lang="de-DE"/>
+              </a:p>
+            </p:txBody>
+          </p:sp>
+        </p:grpSp>
+        <p:sp>
+          <p:nvSpPr>
+            <p:cNvPr id="86" name="Abgerundetes Rechteck 85">
+              <a:extLst>
+                <a:ext uri="{FF2B5EF4-FFF2-40B4-BE49-F238E27FC236}">
+                  <a16:creationId xmlns:a16="http://schemas.microsoft.com/office/drawing/2014/main" id="{1A9A2A3C-CA54-E7EC-8F9E-3899723AC3A7}"/>
+                </a:ext>
+              </a:extLst>
+            </p:cNvPr>
+            <p:cNvSpPr/>
+            <p:nvPr/>
+          </p:nvSpPr>
+          <p:spPr>
+            <a:xfrm>
+              <a:off x="7770061" y="1226450"/>
+              <a:ext cx="281889" cy="1256399"/>
+            </a:xfrm>
+            <a:prstGeom prst="roundRect">
+              <a:avLst>
+                <a:gd name="adj" fmla="val 33106"/>
+              </a:avLst>
+            </a:prstGeom>
+            <a:solidFill>
+              <a:schemeClr val="bg1">
+                <a:lumMod val="75000"/>
+              </a:schemeClr>
+            </a:solidFill>
+            <a:ln>
+              <a:noFill/>
+            </a:ln>
+            <a:scene3d>
+              <a:camera prst="orthographicFront"/>
+              <a:lightRig rig="threePt" dir="t"/>
+            </a:scene3d>
+            <a:sp3d>
+              <a:bevelT w="50800" h="50800"/>
+            </a:sp3d>
+          </p:spPr>
+          <p:style>
+            <a:lnRef idx="2">
+              <a:schemeClr val="accent1">
+                <a:shade val="15000"/>
+              </a:schemeClr>
+            </a:lnRef>
+            <a:fillRef idx="1">
+              <a:schemeClr val="accent1"/>
+            </a:fillRef>
+            <a:effectRef idx="0">
+              <a:schemeClr val="accent1"/>
+            </a:effectRef>
+            <a:fontRef idx="minor">
+              <a:schemeClr val="lt1"/>
+            </a:fontRef>
+          </p:style>
+          <p:txBody>
+            <a:bodyPr rtlCol="0" anchor="ctr"/>
+            <a:lstStyle/>
+            <a:p>
+              <a:pPr algn="ctr"/>
+              <a:endParaRPr lang="de-DE"/>
+            </a:p>
+          </p:txBody>
+        </p:sp>
+      </p:grpSp>
+      <p:grpSp>
+        <p:nvGrpSpPr>
+          <p:cNvPr id="89" name="Gruppieren 88">
+            <a:extLst>
+              <a:ext uri="{FF2B5EF4-FFF2-40B4-BE49-F238E27FC236}">
+                <a16:creationId xmlns:a16="http://schemas.microsoft.com/office/drawing/2014/main" id="{C09C5ADA-2477-578F-8F2E-E0E9B9381D73}"/>
+              </a:ext>
+            </a:extLst>
+          </p:cNvPr>
+          <p:cNvGrpSpPr/>
+          <p:nvPr/>
+        </p:nvGrpSpPr>
+        <p:grpSpPr>
+          <a:xfrm>
+            <a:off x="3042251" y="153243"/>
+            <a:ext cx="688831" cy="706322"/>
+            <a:chOff x="7281844" y="1218399"/>
+            <a:chExt cx="1239331" cy="1270800"/>
+          </a:xfrm>
+        </p:grpSpPr>
+        <p:grpSp>
+          <p:nvGrpSpPr>
+            <p:cNvPr id="90" name="Gruppieren 89">
+              <a:extLst>
+                <a:ext uri="{FF2B5EF4-FFF2-40B4-BE49-F238E27FC236}">
+                  <a16:creationId xmlns:a16="http://schemas.microsoft.com/office/drawing/2014/main" id="{A69A1DFE-8BD6-826E-1ECA-F1A81855819A}"/>
+                </a:ext>
+              </a:extLst>
+            </p:cNvPr>
+            <p:cNvGrpSpPr/>
+            <p:nvPr/>
+          </p:nvGrpSpPr>
+          <p:grpSpPr>
+            <a:xfrm>
+              <a:off x="7297328" y="1243128"/>
+              <a:ext cx="1223847" cy="1223847"/>
+              <a:chOff x="5206567" y="1243128"/>
+              <a:chExt cx="1223847" cy="1223847"/>
+            </a:xfrm>
+          </p:grpSpPr>
+          <p:sp>
+            <p:nvSpPr>
+              <p:cNvPr id="96" name="Ring 95">
+                <a:extLst>
+                  <a:ext uri="{FF2B5EF4-FFF2-40B4-BE49-F238E27FC236}">
+                    <a16:creationId xmlns:a16="http://schemas.microsoft.com/office/drawing/2014/main" id="{D4AA6C79-CEC9-9F34-DAF3-C02556B0DCB1}"/>
+                  </a:ext>
+                </a:extLst>
+              </p:cNvPr>
+              <p:cNvSpPr/>
+              <p:nvPr/>
+            </p:nvSpPr>
+            <p:spPr>
+              <a:xfrm>
+                <a:off x="5206567" y="1243128"/>
+                <a:ext cx="1223847" cy="1223847"/>
+              </a:xfrm>
+              <a:prstGeom prst="donut">
+                <a:avLst>
+                  <a:gd name="adj" fmla="val 14231"/>
+                </a:avLst>
+              </a:prstGeom>
+              <a:solidFill>
+                <a:schemeClr val="bg1">
+                  <a:lumMod val="75000"/>
+                </a:schemeClr>
+              </a:solidFill>
+              <a:ln>
+                <a:noFill/>
+              </a:ln>
+              <a:scene3d>
+                <a:camera prst="orthographicFront"/>
+                <a:lightRig rig="threePt" dir="t"/>
+              </a:scene3d>
+              <a:sp3d>
+                <a:bevelT/>
+              </a:sp3d>
+            </p:spPr>
+            <p:style>
+              <a:lnRef idx="2">
+                <a:schemeClr val="accent1">
+                  <a:shade val="15000"/>
+                </a:schemeClr>
+              </a:lnRef>
+              <a:fillRef idx="1">
+                <a:schemeClr val="accent1"/>
+              </a:fillRef>
+              <a:effectRef idx="0">
+                <a:schemeClr val="accent1"/>
+              </a:effectRef>
+              <a:fontRef idx="minor">
+                <a:schemeClr val="lt1"/>
+              </a:fontRef>
+            </p:style>
+            <p:txBody>
+              <a:bodyPr rtlCol="0" anchor="ctr"/>
+              <a:lstStyle/>
+              <a:p>
+                <a:pPr algn="ctr"/>
+                <a:endParaRPr lang="de-DE"/>
+              </a:p>
+            </p:txBody>
+          </p:sp>
+          <p:sp>
+            <p:nvSpPr>
+              <p:cNvPr id="97" name="Oval 96">
+                <a:extLst>
+                  <a:ext uri="{FF2B5EF4-FFF2-40B4-BE49-F238E27FC236}">
+                    <a16:creationId xmlns:a16="http://schemas.microsoft.com/office/drawing/2014/main" id="{DA371009-BAC5-8917-86C9-37F5D3610D02}"/>
+                  </a:ext>
+                </a:extLst>
+              </p:cNvPr>
+              <p:cNvSpPr/>
+              <p:nvPr/>
+            </p:nvSpPr>
+            <p:spPr>
+              <a:xfrm>
+                <a:off x="5377924" y="1414485"/>
+                <a:ext cx="881133" cy="881133"/>
+              </a:xfrm>
+              <a:prstGeom prst="ellipse">
+                <a:avLst/>
+              </a:prstGeom>
+              <a:solidFill>
+                <a:schemeClr val="bg1">
+                  <a:lumMod val="75000"/>
+                </a:schemeClr>
+              </a:solidFill>
+              <a:ln>
+                <a:noFill/>
+              </a:ln>
+              <a:scene3d>
+                <a:camera prst="orthographicFront"/>
+                <a:lightRig rig="threePt" dir="t"/>
+              </a:scene3d>
+              <a:sp3d>
+                <a:bevelT w="317500" h="260350"/>
+              </a:sp3d>
+            </p:spPr>
+            <p:style>
+              <a:lnRef idx="2">
+                <a:schemeClr val="accent1">
+                  <a:shade val="15000"/>
+                </a:schemeClr>
+              </a:lnRef>
+              <a:fillRef idx="1">
+                <a:schemeClr val="accent1"/>
+              </a:fillRef>
+              <a:effectRef idx="0">
+                <a:schemeClr val="accent1"/>
+              </a:effectRef>
+              <a:fontRef idx="minor">
+                <a:schemeClr val="lt1"/>
+              </a:fontRef>
+            </p:style>
+            <p:txBody>
+              <a:bodyPr rtlCol="0" anchor="ctr"/>
+              <a:lstStyle/>
+              <a:p>
+                <a:pPr algn="ctr"/>
+                <a:endParaRPr lang="de-DE"/>
+              </a:p>
+            </p:txBody>
+          </p:sp>
+        </p:grpSp>
+        <p:pic>
+          <p:nvPicPr>
+            <p:cNvPr id="91" name="Grafik 90">
+              <a:extLst>
+                <a:ext uri="{FF2B5EF4-FFF2-40B4-BE49-F238E27FC236}">
+                  <a16:creationId xmlns:a16="http://schemas.microsoft.com/office/drawing/2014/main" id="{A6AD0EBE-8EBC-0D5C-1B3B-314F903B1124}"/>
+                </a:ext>
+              </a:extLst>
+            </p:cNvPr>
+            <p:cNvPicPr>
+              <a:picLocks noChangeAspect="1"/>
+            </p:cNvPicPr>
+            <p:nvPr/>
+          </p:nvPicPr>
+          <p:blipFill>
+            <a:blip r:embed="rId3"/>
+            <a:stretch>
+              <a:fillRect/>
+            </a:stretch>
+          </p:blipFill>
+          <p:spPr>
+            <a:xfrm>
+              <a:off x="7281844" y="1218399"/>
+              <a:ext cx="625772" cy="1270800"/>
+            </a:xfrm>
+            <a:prstGeom prst="rect">
+              <a:avLst/>
+            </a:prstGeom>
+          </p:spPr>
+        </p:pic>
+        <p:sp>
+          <p:nvSpPr>
+            <p:cNvPr id="92" name="Abgerundetes Rechteck 91">
+              <a:extLst>
+                <a:ext uri="{FF2B5EF4-FFF2-40B4-BE49-F238E27FC236}">
+                  <a16:creationId xmlns:a16="http://schemas.microsoft.com/office/drawing/2014/main" id="{D6AC02B7-9913-C3AD-F4E4-002EA9BC48CC}"/>
+                </a:ext>
+              </a:extLst>
+            </p:cNvPr>
+            <p:cNvSpPr/>
+            <p:nvPr/>
+          </p:nvSpPr>
+          <p:spPr>
+            <a:xfrm>
+              <a:off x="7770061" y="1226450"/>
+              <a:ext cx="281889" cy="1256399"/>
+            </a:xfrm>
+            <a:prstGeom prst="roundRect">
+              <a:avLst>
+                <a:gd name="adj" fmla="val 33106"/>
+              </a:avLst>
+            </a:prstGeom>
+            <a:solidFill>
+              <a:schemeClr val="bg1">
+                <a:lumMod val="75000"/>
+              </a:schemeClr>
+            </a:solidFill>
+            <a:ln>
+              <a:noFill/>
+            </a:ln>
+            <a:scene3d>
+              <a:camera prst="orthographicFront"/>
+              <a:lightRig rig="threePt" dir="t"/>
+            </a:scene3d>
+            <a:sp3d>
+              <a:bevelT w="50800" h="50800"/>
+            </a:sp3d>
+          </p:spPr>
+          <p:style>
+            <a:lnRef idx="2">
+              <a:schemeClr val="accent1">
+                <a:shade val="15000"/>
+              </a:schemeClr>
+            </a:lnRef>
+            <a:fillRef idx="1">
+              <a:schemeClr val="accent1"/>
+            </a:fillRef>
+            <a:effectRef idx="0">
+              <a:schemeClr val="accent1"/>
+            </a:effectRef>
+            <a:fontRef idx="minor">
+              <a:schemeClr val="lt1"/>
+            </a:fontRef>
+          </p:style>
+          <p:txBody>
+            <a:bodyPr rtlCol="0" anchor="ctr"/>
+            <a:lstStyle/>
+            <a:p>
+              <a:pPr algn="ctr"/>
+              <a:endParaRPr lang="de-DE"/>
+            </a:p>
+          </p:txBody>
+        </p:sp>
+      </p:grpSp>
+      <p:grpSp>
+        <p:nvGrpSpPr>
+          <p:cNvPr id="98" name="Gruppieren 97">
+            <a:extLst>
+              <a:ext uri="{FF2B5EF4-FFF2-40B4-BE49-F238E27FC236}">
+                <a16:creationId xmlns:a16="http://schemas.microsoft.com/office/drawing/2014/main" id="{1257B175-CC8B-853A-E3B8-3A9B8349E506}"/>
+              </a:ext>
+            </a:extLst>
+          </p:cNvPr>
+          <p:cNvGrpSpPr/>
+          <p:nvPr/>
+        </p:nvGrpSpPr>
+        <p:grpSpPr>
+          <a:xfrm>
+            <a:off x="4285344" y="157245"/>
+            <a:ext cx="680225" cy="698318"/>
+            <a:chOff x="7297328" y="1226450"/>
+            <a:chExt cx="1223847" cy="1256399"/>
+          </a:xfrm>
+        </p:grpSpPr>
+        <p:grpSp>
+          <p:nvGrpSpPr>
+            <p:cNvPr id="99" name="Gruppieren 98">
+              <a:extLst>
+                <a:ext uri="{FF2B5EF4-FFF2-40B4-BE49-F238E27FC236}">
+                  <a16:creationId xmlns:a16="http://schemas.microsoft.com/office/drawing/2014/main" id="{9061FC4B-A0F9-9C3A-CCB7-9F02175E8D39}"/>
+                </a:ext>
+              </a:extLst>
+            </p:cNvPr>
+            <p:cNvGrpSpPr/>
+            <p:nvPr/>
+          </p:nvGrpSpPr>
+          <p:grpSpPr>
+            <a:xfrm>
+              <a:off x="7297328" y="1243128"/>
+              <a:ext cx="1223847" cy="1223847"/>
+              <a:chOff x="5206567" y="1243128"/>
+              <a:chExt cx="1223847" cy="1223847"/>
+            </a:xfrm>
+          </p:grpSpPr>
+          <p:sp>
+            <p:nvSpPr>
+              <p:cNvPr id="101" name="Ring 100">
+                <a:extLst>
+                  <a:ext uri="{FF2B5EF4-FFF2-40B4-BE49-F238E27FC236}">
+                    <a16:creationId xmlns:a16="http://schemas.microsoft.com/office/drawing/2014/main" id="{9476478B-1D31-D3EC-38AA-586357E5AF90}"/>
+                  </a:ext>
+                </a:extLst>
+              </p:cNvPr>
+              <p:cNvSpPr/>
+              <p:nvPr/>
+            </p:nvSpPr>
+            <p:spPr>
+              <a:xfrm>
+                <a:off x="5206567" y="1243128"/>
+                <a:ext cx="1223847" cy="1223847"/>
+              </a:xfrm>
+              <a:prstGeom prst="donut">
+                <a:avLst>
+                  <a:gd name="adj" fmla="val 14231"/>
+                </a:avLst>
+              </a:prstGeom>
+              <a:solidFill>
+                <a:schemeClr val="bg1">
+                  <a:lumMod val="75000"/>
+                </a:schemeClr>
+              </a:solidFill>
+              <a:ln>
+                <a:noFill/>
+              </a:ln>
+              <a:scene3d>
+                <a:camera prst="orthographicFront"/>
+                <a:lightRig rig="threePt" dir="t"/>
+              </a:scene3d>
+              <a:sp3d>
+                <a:bevelT/>
+              </a:sp3d>
+            </p:spPr>
+            <p:style>
+              <a:lnRef idx="2">
+                <a:schemeClr val="accent1">
+                  <a:shade val="15000"/>
+                </a:schemeClr>
+              </a:lnRef>
+              <a:fillRef idx="1">
+                <a:schemeClr val="accent1"/>
+              </a:fillRef>
+              <a:effectRef idx="0">
+                <a:schemeClr val="accent1"/>
+              </a:effectRef>
+              <a:fontRef idx="minor">
+                <a:schemeClr val="lt1"/>
+              </a:fontRef>
+            </p:style>
+            <p:txBody>
+              <a:bodyPr rtlCol="0" anchor="ctr"/>
+              <a:lstStyle/>
+              <a:p>
+                <a:pPr algn="ctr"/>
+                <a:endParaRPr lang="de-DE"/>
+              </a:p>
+            </p:txBody>
+          </p:sp>
+          <p:sp>
+            <p:nvSpPr>
+              <p:cNvPr id="102" name="Oval 101">
+                <a:extLst>
+                  <a:ext uri="{FF2B5EF4-FFF2-40B4-BE49-F238E27FC236}">
+                    <a16:creationId xmlns:a16="http://schemas.microsoft.com/office/drawing/2014/main" id="{90D7338E-CE10-1F70-6C2F-AF4F73554F77}"/>
+                  </a:ext>
+                </a:extLst>
+              </p:cNvPr>
+              <p:cNvSpPr/>
+              <p:nvPr/>
+            </p:nvSpPr>
+            <p:spPr>
+              <a:xfrm>
+                <a:off x="5377924" y="1414485"/>
+                <a:ext cx="881133" cy="881133"/>
+              </a:xfrm>
+              <a:prstGeom prst="ellipse">
+                <a:avLst/>
+              </a:prstGeom>
+              <a:solidFill>
+                <a:schemeClr val="bg1">
+                  <a:lumMod val="75000"/>
+                </a:schemeClr>
+              </a:solidFill>
+              <a:ln>
+                <a:noFill/>
+              </a:ln>
+              <a:scene3d>
+                <a:camera prst="orthographicFront"/>
+                <a:lightRig rig="threePt" dir="t"/>
+              </a:scene3d>
+              <a:sp3d>
+                <a:bevelT w="317500" h="260350"/>
+              </a:sp3d>
+            </p:spPr>
+            <p:style>
+              <a:lnRef idx="2">
+                <a:schemeClr val="accent1">
+                  <a:shade val="15000"/>
+                </a:schemeClr>
+              </a:lnRef>
+              <a:fillRef idx="1">
+                <a:schemeClr val="accent1"/>
+              </a:fillRef>
+              <a:effectRef idx="0">
+                <a:schemeClr val="accent1"/>
+              </a:effectRef>
+              <a:fontRef idx="minor">
+                <a:schemeClr val="lt1"/>
+              </a:fontRef>
+            </p:style>
+            <p:txBody>
+              <a:bodyPr rtlCol="0" anchor="ctr"/>
+              <a:lstStyle/>
+              <a:p>
+                <a:pPr algn="ctr"/>
+                <a:endParaRPr lang="de-DE"/>
+              </a:p>
+            </p:txBody>
+          </p:sp>
+        </p:grpSp>
+        <p:sp>
+          <p:nvSpPr>
+            <p:cNvPr id="100" name="Abgerundetes Rechteck 99">
+              <a:extLst>
+                <a:ext uri="{FF2B5EF4-FFF2-40B4-BE49-F238E27FC236}">
+                  <a16:creationId xmlns:a16="http://schemas.microsoft.com/office/drawing/2014/main" id="{BE6EE174-3ED1-7A20-E40E-86270B604C90}"/>
+                </a:ext>
+              </a:extLst>
+            </p:cNvPr>
+            <p:cNvSpPr/>
+            <p:nvPr/>
+          </p:nvSpPr>
+          <p:spPr>
+            <a:xfrm>
+              <a:off x="7770061" y="1226450"/>
+              <a:ext cx="281889" cy="1256399"/>
+            </a:xfrm>
+            <a:prstGeom prst="roundRect">
+              <a:avLst>
+                <a:gd name="adj" fmla="val 33106"/>
+              </a:avLst>
+            </a:prstGeom>
+            <a:solidFill>
+              <a:schemeClr val="bg1">
+                <a:lumMod val="75000"/>
+              </a:schemeClr>
+            </a:solidFill>
+            <a:ln>
+              <a:noFill/>
+            </a:ln>
+            <a:scene3d>
+              <a:camera prst="orthographicFront"/>
+              <a:lightRig rig="threePt" dir="t"/>
+            </a:scene3d>
+            <a:sp3d>
+              <a:bevelT w="50800" h="50800"/>
+            </a:sp3d>
+          </p:spPr>
+          <p:style>
+            <a:lnRef idx="2">
+              <a:schemeClr val="accent1">
+                <a:shade val="15000"/>
+              </a:schemeClr>
+            </a:lnRef>
+            <a:fillRef idx="1">
+              <a:schemeClr val="accent1"/>
+            </a:fillRef>
+            <a:effectRef idx="0">
+              <a:schemeClr val="accent1"/>
+            </a:effectRef>
+            <a:fontRef idx="minor">
+              <a:schemeClr val="lt1"/>
+            </a:fontRef>
+          </p:style>
+          <p:txBody>
+            <a:bodyPr rtlCol="0" anchor="ctr"/>
+            <a:lstStyle/>
+            <a:p>
+              <a:pPr algn="ctr"/>
+              <a:endParaRPr lang="de-DE"/>
+            </a:p>
+          </p:txBody>
+        </p:sp>
+      </p:grpSp>
+      <p:sp>
+        <p:nvSpPr>
+          <p:cNvPr id="103" name="Textfeld 102">
+            <a:extLst>
+              <a:ext uri="{FF2B5EF4-FFF2-40B4-BE49-F238E27FC236}">
+                <a16:creationId xmlns:a16="http://schemas.microsoft.com/office/drawing/2014/main" id="{41541B3D-D19E-28F2-7608-CC4CCD2BD41A}"/>
+              </a:ext>
+            </a:extLst>
+          </p:cNvPr>
+          <p:cNvSpPr txBox="1"/>
+          <p:nvPr/>
+        </p:nvSpPr>
+        <p:spPr>
+          <a:xfrm>
+            <a:off x="1040130" y="1056066"/>
+            <a:ext cx="1691810" cy="369332"/>
+          </a:xfrm>
+          <a:prstGeom prst="rect">
+            <a:avLst/>
+          </a:prstGeom>
+          <a:noFill/>
+        </p:spPr>
+        <p:txBody>
+          <a:bodyPr wrap="none" rtlCol="0">
+            <a:spAutoFit/>
+          </a:bodyPr>
+          <a:lstStyle/>
+          <a:p>
+            <a:r>
+              <a:rPr lang="de-DE" i="1" dirty="0">
+                <a:latin typeface="Times New Roman" panose="02020603050405020304" pitchFamily="18" charset="0"/>
+                <a:cs typeface="Times New Roman" panose="02020603050405020304" pitchFamily="18" charset="0"/>
+              </a:rPr>
+              <a:t>t = 1.1:    </a:t>
+            </a:r>
+            <a:r>
+              <a:rPr lang="de-DE" dirty="0">
+                <a:latin typeface="+mj-lt"/>
+                <a:cs typeface="Times New Roman" panose="02020603050405020304" pitchFamily="18" charset="0"/>
+              </a:rPr>
+              <a:t>Sarah</a:t>
+            </a:r>
+            <a:r>
+              <a:rPr lang="de-DE" i="1" dirty="0">
+                <a:latin typeface="Times New Roman" panose="02020603050405020304" pitchFamily="18" charset="0"/>
+                <a:cs typeface="Times New Roman" panose="02020603050405020304" pitchFamily="18" charset="0"/>
+              </a:rPr>
+              <a:t> </a:t>
+            </a:r>
+          </a:p>
+        </p:txBody>
+      </p:sp>
+      <p:grpSp>
+        <p:nvGrpSpPr>
+          <p:cNvPr id="104" name="Gruppieren 103">
+            <a:extLst>
+              <a:ext uri="{FF2B5EF4-FFF2-40B4-BE49-F238E27FC236}">
+                <a16:creationId xmlns:a16="http://schemas.microsoft.com/office/drawing/2014/main" id="{2A207DDF-A48A-768C-9DAE-8F4932DA4915}"/>
+              </a:ext>
+            </a:extLst>
+          </p:cNvPr>
+          <p:cNvGrpSpPr/>
+          <p:nvPr/>
+        </p:nvGrpSpPr>
+        <p:grpSpPr>
+          <a:xfrm>
+            <a:off x="5524674" y="911915"/>
+            <a:ext cx="680225" cy="698318"/>
+            <a:chOff x="7297328" y="1226450"/>
+            <a:chExt cx="1223847" cy="1256399"/>
+          </a:xfrm>
+        </p:grpSpPr>
+        <p:grpSp>
+          <p:nvGrpSpPr>
+            <p:cNvPr id="105" name="Gruppieren 104">
+              <a:extLst>
+                <a:ext uri="{FF2B5EF4-FFF2-40B4-BE49-F238E27FC236}">
+                  <a16:creationId xmlns:a16="http://schemas.microsoft.com/office/drawing/2014/main" id="{C7654F0B-6F0E-CBCD-39D8-2FF9476280DB}"/>
+                </a:ext>
+              </a:extLst>
+            </p:cNvPr>
+            <p:cNvGrpSpPr/>
+            <p:nvPr/>
+          </p:nvGrpSpPr>
+          <p:grpSpPr>
+            <a:xfrm>
+              <a:off x="7297328" y="1243128"/>
+              <a:ext cx="1223847" cy="1223847"/>
+              <a:chOff x="5206567" y="1243128"/>
+              <a:chExt cx="1223847" cy="1223847"/>
+            </a:xfrm>
+          </p:grpSpPr>
+          <p:sp>
+            <p:nvSpPr>
+              <p:cNvPr id="107" name="Ring 106">
+                <a:extLst>
+                  <a:ext uri="{FF2B5EF4-FFF2-40B4-BE49-F238E27FC236}">
+                    <a16:creationId xmlns:a16="http://schemas.microsoft.com/office/drawing/2014/main" id="{8317E8F6-E1E9-AAF4-6B72-BD82E3E18B07}"/>
+                  </a:ext>
+                </a:extLst>
+              </p:cNvPr>
+              <p:cNvSpPr/>
+              <p:nvPr/>
+            </p:nvSpPr>
+            <p:spPr>
+              <a:xfrm>
+                <a:off x="5206567" y="1243128"/>
+                <a:ext cx="1223847" cy="1223847"/>
+              </a:xfrm>
+              <a:prstGeom prst="donut">
+                <a:avLst>
+                  <a:gd name="adj" fmla="val 14231"/>
+                </a:avLst>
+              </a:prstGeom>
+              <a:solidFill>
+                <a:schemeClr val="bg1">
+                  <a:lumMod val="75000"/>
+                </a:schemeClr>
+              </a:solidFill>
+              <a:ln>
+                <a:noFill/>
+              </a:ln>
+              <a:scene3d>
+                <a:camera prst="orthographicFront"/>
+                <a:lightRig rig="threePt" dir="t"/>
+              </a:scene3d>
+              <a:sp3d>
+                <a:bevelT/>
+              </a:sp3d>
+            </p:spPr>
+            <p:style>
+              <a:lnRef idx="2">
+                <a:schemeClr val="accent1">
+                  <a:shade val="15000"/>
+                </a:schemeClr>
+              </a:lnRef>
+              <a:fillRef idx="1">
+                <a:schemeClr val="accent1"/>
+              </a:fillRef>
+              <a:effectRef idx="0">
+                <a:schemeClr val="accent1"/>
+              </a:effectRef>
+              <a:fontRef idx="minor">
+                <a:schemeClr val="lt1"/>
+              </a:fontRef>
+            </p:style>
+            <p:txBody>
+              <a:bodyPr rtlCol="0" anchor="ctr"/>
+              <a:lstStyle/>
+              <a:p>
+                <a:pPr algn="ctr"/>
+                <a:endParaRPr lang="de-DE"/>
+              </a:p>
+            </p:txBody>
+          </p:sp>
+          <p:sp>
+            <p:nvSpPr>
+              <p:cNvPr id="108" name="Oval 107">
+                <a:extLst>
+                  <a:ext uri="{FF2B5EF4-FFF2-40B4-BE49-F238E27FC236}">
+                    <a16:creationId xmlns:a16="http://schemas.microsoft.com/office/drawing/2014/main" id="{2C868E14-3855-3B4E-E8C2-DD4CB264F7BA}"/>
+                  </a:ext>
+                </a:extLst>
+              </p:cNvPr>
+              <p:cNvSpPr/>
+              <p:nvPr/>
+            </p:nvSpPr>
+            <p:spPr>
+              <a:xfrm>
+                <a:off x="5377924" y="1414485"/>
+                <a:ext cx="881133" cy="881133"/>
+              </a:xfrm>
+              <a:prstGeom prst="ellipse">
+                <a:avLst/>
+              </a:prstGeom>
+              <a:solidFill>
+                <a:schemeClr val="bg1">
+                  <a:lumMod val="75000"/>
+                </a:schemeClr>
+              </a:solidFill>
+              <a:ln>
+                <a:noFill/>
+              </a:ln>
+              <a:scene3d>
+                <a:camera prst="orthographicFront"/>
+                <a:lightRig rig="threePt" dir="t"/>
+              </a:scene3d>
+              <a:sp3d>
+                <a:bevelT w="317500" h="260350"/>
+              </a:sp3d>
+            </p:spPr>
+            <p:style>
+              <a:lnRef idx="2">
+                <a:schemeClr val="accent1">
+                  <a:shade val="15000"/>
+                </a:schemeClr>
+              </a:lnRef>
+              <a:fillRef idx="1">
+                <a:schemeClr val="accent1"/>
+              </a:fillRef>
+              <a:effectRef idx="0">
+                <a:schemeClr val="accent1"/>
+              </a:effectRef>
+              <a:fontRef idx="minor">
+                <a:schemeClr val="lt1"/>
+              </a:fontRef>
+            </p:style>
+            <p:txBody>
+              <a:bodyPr rtlCol="0" anchor="ctr"/>
+              <a:lstStyle/>
+              <a:p>
+                <a:pPr algn="ctr"/>
+                <a:endParaRPr lang="de-DE"/>
+              </a:p>
+            </p:txBody>
+          </p:sp>
+        </p:grpSp>
+        <p:sp>
+          <p:nvSpPr>
+            <p:cNvPr id="106" name="Abgerundetes Rechteck 105">
+              <a:extLst>
+                <a:ext uri="{FF2B5EF4-FFF2-40B4-BE49-F238E27FC236}">
+                  <a16:creationId xmlns:a16="http://schemas.microsoft.com/office/drawing/2014/main" id="{037D8A56-A455-E011-18DD-32C8B9B11E4D}"/>
+                </a:ext>
+              </a:extLst>
+            </p:cNvPr>
+            <p:cNvSpPr/>
+            <p:nvPr/>
+          </p:nvSpPr>
+          <p:spPr>
+            <a:xfrm>
+              <a:off x="7770061" y="1226450"/>
+              <a:ext cx="281889" cy="1256399"/>
+            </a:xfrm>
+            <a:prstGeom prst="roundRect">
+              <a:avLst>
+                <a:gd name="adj" fmla="val 33106"/>
+              </a:avLst>
+            </a:prstGeom>
+            <a:solidFill>
+              <a:schemeClr val="bg1">
+                <a:lumMod val="75000"/>
+              </a:schemeClr>
+            </a:solidFill>
+            <a:ln>
+              <a:noFill/>
+            </a:ln>
+            <a:scene3d>
+              <a:camera prst="orthographicFront"/>
+              <a:lightRig rig="threePt" dir="t"/>
+            </a:scene3d>
+            <a:sp3d>
+              <a:bevelT w="50800" h="50800"/>
+            </a:sp3d>
+          </p:spPr>
+          <p:style>
+            <a:lnRef idx="2">
+              <a:schemeClr val="accent1">
+                <a:shade val="15000"/>
+              </a:schemeClr>
+            </a:lnRef>
+            <a:fillRef idx="1">
+              <a:schemeClr val="accent1"/>
+            </a:fillRef>
+            <a:effectRef idx="0">
+              <a:schemeClr val="accent1"/>
+            </a:effectRef>
+            <a:fontRef idx="minor">
+              <a:schemeClr val="lt1"/>
+            </a:fontRef>
+          </p:style>
+          <p:txBody>
+            <a:bodyPr rtlCol="0" anchor="ctr"/>
+            <a:lstStyle/>
+            <a:p>
+              <a:pPr algn="ctr"/>
+              <a:endParaRPr lang="de-DE"/>
+            </a:p>
+          </p:txBody>
+        </p:sp>
+      </p:grpSp>
+      <p:grpSp>
+        <p:nvGrpSpPr>
+          <p:cNvPr id="109" name="Gruppieren 108">
+            <a:extLst>
+              <a:ext uri="{FF2B5EF4-FFF2-40B4-BE49-F238E27FC236}">
+                <a16:creationId xmlns:a16="http://schemas.microsoft.com/office/drawing/2014/main" id="{4DC1C9B7-8A2C-A281-4718-6E718920D3F5}"/>
+              </a:ext>
+            </a:extLst>
+          </p:cNvPr>
+          <p:cNvGrpSpPr/>
+          <p:nvPr/>
+        </p:nvGrpSpPr>
+        <p:grpSpPr>
+          <a:xfrm>
+            <a:off x="3038884" y="895088"/>
+            <a:ext cx="706234" cy="706322"/>
+            <a:chOff x="9391771" y="3793537"/>
+            <a:chExt cx="706234" cy="706322"/>
+          </a:xfrm>
+        </p:grpSpPr>
+        <p:grpSp>
+          <p:nvGrpSpPr>
+            <p:cNvPr id="110" name="Gruppieren 109">
+              <a:extLst>
+                <a:ext uri="{FF2B5EF4-FFF2-40B4-BE49-F238E27FC236}">
+                  <a16:creationId xmlns:a16="http://schemas.microsoft.com/office/drawing/2014/main" id="{5F400AE9-B990-340C-3BE6-050F6F97B515}"/>
+                </a:ext>
+              </a:extLst>
+            </p:cNvPr>
+            <p:cNvGrpSpPr/>
+            <p:nvPr/>
+          </p:nvGrpSpPr>
+          <p:grpSpPr>
+            <a:xfrm>
+              <a:off x="9391771" y="3793537"/>
+              <a:ext cx="688831" cy="706322"/>
+              <a:chOff x="7281844" y="1218399"/>
+              <a:chExt cx="1239331" cy="1270800"/>
+            </a:xfrm>
+          </p:grpSpPr>
+          <p:grpSp>
+            <p:nvGrpSpPr>
+              <p:cNvPr id="113" name="Gruppieren 112">
+                <a:extLst>
+                  <a:ext uri="{FF2B5EF4-FFF2-40B4-BE49-F238E27FC236}">
+                    <a16:creationId xmlns:a16="http://schemas.microsoft.com/office/drawing/2014/main" id="{A23C0940-0D73-63DE-D158-40EFC194E77C}"/>
+                  </a:ext>
+                </a:extLst>
+              </p:cNvPr>
+              <p:cNvGrpSpPr/>
+              <p:nvPr/>
+            </p:nvGrpSpPr>
+            <p:grpSpPr>
+              <a:xfrm>
+                <a:off x="7297328" y="1243128"/>
+                <a:ext cx="1223847" cy="1223847"/>
+                <a:chOff x="5206567" y="1243128"/>
+                <a:chExt cx="1223847" cy="1223847"/>
+              </a:xfrm>
+            </p:grpSpPr>
+            <p:sp>
+              <p:nvSpPr>
+                <p:cNvPr id="115" name="Ring 114">
+                  <a:extLst>
+                    <a:ext uri="{FF2B5EF4-FFF2-40B4-BE49-F238E27FC236}">
+                      <a16:creationId xmlns:a16="http://schemas.microsoft.com/office/drawing/2014/main" id="{E044C665-4E16-99BF-4624-2B6305EACAA1}"/>
+                    </a:ext>
+                  </a:extLst>
+                </p:cNvPr>
+                <p:cNvSpPr/>
+                <p:nvPr/>
+              </p:nvSpPr>
+              <p:spPr>
+                <a:xfrm>
+                  <a:off x="5206567" y="1243128"/>
+                  <a:ext cx="1223847" cy="1223847"/>
+                </a:xfrm>
+                <a:prstGeom prst="donut">
+                  <a:avLst>
+                    <a:gd name="adj" fmla="val 14231"/>
+                  </a:avLst>
+                </a:prstGeom>
+                <a:solidFill>
+                  <a:schemeClr val="bg1">
+                    <a:lumMod val="75000"/>
+                  </a:schemeClr>
+                </a:solidFill>
+                <a:ln>
+                  <a:noFill/>
+                </a:ln>
+                <a:scene3d>
+                  <a:camera prst="orthographicFront"/>
+                  <a:lightRig rig="threePt" dir="t"/>
+                </a:scene3d>
+                <a:sp3d>
+                  <a:bevelT/>
+                </a:sp3d>
+              </p:spPr>
+              <p:style>
+                <a:lnRef idx="2">
+                  <a:schemeClr val="accent1">
+                    <a:shade val="15000"/>
+                  </a:schemeClr>
+                </a:lnRef>
+                <a:fillRef idx="1">
+                  <a:schemeClr val="accent1"/>
+                </a:fillRef>
+                <a:effectRef idx="0">
+                  <a:schemeClr val="accent1"/>
+                </a:effectRef>
+                <a:fontRef idx="minor">
+                  <a:schemeClr val="lt1"/>
+                </a:fontRef>
+              </p:style>
+              <p:txBody>
+                <a:bodyPr rtlCol="0" anchor="ctr"/>
+                <a:lstStyle/>
+                <a:p>
+                  <a:pPr algn="ctr"/>
+                  <a:endParaRPr lang="de-DE"/>
+                </a:p>
+              </p:txBody>
+            </p:sp>
+            <p:sp>
+              <p:nvSpPr>
+                <p:cNvPr id="116" name="Oval 115">
+                  <a:extLst>
+                    <a:ext uri="{FF2B5EF4-FFF2-40B4-BE49-F238E27FC236}">
+                      <a16:creationId xmlns:a16="http://schemas.microsoft.com/office/drawing/2014/main" id="{C230172C-F223-A3A0-F2B9-7D21323867D9}"/>
+                    </a:ext>
+                  </a:extLst>
+                </p:cNvPr>
+                <p:cNvSpPr/>
+                <p:nvPr/>
+              </p:nvSpPr>
+              <p:spPr>
+                <a:xfrm>
+                  <a:off x="5377924" y="1414485"/>
+                  <a:ext cx="881133" cy="881133"/>
+                </a:xfrm>
+                <a:prstGeom prst="ellipse">
+                  <a:avLst/>
+                </a:prstGeom>
+                <a:solidFill>
+                  <a:schemeClr val="bg1">
+                    <a:lumMod val="75000"/>
+                  </a:schemeClr>
+                </a:solidFill>
+                <a:ln>
+                  <a:noFill/>
+                </a:ln>
+                <a:scene3d>
+                  <a:camera prst="orthographicFront"/>
+                  <a:lightRig rig="threePt" dir="t"/>
+                </a:scene3d>
+                <a:sp3d>
+                  <a:bevelT w="317500" h="260350"/>
+                </a:sp3d>
+              </p:spPr>
+              <p:style>
+                <a:lnRef idx="2">
+                  <a:schemeClr val="accent1">
+                    <a:shade val="15000"/>
+                  </a:schemeClr>
+                </a:lnRef>
+                <a:fillRef idx="1">
+                  <a:schemeClr val="accent1"/>
+                </a:fillRef>
+                <a:effectRef idx="0">
+                  <a:schemeClr val="accent1"/>
+                </a:effectRef>
+                <a:fontRef idx="minor">
+                  <a:schemeClr val="lt1"/>
+                </a:fontRef>
+              </p:style>
+              <p:txBody>
+                <a:bodyPr rtlCol="0" anchor="ctr"/>
+                <a:lstStyle/>
+                <a:p>
+                  <a:pPr algn="ctr"/>
+                  <a:endParaRPr lang="de-DE"/>
+                </a:p>
+              </p:txBody>
+            </p:sp>
+          </p:grpSp>
+          <p:pic>
+            <p:nvPicPr>
+              <p:cNvPr id="114" name="Grafik 113">
+                <a:extLst>
+                  <a:ext uri="{FF2B5EF4-FFF2-40B4-BE49-F238E27FC236}">
+                    <a16:creationId xmlns:a16="http://schemas.microsoft.com/office/drawing/2014/main" id="{C2D98458-BDAC-6674-C7BE-91C1379394B2}"/>
+                  </a:ext>
+                </a:extLst>
+              </p:cNvPr>
+              <p:cNvPicPr>
+                <a:picLocks noChangeAspect="1"/>
+              </p:cNvPicPr>
+              <p:nvPr/>
+            </p:nvPicPr>
+            <p:blipFill>
+              <a:blip r:embed="rId3"/>
+              <a:stretch>
+                <a:fillRect/>
+              </a:stretch>
+            </p:blipFill>
+            <p:spPr>
+              <a:xfrm>
+                <a:off x="7281844" y="1218399"/>
+                <a:ext cx="625772" cy="1270800"/>
+              </a:xfrm>
+              <a:prstGeom prst="rect">
+                <a:avLst/>
+              </a:prstGeom>
+            </p:spPr>
+          </p:pic>
+        </p:grpSp>
+        <p:pic>
+          <p:nvPicPr>
+            <p:cNvPr id="111" name="Grafik 110">
+              <a:extLst>
+                <a:ext uri="{FF2B5EF4-FFF2-40B4-BE49-F238E27FC236}">
+                  <a16:creationId xmlns:a16="http://schemas.microsoft.com/office/drawing/2014/main" id="{371280DD-ADFE-91D9-4AD1-2806E61C2652}"/>
+                </a:ext>
+              </a:extLst>
+            </p:cNvPr>
+            <p:cNvPicPr>
+              <a:picLocks noChangeAspect="1"/>
+            </p:cNvPicPr>
+            <p:nvPr/>
+          </p:nvPicPr>
+          <p:blipFill>
+            <a:blip r:embed="rId4"/>
+            <a:stretch>
+              <a:fillRect/>
+            </a:stretch>
+          </p:blipFill>
+          <p:spPr>
+            <a:xfrm>
+              <a:off x="9739481" y="3799155"/>
+              <a:ext cx="358524" cy="698318"/>
+            </a:xfrm>
+            <a:prstGeom prst="rect">
+              <a:avLst/>
+            </a:prstGeom>
+          </p:spPr>
+        </p:pic>
+        <p:sp>
+          <p:nvSpPr>
+            <p:cNvPr id="112" name="Abgerundetes Rechteck 111">
+              <a:extLst>
+                <a:ext uri="{FF2B5EF4-FFF2-40B4-BE49-F238E27FC236}">
+                  <a16:creationId xmlns:a16="http://schemas.microsoft.com/office/drawing/2014/main" id="{E8183BD5-1140-66C5-0598-72944FA5BE9A}"/>
+                </a:ext>
+              </a:extLst>
+            </p:cNvPr>
+            <p:cNvSpPr/>
+            <p:nvPr/>
+          </p:nvSpPr>
+          <p:spPr>
+            <a:xfrm>
+              <a:off x="9663126" y="3798012"/>
+              <a:ext cx="156676" cy="698318"/>
+            </a:xfrm>
+            <a:prstGeom prst="roundRect">
+              <a:avLst>
+                <a:gd name="adj" fmla="val 33106"/>
+              </a:avLst>
+            </a:prstGeom>
+            <a:solidFill>
+              <a:schemeClr val="bg1">
+                <a:lumMod val="75000"/>
+              </a:schemeClr>
+            </a:solidFill>
+            <a:ln>
+              <a:noFill/>
+            </a:ln>
+            <a:scene3d>
+              <a:camera prst="orthographicFront"/>
+              <a:lightRig rig="threePt" dir="t"/>
+            </a:scene3d>
+            <a:sp3d>
+              <a:bevelT w="50800" h="50800"/>
+            </a:sp3d>
+          </p:spPr>
+          <p:style>
+            <a:lnRef idx="2">
+              <a:schemeClr val="accent1">
+                <a:shade val="15000"/>
+              </a:schemeClr>
+            </a:lnRef>
+            <a:fillRef idx="1">
+              <a:schemeClr val="accent1"/>
+            </a:fillRef>
+            <a:effectRef idx="0">
+              <a:schemeClr val="accent1"/>
+            </a:effectRef>
+            <a:fontRef idx="minor">
+              <a:schemeClr val="lt1"/>
+            </a:fontRef>
+          </p:style>
+          <p:txBody>
+            <a:bodyPr rtlCol="0" anchor="ctr"/>
+            <a:lstStyle/>
+            <a:p>
+              <a:pPr algn="ctr"/>
+              <a:endParaRPr lang="de-DE"/>
+            </a:p>
+          </p:txBody>
+        </p:sp>
+      </p:grpSp>
+      <p:grpSp>
+        <p:nvGrpSpPr>
+          <p:cNvPr id="117" name="Gruppieren 116">
+            <a:extLst>
+              <a:ext uri="{FF2B5EF4-FFF2-40B4-BE49-F238E27FC236}">
+                <a16:creationId xmlns:a16="http://schemas.microsoft.com/office/drawing/2014/main" id="{EA58AE71-C11C-8968-8AA7-0954997BE702}"/>
+              </a:ext>
+            </a:extLst>
+          </p:cNvPr>
+          <p:cNvGrpSpPr/>
+          <p:nvPr/>
+        </p:nvGrpSpPr>
+        <p:grpSpPr>
+          <a:xfrm>
+            <a:off x="4285344" y="911915"/>
+            <a:ext cx="680225" cy="698318"/>
+            <a:chOff x="7297328" y="1226450"/>
+            <a:chExt cx="1223847" cy="1256399"/>
+          </a:xfrm>
+        </p:grpSpPr>
+        <p:grpSp>
+          <p:nvGrpSpPr>
+            <p:cNvPr id="118" name="Gruppieren 117">
+              <a:extLst>
+                <a:ext uri="{FF2B5EF4-FFF2-40B4-BE49-F238E27FC236}">
+                  <a16:creationId xmlns:a16="http://schemas.microsoft.com/office/drawing/2014/main" id="{A7BD9FF5-9A8B-1B99-09B1-AA04F68E2EBB}"/>
+                </a:ext>
+              </a:extLst>
+            </p:cNvPr>
+            <p:cNvGrpSpPr/>
+            <p:nvPr/>
+          </p:nvGrpSpPr>
+          <p:grpSpPr>
+            <a:xfrm>
+              <a:off x="7297328" y="1243128"/>
+              <a:ext cx="1223847" cy="1223847"/>
+              <a:chOff x="5206567" y="1243128"/>
+              <a:chExt cx="1223847" cy="1223847"/>
+            </a:xfrm>
+          </p:grpSpPr>
+          <p:sp>
+            <p:nvSpPr>
+              <p:cNvPr id="120" name="Ring 119">
+                <a:extLst>
+                  <a:ext uri="{FF2B5EF4-FFF2-40B4-BE49-F238E27FC236}">
+                    <a16:creationId xmlns:a16="http://schemas.microsoft.com/office/drawing/2014/main" id="{209AD807-38C5-004C-D87C-91DC975EC921}"/>
+                  </a:ext>
+                </a:extLst>
+              </p:cNvPr>
+              <p:cNvSpPr/>
+              <p:nvPr/>
+            </p:nvSpPr>
+            <p:spPr>
+              <a:xfrm>
+                <a:off x="5206567" y="1243128"/>
+                <a:ext cx="1223847" cy="1223847"/>
+              </a:xfrm>
+              <a:prstGeom prst="donut">
+                <a:avLst>
+                  <a:gd name="adj" fmla="val 14231"/>
+                </a:avLst>
+              </a:prstGeom>
+              <a:solidFill>
+                <a:schemeClr val="bg1">
+                  <a:lumMod val="75000"/>
+                </a:schemeClr>
+              </a:solidFill>
+              <a:ln>
+                <a:noFill/>
+              </a:ln>
+              <a:scene3d>
+                <a:camera prst="orthographicFront"/>
+                <a:lightRig rig="threePt" dir="t"/>
+              </a:scene3d>
+              <a:sp3d>
+                <a:bevelT/>
+              </a:sp3d>
+            </p:spPr>
+            <p:style>
+              <a:lnRef idx="2">
+                <a:schemeClr val="accent1">
+                  <a:shade val="15000"/>
+                </a:schemeClr>
+              </a:lnRef>
+              <a:fillRef idx="1">
+                <a:schemeClr val="accent1"/>
+              </a:fillRef>
+              <a:effectRef idx="0">
+                <a:schemeClr val="accent1"/>
+              </a:effectRef>
+              <a:fontRef idx="minor">
+                <a:schemeClr val="lt1"/>
+              </a:fontRef>
+            </p:style>
+            <p:txBody>
+              <a:bodyPr rtlCol="0" anchor="ctr"/>
+              <a:lstStyle/>
+              <a:p>
+                <a:pPr algn="ctr"/>
+                <a:endParaRPr lang="de-DE"/>
+              </a:p>
+            </p:txBody>
+          </p:sp>
+          <p:sp>
+            <p:nvSpPr>
+              <p:cNvPr id="121" name="Oval 120">
+                <a:extLst>
+                  <a:ext uri="{FF2B5EF4-FFF2-40B4-BE49-F238E27FC236}">
+                    <a16:creationId xmlns:a16="http://schemas.microsoft.com/office/drawing/2014/main" id="{D21075F8-D2FA-A299-FBF1-0618700ECA42}"/>
+                  </a:ext>
+                </a:extLst>
+              </p:cNvPr>
+              <p:cNvSpPr/>
+              <p:nvPr/>
+            </p:nvSpPr>
+            <p:spPr>
+              <a:xfrm>
+                <a:off x="5377924" y="1414485"/>
+                <a:ext cx="881133" cy="881133"/>
+              </a:xfrm>
+              <a:prstGeom prst="ellipse">
+                <a:avLst/>
+              </a:prstGeom>
+              <a:solidFill>
+                <a:schemeClr val="bg1">
+                  <a:lumMod val="75000"/>
+                </a:schemeClr>
+              </a:solidFill>
+              <a:ln>
+                <a:noFill/>
+              </a:ln>
+              <a:scene3d>
+                <a:camera prst="orthographicFront"/>
+                <a:lightRig rig="threePt" dir="t"/>
+              </a:scene3d>
+              <a:sp3d>
+                <a:bevelT w="317500" h="260350"/>
+              </a:sp3d>
+            </p:spPr>
+            <p:style>
+              <a:lnRef idx="2">
+                <a:schemeClr val="accent1">
+                  <a:shade val="15000"/>
+                </a:schemeClr>
+              </a:lnRef>
+              <a:fillRef idx="1">
+                <a:schemeClr val="accent1"/>
+              </a:fillRef>
+              <a:effectRef idx="0">
+                <a:schemeClr val="accent1"/>
+              </a:effectRef>
+              <a:fontRef idx="minor">
+                <a:schemeClr val="lt1"/>
+              </a:fontRef>
+            </p:style>
+            <p:txBody>
+              <a:bodyPr rtlCol="0" anchor="ctr"/>
+              <a:lstStyle/>
+              <a:p>
+                <a:pPr algn="ctr"/>
+                <a:endParaRPr lang="de-DE"/>
+              </a:p>
+            </p:txBody>
+          </p:sp>
+        </p:grpSp>
+        <p:sp>
+          <p:nvSpPr>
+            <p:cNvPr id="119" name="Abgerundetes Rechteck 118">
+              <a:extLst>
+                <a:ext uri="{FF2B5EF4-FFF2-40B4-BE49-F238E27FC236}">
+                  <a16:creationId xmlns:a16="http://schemas.microsoft.com/office/drawing/2014/main" id="{B3D9C46C-3B16-83F2-690E-AC0781E19B37}"/>
+                </a:ext>
+              </a:extLst>
+            </p:cNvPr>
+            <p:cNvSpPr/>
+            <p:nvPr/>
+          </p:nvSpPr>
+          <p:spPr>
+            <a:xfrm>
+              <a:off x="7770061" y="1226450"/>
+              <a:ext cx="281889" cy="1256399"/>
+            </a:xfrm>
+            <a:prstGeom prst="roundRect">
+              <a:avLst>
+                <a:gd name="adj" fmla="val 33106"/>
+              </a:avLst>
+            </a:prstGeom>
+            <a:solidFill>
+              <a:schemeClr val="bg1">
+                <a:lumMod val="75000"/>
+              </a:schemeClr>
+            </a:solidFill>
+            <a:ln>
+              <a:noFill/>
+            </a:ln>
+            <a:scene3d>
+              <a:camera prst="orthographicFront"/>
+              <a:lightRig rig="threePt" dir="t"/>
+            </a:scene3d>
+            <a:sp3d>
+              <a:bevelT w="50800" h="50800"/>
+            </a:sp3d>
+          </p:spPr>
+          <p:style>
+            <a:lnRef idx="2">
+              <a:schemeClr val="accent1">
+                <a:shade val="15000"/>
+              </a:schemeClr>
+            </a:lnRef>
+            <a:fillRef idx="1">
+              <a:schemeClr val="accent1"/>
+            </a:fillRef>
+            <a:effectRef idx="0">
+              <a:schemeClr val="accent1"/>
+            </a:effectRef>
+            <a:fontRef idx="minor">
+              <a:schemeClr val="lt1"/>
+            </a:fontRef>
+          </p:style>
+          <p:txBody>
+            <a:bodyPr rtlCol="0" anchor="ctr"/>
+            <a:lstStyle/>
+            <a:p>
+              <a:pPr algn="ctr"/>
+              <a:endParaRPr lang="de-DE"/>
+            </a:p>
+          </p:txBody>
+        </p:sp>
+      </p:grpSp>
+      <p:sp>
+        <p:nvSpPr>
+          <p:cNvPr id="122" name="Textfeld 121">
+            <a:extLst>
+              <a:ext uri="{FF2B5EF4-FFF2-40B4-BE49-F238E27FC236}">
+                <a16:creationId xmlns:a16="http://schemas.microsoft.com/office/drawing/2014/main" id="{56802070-58C4-AF6E-3EF9-DB01BCDF7F0F}"/>
+              </a:ext>
+            </a:extLst>
+          </p:cNvPr>
+          <p:cNvSpPr txBox="1"/>
+          <p:nvPr/>
+        </p:nvSpPr>
+        <p:spPr>
+          <a:xfrm>
+            <a:off x="1040130" y="2559767"/>
+            <a:ext cx="1646413" cy="369332"/>
+          </a:xfrm>
+          <a:prstGeom prst="rect">
+            <a:avLst/>
+          </a:prstGeom>
+          <a:noFill/>
+        </p:spPr>
+        <p:txBody>
+          <a:bodyPr wrap="none" rtlCol="0">
+            <a:spAutoFit/>
+          </a:bodyPr>
+          <a:lstStyle/>
+          <a:p>
+            <a:r>
+              <a:rPr lang="de-DE" i="1" dirty="0">
+                <a:latin typeface="Times New Roman" panose="02020603050405020304" pitchFamily="18" charset="0"/>
+                <a:cs typeface="Times New Roman" panose="02020603050405020304" pitchFamily="18" charset="0"/>
+              </a:rPr>
+              <a:t>t = 2.0:    </a:t>
+            </a:r>
+            <a:r>
+              <a:rPr lang="de-DE" dirty="0">
+                <a:latin typeface="+mj-lt"/>
+                <a:cs typeface="Times New Roman" panose="02020603050405020304" pitchFamily="18" charset="0"/>
+              </a:rPr>
+              <a:t>loves</a:t>
+            </a:r>
+            <a:r>
+              <a:rPr lang="de-DE" i="1" dirty="0">
+                <a:latin typeface="Times New Roman" panose="02020603050405020304" pitchFamily="18" charset="0"/>
+                <a:cs typeface="Times New Roman" panose="02020603050405020304" pitchFamily="18" charset="0"/>
+              </a:rPr>
+              <a:t> </a:t>
+            </a:r>
+          </a:p>
+        </p:txBody>
+      </p:sp>
+      <p:grpSp>
+        <p:nvGrpSpPr>
+          <p:cNvPr id="123" name="Gruppieren 122">
+            <a:extLst>
+              <a:ext uri="{FF2B5EF4-FFF2-40B4-BE49-F238E27FC236}">
+                <a16:creationId xmlns:a16="http://schemas.microsoft.com/office/drawing/2014/main" id="{282EFEB3-84B0-66B3-5B32-E0C6A6CB203B}"/>
+              </a:ext>
+            </a:extLst>
+          </p:cNvPr>
+          <p:cNvGrpSpPr/>
+          <p:nvPr/>
+        </p:nvGrpSpPr>
+        <p:grpSpPr>
+          <a:xfrm>
+            <a:off x="5524674" y="2394596"/>
+            <a:ext cx="680225" cy="698318"/>
+            <a:chOff x="7297328" y="1226450"/>
+            <a:chExt cx="1223847" cy="1256399"/>
+          </a:xfrm>
+        </p:grpSpPr>
+        <p:grpSp>
+          <p:nvGrpSpPr>
+            <p:cNvPr id="124" name="Gruppieren 123">
+              <a:extLst>
+                <a:ext uri="{FF2B5EF4-FFF2-40B4-BE49-F238E27FC236}">
+                  <a16:creationId xmlns:a16="http://schemas.microsoft.com/office/drawing/2014/main" id="{6A8E4A1E-0978-5356-D7F6-D7657ADA9D3A}"/>
+                </a:ext>
+              </a:extLst>
+            </p:cNvPr>
+            <p:cNvGrpSpPr/>
+            <p:nvPr/>
+          </p:nvGrpSpPr>
+          <p:grpSpPr>
+            <a:xfrm>
+              <a:off x="7297328" y="1243128"/>
+              <a:ext cx="1223847" cy="1223847"/>
+              <a:chOff x="5206567" y="1243128"/>
+              <a:chExt cx="1223847" cy="1223847"/>
+            </a:xfrm>
+          </p:grpSpPr>
+          <p:sp>
+            <p:nvSpPr>
+              <p:cNvPr id="126" name="Ring 125">
+                <a:extLst>
+                  <a:ext uri="{FF2B5EF4-FFF2-40B4-BE49-F238E27FC236}">
+                    <a16:creationId xmlns:a16="http://schemas.microsoft.com/office/drawing/2014/main" id="{8B4AD9E6-63B0-82A2-FE37-7CB8CD2CF2BF}"/>
+                  </a:ext>
+                </a:extLst>
+              </p:cNvPr>
+              <p:cNvSpPr/>
+              <p:nvPr/>
+            </p:nvSpPr>
+            <p:spPr>
+              <a:xfrm>
+                <a:off x="5206567" y="1243128"/>
+                <a:ext cx="1223847" cy="1223847"/>
+              </a:xfrm>
+              <a:prstGeom prst="donut">
+                <a:avLst>
+                  <a:gd name="adj" fmla="val 14231"/>
+                </a:avLst>
+              </a:prstGeom>
+              <a:solidFill>
+                <a:schemeClr val="bg1">
+                  <a:lumMod val="75000"/>
+                </a:schemeClr>
+              </a:solidFill>
+              <a:ln>
+                <a:noFill/>
+              </a:ln>
+              <a:scene3d>
+                <a:camera prst="orthographicFront"/>
+                <a:lightRig rig="threePt" dir="t"/>
+              </a:scene3d>
+              <a:sp3d>
+                <a:bevelT/>
+              </a:sp3d>
+            </p:spPr>
+            <p:style>
+              <a:lnRef idx="2">
+                <a:schemeClr val="accent1">
+                  <a:shade val="15000"/>
+                </a:schemeClr>
+              </a:lnRef>
+              <a:fillRef idx="1">
+                <a:schemeClr val="accent1"/>
+              </a:fillRef>
+              <a:effectRef idx="0">
+                <a:schemeClr val="accent1"/>
+              </a:effectRef>
+              <a:fontRef idx="minor">
+                <a:schemeClr val="lt1"/>
+              </a:fontRef>
+            </p:style>
+            <p:txBody>
+              <a:bodyPr rtlCol="0" anchor="ctr"/>
+              <a:lstStyle/>
+              <a:p>
+                <a:pPr algn="ctr"/>
+                <a:endParaRPr lang="de-DE"/>
+              </a:p>
+            </p:txBody>
+          </p:sp>
+          <p:sp>
+            <p:nvSpPr>
+              <p:cNvPr id="129" name="Oval 128">
+                <a:extLst>
+                  <a:ext uri="{FF2B5EF4-FFF2-40B4-BE49-F238E27FC236}">
+                    <a16:creationId xmlns:a16="http://schemas.microsoft.com/office/drawing/2014/main" id="{5B3AF697-21AD-B713-5C94-C100DFF97BD0}"/>
+                  </a:ext>
+                </a:extLst>
+              </p:cNvPr>
+              <p:cNvSpPr/>
+              <p:nvPr/>
+            </p:nvSpPr>
+            <p:spPr>
+              <a:xfrm>
+                <a:off x="5377924" y="1414485"/>
+                <a:ext cx="881133" cy="881133"/>
+              </a:xfrm>
+              <a:prstGeom prst="ellipse">
+                <a:avLst/>
+              </a:prstGeom>
+              <a:solidFill>
+                <a:schemeClr val="bg1">
+                  <a:lumMod val="75000"/>
+                </a:schemeClr>
+              </a:solidFill>
+              <a:ln>
+                <a:noFill/>
+              </a:ln>
+              <a:scene3d>
+                <a:camera prst="orthographicFront"/>
+                <a:lightRig rig="threePt" dir="t"/>
+              </a:scene3d>
+              <a:sp3d>
+                <a:bevelT w="317500" h="260350"/>
+              </a:sp3d>
+            </p:spPr>
+            <p:style>
+              <a:lnRef idx="2">
+                <a:schemeClr val="accent1">
+                  <a:shade val="15000"/>
+                </a:schemeClr>
+              </a:lnRef>
+              <a:fillRef idx="1">
+                <a:schemeClr val="accent1"/>
+              </a:fillRef>
+              <a:effectRef idx="0">
+                <a:schemeClr val="accent1"/>
+              </a:effectRef>
+              <a:fontRef idx="minor">
+                <a:schemeClr val="lt1"/>
+              </a:fontRef>
+            </p:style>
+            <p:txBody>
+              <a:bodyPr rtlCol="0" anchor="ctr"/>
+              <a:lstStyle/>
+              <a:p>
+                <a:pPr algn="ctr"/>
+                <a:endParaRPr lang="de-DE"/>
+              </a:p>
+            </p:txBody>
+          </p:sp>
+        </p:grpSp>
+        <p:sp>
+          <p:nvSpPr>
+            <p:cNvPr id="125" name="Abgerundetes Rechteck 124">
+              <a:extLst>
+                <a:ext uri="{FF2B5EF4-FFF2-40B4-BE49-F238E27FC236}">
+                  <a16:creationId xmlns:a16="http://schemas.microsoft.com/office/drawing/2014/main" id="{F230D156-5509-9200-5255-D81E7CAC123E}"/>
+                </a:ext>
+              </a:extLst>
+            </p:cNvPr>
+            <p:cNvSpPr/>
+            <p:nvPr/>
+          </p:nvSpPr>
+          <p:spPr>
+            <a:xfrm>
+              <a:off x="7770061" y="1226450"/>
+              <a:ext cx="281889" cy="1256399"/>
+            </a:xfrm>
+            <a:prstGeom prst="roundRect">
+              <a:avLst>
+                <a:gd name="adj" fmla="val 33106"/>
+              </a:avLst>
+            </a:prstGeom>
+            <a:solidFill>
+              <a:schemeClr val="bg1">
+                <a:lumMod val="75000"/>
+              </a:schemeClr>
+            </a:solidFill>
+            <a:ln>
+              <a:noFill/>
+            </a:ln>
+            <a:scene3d>
+              <a:camera prst="orthographicFront"/>
+              <a:lightRig rig="threePt" dir="t"/>
+            </a:scene3d>
+            <a:sp3d>
+              <a:bevelT w="50800" h="50800"/>
+            </a:sp3d>
+          </p:spPr>
+          <p:style>
+            <a:lnRef idx="2">
+              <a:schemeClr val="accent1">
+                <a:shade val="15000"/>
+              </a:schemeClr>
+            </a:lnRef>
+            <a:fillRef idx="1">
+              <a:schemeClr val="accent1"/>
+            </a:fillRef>
+            <a:effectRef idx="0">
+              <a:schemeClr val="accent1"/>
+            </a:effectRef>
+            <a:fontRef idx="minor">
+              <a:schemeClr val="lt1"/>
+            </a:fontRef>
+          </p:style>
+          <p:txBody>
+            <a:bodyPr rtlCol="0" anchor="ctr"/>
+            <a:lstStyle/>
+            <a:p>
+              <a:pPr algn="ctr"/>
+              <a:endParaRPr lang="de-DE"/>
+            </a:p>
+          </p:txBody>
+        </p:sp>
+      </p:grpSp>
+      <p:grpSp>
+        <p:nvGrpSpPr>
+          <p:cNvPr id="130" name="Gruppieren 129">
+            <a:extLst>
+              <a:ext uri="{FF2B5EF4-FFF2-40B4-BE49-F238E27FC236}">
+                <a16:creationId xmlns:a16="http://schemas.microsoft.com/office/drawing/2014/main" id="{76D663D0-BA83-7965-8C2C-4E80CEA8AFE7}"/>
+              </a:ext>
+            </a:extLst>
+          </p:cNvPr>
+          <p:cNvGrpSpPr/>
+          <p:nvPr/>
+        </p:nvGrpSpPr>
+        <p:grpSpPr>
+          <a:xfrm>
+            <a:off x="3045505" y="2394596"/>
+            <a:ext cx="680225" cy="698318"/>
+            <a:chOff x="7297328" y="1226450"/>
+            <a:chExt cx="1223847" cy="1256399"/>
+          </a:xfrm>
+        </p:grpSpPr>
+        <p:grpSp>
+          <p:nvGrpSpPr>
+            <p:cNvPr id="131" name="Gruppieren 130">
+              <a:extLst>
+                <a:ext uri="{FF2B5EF4-FFF2-40B4-BE49-F238E27FC236}">
+                  <a16:creationId xmlns:a16="http://schemas.microsoft.com/office/drawing/2014/main" id="{41172044-C933-9412-EA28-12D3424E10E2}"/>
+                </a:ext>
+              </a:extLst>
+            </p:cNvPr>
+            <p:cNvGrpSpPr/>
+            <p:nvPr/>
+          </p:nvGrpSpPr>
+          <p:grpSpPr>
+            <a:xfrm>
+              <a:off x="7297328" y="1243128"/>
+              <a:ext cx="1223847" cy="1223847"/>
+              <a:chOff x="5206567" y="1243128"/>
+              <a:chExt cx="1223847" cy="1223847"/>
+            </a:xfrm>
+          </p:grpSpPr>
+          <p:sp>
+            <p:nvSpPr>
+              <p:cNvPr id="133" name="Ring 132">
+                <a:extLst>
+                  <a:ext uri="{FF2B5EF4-FFF2-40B4-BE49-F238E27FC236}">
+                    <a16:creationId xmlns:a16="http://schemas.microsoft.com/office/drawing/2014/main" id="{46E3C8C2-152F-31F0-C57F-563523D163EA}"/>
+                  </a:ext>
+                </a:extLst>
+              </p:cNvPr>
+              <p:cNvSpPr/>
+              <p:nvPr/>
+            </p:nvSpPr>
+            <p:spPr>
+              <a:xfrm>
+                <a:off x="5206567" y="1243128"/>
+                <a:ext cx="1223847" cy="1223847"/>
+              </a:xfrm>
+              <a:prstGeom prst="donut">
+                <a:avLst>
+                  <a:gd name="adj" fmla="val 14231"/>
+                </a:avLst>
+              </a:prstGeom>
+              <a:solidFill>
+                <a:schemeClr val="bg1">
+                  <a:lumMod val="75000"/>
+                </a:schemeClr>
+              </a:solidFill>
+              <a:ln>
+                <a:noFill/>
+              </a:ln>
+              <a:scene3d>
+                <a:camera prst="orthographicFront"/>
+                <a:lightRig rig="threePt" dir="t"/>
+              </a:scene3d>
+              <a:sp3d>
+                <a:bevelT/>
+              </a:sp3d>
+            </p:spPr>
+            <p:style>
+              <a:lnRef idx="2">
+                <a:schemeClr val="accent1">
+                  <a:shade val="15000"/>
+                </a:schemeClr>
+              </a:lnRef>
+              <a:fillRef idx="1">
+                <a:schemeClr val="accent1"/>
+              </a:fillRef>
+              <a:effectRef idx="0">
+                <a:schemeClr val="accent1"/>
+              </a:effectRef>
+              <a:fontRef idx="minor">
+                <a:schemeClr val="lt1"/>
+              </a:fontRef>
+            </p:style>
+            <p:txBody>
+              <a:bodyPr rtlCol="0" anchor="ctr"/>
+              <a:lstStyle/>
+              <a:p>
+                <a:pPr algn="ctr"/>
+                <a:endParaRPr lang="de-DE"/>
+              </a:p>
+            </p:txBody>
+          </p:sp>
+          <p:sp>
+            <p:nvSpPr>
+              <p:cNvPr id="134" name="Oval 133">
+                <a:extLst>
+                  <a:ext uri="{FF2B5EF4-FFF2-40B4-BE49-F238E27FC236}">
+                    <a16:creationId xmlns:a16="http://schemas.microsoft.com/office/drawing/2014/main" id="{5B99264D-684E-02F2-C31C-B3A53ABA96CE}"/>
+                  </a:ext>
+                </a:extLst>
+              </p:cNvPr>
+              <p:cNvSpPr/>
+              <p:nvPr/>
+            </p:nvSpPr>
+            <p:spPr>
+              <a:xfrm>
+                <a:off x="5377924" y="1414485"/>
+                <a:ext cx="881133" cy="881133"/>
+              </a:xfrm>
+              <a:prstGeom prst="ellipse">
+                <a:avLst/>
+              </a:prstGeom>
+              <a:solidFill>
+                <a:schemeClr val="bg1">
+                  <a:lumMod val="75000"/>
+                </a:schemeClr>
+              </a:solidFill>
+              <a:ln>
+                <a:noFill/>
+              </a:ln>
+              <a:scene3d>
+                <a:camera prst="orthographicFront"/>
+                <a:lightRig rig="threePt" dir="t"/>
+              </a:scene3d>
+              <a:sp3d>
+                <a:bevelT w="317500" h="260350"/>
+              </a:sp3d>
+            </p:spPr>
+            <p:style>
+              <a:lnRef idx="2">
+                <a:schemeClr val="accent1">
+                  <a:shade val="15000"/>
+                </a:schemeClr>
+              </a:lnRef>
+              <a:fillRef idx="1">
+                <a:schemeClr val="accent1"/>
+              </a:fillRef>
+              <a:effectRef idx="0">
+                <a:schemeClr val="accent1"/>
+              </a:effectRef>
+              <a:fontRef idx="minor">
+                <a:schemeClr val="lt1"/>
+              </a:fontRef>
+            </p:style>
+            <p:txBody>
+              <a:bodyPr rtlCol="0" anchor="ctr"/>
+              <a:lstStyle/>
+              <a:p>
+                <a:pPr algn="ctr"/>
+                <a:endParaRPr lang="de-DE"/>
+              </a:p>
+            </p:txBody>
+          </p:sp>
+        </p:grpSp>
+        <p:sp>
+          <p:nvSpPr>
+            <p:cNvPr id="132" name="Abgerundetes Rechteck 131">
+              <a:extLst>
+                <a:ext uri="{FF2B5EF4-FFF2-40B4-BE49-F238E27FC236}">
+                  <a16:creationId xmlns:a16="http://schemas.microsoft.com/office/drawing/2014/main" id="{ADD5B853-4979-2F96-818C-C7F515175E50}"/>
+                </a:ext>
+              </a:extLst>
+            </p:cNvPr>
+            <p:cNvSpPr/>
+            <p:nvPr/>
+          </p:nvSpPr>
+          <p:spPr>
+            <a:xfrm>
+              <a:off x="7770061" y="1226450"/>
+              <a:ext cx="281889" cy="1256399"/>
+            </a:xfrm>
+            <a:prstGeom prst="roundRect">
+              <a:avLst>
+                <a:gd name="adj" fmla="val 33106"/>
+              </a:avLst>
+            </a:prstGeom>
+            <a:solidFill>
+              <a:schemeClr val="bg1">
+                <a:lumMod val="75000"/>
+              </a:schemeClr>
+            </a:solidFill>
+            <a:ln>
+              <a:noFill/>
+            </a:ln>
+            <a:scene3d>
+              <a:camera prst="orthographicFront"/>
+              <a:lightRig rig="threePt" dir="t"/>
+            </a:scene3d>
+            <a:sp3d>
+              <a:bevelT w="50800" h="50800"/>
+            </a:sp3d>
+          </p:spPr>
+          <p:style>
+            <a:lnRef idx="2">
+              <a:schemeClr val="accent1">
+                <a:shade val="15000"/>
+              </a:schemeClr>
+            </a:lnRef>
+            <a:fillRef idx="1">
+              <a:schemeClr val="accent1"/>
+            </a:fillRef>
+            <a:effectRef idx="0">
+              <a:schemeClr val="accent1"/>
+            </a:effectRef>
+            <a:fontRef idx="minor">
+              <a:schemeClr val="lt1"/>
+            </a:fontRef>
+          </p:style>
+          <p:txBody>
+            <a:bodyPr rtlCol="0" anchor="ctr"/>
+            <a:lstStyle/>
+            <a:p>
+              <a:pPr algn="ctr"/>
+              <a:endParaRPr lang="de-DE"/>
+            </a:p>
+          </p:txBody>
+        </p:sp>
+      </p:grpSp>
+      <p:grpSp>
+        <p:nvGrpSpPr>
+          <p:cNvPr id="135" name="Gruppieren 134">
+            <a:extLst>
+              <a:ext uri="{FF2B5EF4-FFF2-40B4-BE49-F238E27FC236}">
+                <a16:creationId xmlns:a16="http://schemas.microsoft.com/office/drawing/2014/main" id="{7C82AD0F-2D7A-FD98-C934-0FA6022CF97F}"/>
+              </a:ext>
+            </a:extLst>
+          </p:cNvPr>
+          <p:cNvGrpSpPr/>
+          <p:nvPr/>
+        </p:nvGrpSpPr>
+        <p:grpSpPr>
+          <a:xfrm>
+            <a:off x="4264668" y="2386467"/>
+            <a:ext cx="710643" cy="710324"/>
+            <a:chOff x="10798299" y="3795876"/>
+            <a:chExt cx="710643" cy="710324"/>
+          </a:xfrm>
+        </p:grpSpPr>
+        <p:grpSp>
+          <p:nvGrpSpPr>
+            <p:cNvPr id="136" name="Gruppieren 135">
+              <a:extLst>
+                <a:ext uri="{FF2B5EF4-FFF2-40B4-BE49-F238E27FC236}">
+                  <a16:creationId xmlns:a16="http://schemas.microsoft.com/office/drawing/2014/main" id="{2B2FB783-E785-02B9-C525-F7F8CDDA70B8}"/>
+                </a:ext>
+              </a:extLst>
+            </p:cNvPr>
+            <p:cNvGrpSpPr/>
+            <p:nvPr/>
+          </p:nvGrpSpPr>
+          <p:grpSpPr>
+            <a:xfrm>
+              <a:off x="10809332" y="3803169"/>
+              <a:ext cx="699610" cy="698318"/>
+              <a:chOff x="8936345" y="1226850"/>
+              <a:chExt cx="1258726" cy="1256400"/>
+            </a:xfrm>
+          </p:grpSpPr>
+          <p:grpSp>
+            <p:nvGrpSpPr>
+              <p:cNvPr id="139" name="Gruppieren 138">
+                <a:extLst>
+                  <a:ext uri="{FF2B5EF4-FFF2-40B4-BE49-F238E27FC236}">
+                    <a16:creationId xmlns:a16="http://schemas.microsoft.com/office/drawing/2014/main" id="{DBB0BC9D-CA35-83AE-EC3E-812C8A7775C9}"/>
+                  </a:ext>
+                </a:extLst>
+              </p:cNvPr>
+              <p:cNvGrpSpPr/>
+              <p:nvPr/>
+            </p:nvGrpSpPr>
+            <p:grpSpPr>
+              <a:xfrm>
+                <a:off x="8936345" y="1243128"/>
+                <a:ext cx="1223847" cy="1223847"/>
+                <a:chOff x="5206567" y="1243128"/>
+                <a:chExt cx="1223847" cy="1223847"/>
+              </a:xfrm>
+            </p:grpSpPr>
+            <p:sp>
+              <p:nvSpPr>
+                <p:cNvPr id="141" name="Ring 140">
+                  <a:extLst>
+                    <a:ext uri="{FF2B5EF4-FFF2-40B4-BE49-F238E27FC236}">
+                      <a16:creationId xmlns:a16="http://schemas.microsoft.com/office/drawing/2014/main" id="{11DEB016-3F10-41A7-3071-BA2B3ACA9183}"/>
+                    </a:ext>
+                  </a:extLst>
+                </p:cNvPr>
+                <p:cNvSpPr/>
+                <p:nvPr/>
+              </p:nvSpPr>
+              <p:spPr>
+                <a:xfrm>
+                  <a:off x="5206567" y="1243128"/>
+                  <a:ext cx="1223847" cy="1223847"/>
+                </a:xfrm>
+                <a:prstGeom prst="donut">
+                  <a:avLst>
+                    <a:gd name="adj" fmla="val 14231"/>
+                  </a:avLst>
+                </a:prstGeom>
+                <a:solidFill>
+                  <a:schemeClr val="bg1">
+                    <a:lumMod val="75000"/>
+                  </a:schemeClr>
+                </a:solidFill>
+                <a:ln>
+                  <a:noFill/>
+                </a:ln>
+                <a:scene3d>
+                  <a:camera prst="orthographicFront"/>
+                  <a:lightRig rig="threePt" dir="t"/>
+                </a:scene3d>
+                <a:sp3d>
+                  <a:bevelT/>
+                </a:sp3d>
+              </p:spPr>
+              <p:style>
+                <a:lnRef idx="2">
+                  <a:schemeClr val="accent1">
+                    <a:shade val="15000"/>
+                  </a:schemeClr>
+                </a:lnRef>
+                <a:fillRef idx="1">
+                  <a:schemeClr val="accent1"/>
+                </a:fillRef>
+                <a:effectRef idx="0">
+                  <a:schemeClr val="accent1"/>
+                </a:effectRef>
+                <a:fontRef idx="minor">
+                  <a:schemeClr val="lt1"/>
+                </a:fontRef>
+              </p:style>
+              <p:txBody>
+                <a:bodyPr rtlCol="0" anchor="ctr"/>
+                <a:lstStyle/>
+                <a:p>
+                  <a:pPr algn="ctr"/>
+                  <a:endParaRPr lang="de-DE"/>
+                </a:p>
+              </p:txBody>
+            </p:sp>
+            <p:sp>
+              <p:nvSpPr>
+                <p:cNvPr id="142" name="Oval 141">
+                  <a:extLst>
+                    <a:ext uri="{FF2B5EF4-FFF2-40B4-BE49-F238E27FC236}">
+                      <a16:creationId xmlns:a16="http://schemas.microsoft.com/office/drawing/2014/main" id="{86A43272-F9A1-A6B4-BD81-7BF467485076}"/>
+                    </a:ext>
+                  </a:extLst>
+                </p:cNvPr>
+                <p:cNvSpPr/>
+                <p:nvPr/>
+              </p:nvSpPr>
+              <p:spPr>
+                <a:xfrm>
+                  <a:off x="5377924" y="1414485"/>
+                  <a:ext cx="881133" cy="881133"/>
+                </a:xfrm>
+                <a:prstGeom prst="ellipse">
+                  <a:avLst/>
+                </a:prstGeom>
+                <a:solidFill>
+                  <a:schemeClr val="bg1">
+                    <a:lumMod val="75000"/>
+                  </a:schemeClr>
+                </a:solidFill>
+                <a:ln>
+                  <a:noFill/>
+                </a:ln>
+                <a:scene3d>
+                  <a:camera prst="orthographicFront"/>
+                  <a:lightRig rig="threePt" dir="t"/>
+                </a:scene3d>
+                <a:sp3d>
+                  <a:bevelT w="317500" h="260350"/>
+                </a:sp3d>
+              </p:spPr>
+              <p:style>
+                <a:lnRef idx="2">
+                  <a:schemeClr val="accent1">
+                    <a:shade val="15000"/>
+                  </a:schemeClr>
+                </a:lnRef>
+                <a:fillRef idx="1">
+                  <a:schemeClr val="accent1"/>
+                </a:fillRef>
+                <a:effectRef idx="0">
+                  <a:schemeClr val="accent1"/>
+                </a:effectRef>
+                <a:fontRef idx="minor">
+                  <a:schemeClr val="lt1"/>
+                </a:fontRef>
+              </p:style>
+              <p:txBody>
+                <a:bodyPr rtlCol="0" anchor="ctr"/>
+                <a:lstStyle/>
+                <a:p>
+                  <a:pPr algn="ctr"/>
+                  <a:endParaRPr lang="de-DE"/>
+                </a:p>
+              </p:txBody>
+            </p:sp>
+          </p:grpSp>
+          <p:pic>
+            <p:nvPicPr>
+              <p:cNvPr id="140" name="Grafik 139">
+                <a:extLst>
+                  <a:ext uri="{FF2B5EF4-FFF2-40B4-BE49-F238E27FC236}">
+                    <a16:creationId xmlns:a16="http://schemas.microsoft.com/office/drawing/2014/main" id="{FFDBD6B9-997E-D359-6A2C-AA221AFF8CC8}"/>
+                  </a:ext>
+                </a:extLst>
+              </p:cNvPr>
+              <p:cNvPicPr>
+                <a:picLocks noChangeAspect="1"/>
+              </p:cNvPicPr>
+              <p:nvPr/>
+            </p:nvPicPr>
+            <p:blipFill>
+              <a:blip r:embed="rId4"/>
+              <a:stretch>
+                <a:fillRect/>
+              </a:stretch>
+            </p:blipFill>
+            <p:spPr>
+              <a:xfrm>
+                <a:off x="9550021" y="1226850"/>
+                <a:ext cx="645049" cy="1256400"/>
+              </a:xfrm>
+              <a:prstGeom prst="rect">
+                <a:avLst/>
+              </a:prstGeom>
+            </p:spPr>
+          </p:pic>
+        </p:grpSp>
+        <p:pic>
+          <p:nvPicPr>
+            <p:cNvPr id="137" name="Grafik 136">
+              <a:extLst>
+                <a:ext uri="{FF2B5EF4-FFF2-40B4-BE49-F238E27FC236}">
+                  <a16:creationId xmlns:a16="http://schemas.microsoft.com/office/drawing/2014/main" id="{F6CC965F-2D54-1177-4B70-744EA030033D}"/>
+                </a:ext>
+              </a:extLst>
+            </p:cNvPr>
+            <p:cNvPicPr>
+              <a:picLocks noChangeAspect="1"/>
+            </p:cNvPicPr>
+            <p:nvPr/>
+          </p:nvPicPr>
+          <p:blipFill>
+            <a:blip r:embed="rId6"/>
+            <a:stretch>
+              <a:fillRect/>
+            </a:stretch>
+          </p:blipFill>
+          <p:spPr>
+            <a:xfrm>
+              <a:off x="10798299" y="3795876"/>
+              <a:ext cx="360095" cy="710324"/>
+            </a:xfrm>
+            <a:prstGeom prst="rect">
+              <a:avLst/>
+            </a:prstGeom>
+          </p:spPr>
+        </p:pic>
+        <p:sp>
+          <p:nvSpPr>
+            <p:cNvPr id="138" name="Abgerundetes Rechteck 137">
+              <a:extLst>
+                <a:ext uri="{FF2B5EF4-FFF2-40B4-BE49-F238E27FC236}">
+                  <a16:creationId xmlns:a16="http://schemas.microsoft.com/office/drawing/2014/main" id="{CCE1C013-9CE3-0AAC-692A-099641EE7719}"/>
+                </a:ext>
+              </a:extLst>
+            </p:cNvPr>
+            <p:cNvSpPr/>
+            <p:nvPr/>
+          </p:nvSpPr>
+          <p:spPr>
+            <a:xfrm>
+              <a:off x="11081953" y="3802947"/>
+              <a:ext cx="156676" cy="698318"/>
+            </a:xfrm>
+            <a:prstGeom prst="roundRect">
+              <a:avLst>
+                <a:gd name="adj" fmla="val 33106"/>
+              </a:avLst>
+            </a:prstGeom>
+            <a:solidFill>
+              <a:schemeClr val="bg1">
+                <a:lumMod val="75000"/>
+              </a:schemeClr>
+            </a:solidFill>
+            <a:ln>
+              <a:noFill/>
+            </a:ln>
+            <a:scene3d>
+              <a:camera prst="orthographicFront"/>
+              <a:lightRig rig="threePt" dir="t"/>
+            </a:scene3d>
+            <a:sp3d>
+              <a:bevelT w="50800" h="50800"/>
+            </a:sp3d>
+          </p:spPr>
+          <p:style>
+            <a:lnRef idx="2">
+              <a:schemeClr val="accent1">
+                <a:shade val="15000"/>
+              </a:schemeClr>
+            </a:lnRef>
+            <a:fillRef idx="1">
+              <a:schemeClr val="accent1"/>
+            </a:fillRef>
+            <a:effectRef idx="0">
+              <a:schemeClr val="accent1"/>
+            </a:effectRef>
+            <a:fontRef idx="minor">
+              <a:schemeClr val="lt1"/>
+            </a:fontRef>
+          </p:style>
+          <p:txBody>
+            <a:bodyPr rtlCol="0" anchor="ctr"/>
+            <a:lstStyle/>
+            <a:p>
+              <a:pPr algn="ctr"/>
+              <a:endParaRPr lang="de-DE"/>
+            </a:p>
+          </p:txBody>
+        </p:sp>
+      </p:grpSp>
+      <p:sp>
+        <p:nvSpPr>
+          <p:cNvPr id="143" name="Textfeld 142">
+            <a:extLst>
+              <a:ext uri="{FF2B5EF4-FFF2-40B4-BE49-F238E27FC236}">
+                <a16:creationId xmlns:a16="http://schemas.microsoft.com/office/drawing/2014/main" id="{5FE39CA8-03DD-5598-6349-1EBF3D3A6388}"/>
+              </a:ext>
+            </a:extLst>
+          </p:cNvPr>
+          <p:cNvSpPr txBox="1"/>
+          <p:nvPr/>
+        </p:nvSpPr>
+        <p:spPr>
+          <a:xfrm>
+            <a:off x="1040130" y="3300694"/>
+            <a:ext cx="1646413" cy="369332"/>
+          </a:xfrm>
+          <a:prstGeom prst="rect">
+            <a:avLst/>
+          </a:prstGeom>
+          <a:noFill/>
+        </p:spPr>
+        <p:txBody>
+          <a:bodyPr wrap="none" rtlCol="0">
+            <a:spAutoFit/>
+          </a:bodyPr>
+          <a:lstStyle/>
+          <a:p>
+            <a:r>
+              <a:rPr lang="de-DE" i="1" dirty="0">
+                <a:latin typeface="Times New Roman" panose="02020603050405020304" pitchFamily="18" charset="0"/>
+                <a:cs typeface="Times New Roman" panose="02020603050405020304" pitchFamily="18" charset="0"/>
+              </a:rPr>
+              <a:t>t = 2.1:    </a:t>
+            </a:r>
+            <a:r>
+              <a:rPr lang="de-DE" dirty="0">
+                <a:latin typeface="+mj-lt"/>
+                <a:cs typeface="Times New Roman" panose="02020603050405020304" pitchFamily="18" charset="0"/>
+              </a:rPr>
+              <a:t>loves</a:t>
+            </a:r>
+            <a:r>
+              <a:rPr lang="de-DE" i="1" dirty="0">
+                <a:latin typeface="Times New Roman" panose="02020603050405020304" pitchFamily="18" charset="0"/>
+                <a:cs typeface="Times New Roman" panose="02020603050405020304" pitchFamily="18" charset="0"/>
+              </a:rPr>
+              <a:t> </a:t>
+            </a:r>
+          </a:p>
+        </p:txBody>
+      </p:sp>
+      <p:grpSp>
+        <p:nvGrpSpPr>
+          <p:cNvPr id="144" name="Gruppieren 143">
+            <a:extLst>
+              <a:ext uri="{FF2B5EF4-FFF2-40B4-BE49-F238E27FC236}">
+                <a16:creationId xmlns:a16="http://schemas.microsoft.com/office/drawing/2014/main" id="{7D3CBA23-C8D5-5B8D-0B17-81B128EA6B62}"/>
+              </a:ext>
+            </a:extLst>
+          </p:cNvPr>
+          <p:cNvGrpSpPr/>
+          <p:nvPr/>
+        </p:nvGrpSpPr>
+        <p:grpSpPr>
+          <a:xfrm>
+            <a:off x="5524674" y="3135523"/>
+            <a:ext cx="680225" cy="698318"/>
+            <a:chOff x="7297328" y="1226450"/>
+            <a:chExt cx="1223847" cy="1256399"/>
+          </a:xfrm>
+        </p:grpSpPr>
+        <p:grpSp>
+          <p:nvGrpSpPr>
+            <p:cNvPr id="145" name="Gruppieren 144">
+              <a:extLst>
+                <a:ext uri="{FF2B5EF4-FFF2-40B4-BE49-F238E27FC236}">
+                  <a16:creationId xmlns:a16="http://schemas.microsoft.com/office/drawing/2014/main" id="{1DA6A7BD-A874-2A6E-4779-910092BEB12C}"/>
+                </a:ext>
+              </a:extLst>
+            </p:cNvPr>
+            <p:cNvGrpSpPr/>
+            <p:nvPr/>
+          </p:nvGrpSpPr>
+          <p:grpSpPr>
+            <a:xfrm>
+              <a:off x="7297328" y="1243128"/>
+              <a:ext cx="1223847" cy="1223847"/>
+              <a:chOff x="5206567" y="1243128"/>
+              <a:chExt cx="1223847" cy="1223847"/>
+            </a:xfrm>
+          </p:grpSpPr>
+          <p:sp>
+            <p:nvSpPr>
+              <p:cNvPr id="147" name="Ring 146">
+                <a:extLst>
+                  <a:ext uri="{FF2B5EF4-FFF2-40B4-BE49-F238E27FC236}">
+                    <a16:creationId xmlns:a16="http://schemas.microsoft.com/office/drawing/2014/main" id="{EFB25138-647A-48DF-9967-88B1AF8D03D4}"/>
+                  </a:ext>
+                </a:extLst>
+              </p:cNvPr>
+              <p:cNvSpPr/>
+              <p:nvPr/>
+            </p:nvSpPr>
+            <p:spPr>
+              <a:xfrm>
+                <a:off x="5206567" y="1243128"/>
+                <a:ext cx="1223847" cy="1223847"/>
+              </a:xfrm>
+              <a:prstGeom prst="donut">
+                <a:avLst>
+                  <a:gd name="adj" fmla="val 14231"/>
+                </a:avLst>
+              </a:prstGeom>
+              <a:solidFill>
+                <a:schemeClr val="bg1">
+                  <a:lumMod val="75000"/>
+                </a:schemeClr>
+              </a:solidFill>
+              <a:ln>
+                <a:noFill/>
+              </a:ln>
+              <a:scene3d>
+                <a:camera prst="orthographicFront"/>
+                <a:lightRig rig="threePt" dir="t"/>
+              </a:scene3d>
+              <a:sp3d>
+                <a:bevelT/>
+              </a:sp3d>
+            </p:spPr>
+            <p:style>
+              <a:lnRef idx="2">
+                <a:schemeClr val="accent1">
+                  <a:shade val="15000"/>
+                </a:schemeClr>
+              </a:lnRef>
+              <a:fillRef idx="1">
+                <a:schemeClr val="accent1"/>
+              </a:fillRef>
+              <a:effectRef idx="0">
+                <a:schemeClr val="accent1"/>
+              </a:effectRef>
+              <a:fontRef idx="minor">
+                <a:schemeClr val="lt1"/>
+              </a:fontRef>
+            </p:style>
+            <p:txBody>
+              <a:bodyPr rtlCol="0" anchor="ctr"/>
+              <a:lstStyle/>
+              <a:p>
+                <a:pPr algn="ctr"/>
+                <a:endParaRPr lang="de-DE"/>
+              </a:p>
+            </p:txBody>
+          </p:sp>
+          <p:sp>
+            <p:nvSpPr>
+              <p:cNvPr id="151" name="Oval 150">
+                <a:extLst>
+                  <a:ext uri="{FF2B5EF4-FFF2-40B4-BE49-F238E27FC236}">
+                    <a16:creationId xmlns:a16="http://schemas.microsoft.com/office/drawing/2014/main" id="{9984BB62-0775-9DB6-76FD-36611F60194F}"/>
+                  </a:ext>
+                </a:extLst>
+              </p:cNvPr>
+              <p:cNvSpPr/>
+              <p:nvPr/>
+            </p:nvSpPr>
+            <p:spPr>
+              <a:xfrm>
+                <a:off x="5377924" y="1414485"/>
+                <a:ext cx="881133" cy="881133"/>
+              </a:xfrm>
+              <a:prstGeom prst="ellipse">
+                <a:avLst/>
+              </a:prstGeom>
+              <a:solidFill>
+                <a:schemeClr val="bg1">
+                  <a:lumMod val="75000"/>
+                </a:schemeClr>
+              </a:solidFill>
+              <a:ln>
+                <a:noFill/>
+              </a:ln>
+              <a:scene3d>
+                <a:camera prst="orthographicFront"/>
+                <a:lightRig rig="threePt" dir="t"/>
+              </a:scene3d>
+              <a:sp3d>
+                <a:bevelT w="317500" h="260350"/>
+              </a:sp3d>
+            </p:spPr>
+            <p:style>
+              <a:lnRef idx="2">
+                <a:schemeClr val="accent1">
+                  <a:shade val="15000"/>
+                </a:schemeClr>
+              </a:lnRef>
+              <a:fillRef idx="1">
+                <a:schemeClr val="accent1"/>
+              </a:fillRef>
+              <a:effectRef idx="0">
+                <a:schemeClr val="accent1"/>
+              </a:effectRef>
+              <a:fontRef idx="minor">
+                <a:schemeClr val="lt1"/>
+              </a:fontRef>
+            </p:style>
+            <p:txBody>
+              <a:bodyPr rtlCol="0" anchor="ctr"/>
+              <a:lstStyle/>
+              <a:p>
+                <a:pPr algn="ctr"/>
+                <a:endParaRPr lang="de-DE"/>
+              </a:p>
+            </p:txBody>
+          </p:sp>
+        </p:grpSp>
+        <p:sp>
+          <p:nvSpPr>
+            <p:cNvPr id="146" name="Abgerundetes Rechteck 145">
+              <a:extLst>
+                <a:ext uri="{FF2B5EF4-FFF2-40B4-BE49-F238E27FC236}">
+                  <a16:creationId xmlns:a16="http://schemas.microsoft.com/office/drawing/2014/main" id="{34337B6E-8C0F-9AD7-A9AB-DE97AAFA89EE}"/>
+                </a:ext>
+              </a:extLst>
+            </p:cNvPr>
+            <p:cNvSpPr/>
+            <p:nvPr/>
+          </p:nvSpPr>
+          <p:spPr>
+            <a:xfrm>
+              <a:off x="7770061" y="1226450"/>
+              <a:ext cx="281889" cy="1256399"/>
+            </a:xfrm>
+            <a:prstGeom prst="roundRect">
+              <a:avLst>
+                <a:gd name="adj" fmla="val 33106"/>
+              </a:avLst>
+            </a:prstGeom>
+            <a:solidFill>
+              <a:schemeClr val="bg1">
+                <a:lumMod val="75000"/>
+              </a:schemeClr>
+            </a:solidFill>
+            <a:ln>
+              <a:noFill/>
+            </a:ln>
+            <a:scene3d>
+              <a:camera prst="orthographicFront"/>
+              <a:lightRig rig="threePt" dir="t"/>
+            </a:scene3d>
+            <a:sp3d>
+              <a:bevelT w="50800" h="50800"/>
+            </a:sp3d>
+          </p:spPr>
+          <p:style>
+            <a:lnRef idx="2">
+              <a:schemeClr val="accent1">
+                <a:shade val="15000"/>
+              </a:schemeClr>
+            </a:lnRef>
+            <a:fillRef idx="1">
+              <a:schemeClr val="accent1"/>
+            </a:fillRef>
+            <a:effectRef idx="0">
+              <a:schemeClr val="accent1"/>
+            </a:effectRef>
+            <a:fontRef idx="minor">
+              <a:schemeClr val="lt1"/>
+            </a:fontRef>
+          </p:style>
+          <p:txBody>
+            <a:bodyPr rtlCol="0" anchor="ctr"/>
+            <a:lstStyle/>
+            <a:p>
+              <a:pPr algn="ctr"/>
+              <a:endParaRPr lang="de-DE"/>
+            </a:p>
+          </p:txBody>
+        </p:sp>
+      </p:grpSp>
+      <p:grpSp>
+        <p:nvGrpSpPr>
+          <p:cNvPr id="152" name="Gruppieren 151">
+            <a:extLst>
+              <a:ext uri="{FF2B5EF4-FFF2-40B4-BE49-F238E27FC236}">
+                <a16:creationId xmlns:a16="http://schemas.microsoft.com/office/drawing/2014/main" id="{3ECE979C-DF45-DC30-E40C-C958B732C68B}"/>
+              </a:ext>
+            </a:extLst>
+          </p:cNvPr>
+          <p:cNvGrpSpPr/>
+          <p:nvPr/>
+        </p:nvGrpSpPr>
+        <p:grpSpPr>
+          <a:xfrm>
+            <a:off x="3045505" y="3135523"/>
+            <a:ext cx="680225" cy="698318"/>
+            <a:chOff x="7297328" y="1226450"/>
+            <a:chExt cx="1223847" cy="1256399"/>
+          </a:xfrm>
+        </p:grpSpPr>
+        <p:grpSp>
+          <p:nvGrpSpPr>
+            <p:cNvPr id="153" name="Gruppieren 152">
+              <a:extLst>
+                <a:ext uri="{FF2B5EF4-FFF2-40B4-BE49-F238E27FC236}">
+                  <a16:creationId xmlns:a16="http://schemas.microsoft.com/office/drawing/2014/main" id="{6B2215AB-E2C5-B39C-A657-B4278685E3A9}"/>
+                </a:ext>
+              </a:extLst>
+            </p:cNvPr>
+            <p:cNvGrpSpPr/>
+            <p:nvPr/>
+          </p:nvGrpSpPr>
+          <p:grpSpPr>
+            <a:xfrm>
+              <a:off x="7297328" y="1243128"/>
+              <a:ext cx="1223847" cy="1223847"/>
+              <a:chOff x="5206567" y="1243128"/>
+              <a:chExt cx="1223847" cy="1223847"/>
+            </a:xfrm>
+          </p:grpSpPr>
+          <p:sp>
+            <p:nvSpPr>
+              <p:cNvPr id="155" name="Ring 154">
+                <a:extLst>
+                  <a:ext uri="{FF2B5EF4-FFF2-40B4-BE49-F238E27FC236}">
+                    <a16:creationId xmlns:a16="http://schemas.microsoft.com/office/drawing/2014/main" id="{365DFD82-2AC6-B2A5-C390-2C97211E7052}"/>
+                  </a:ext>
+                </a:extLst>
+              </p:cNvPr>
+              <p:cNvSpPr/>
+              <p:nvPr/>
+            </p:nvSpPr>
+            <p:spPr>
+              <a:xfrm>
+                <a:off x="5206567" y="1243128"/>
+                <a:ext cx="1223847" cy="1223847"/>
+              </a:xfrm>
+              <a:prstGeom prst="donut">
+                <a:avLst>
+                  <a:gd name="adj" fmla="val 14231"/>
+                </a:avLst>
+              </a:prstGeom>
+              <a:solidFill>
+                <a:schemeClr val="bg1">
+                  <a:lumMod val="75000"/>
+                </a:schemeClr>
+              </a:solidFill>
+              <a:ln>
+                <a:noFill/>
+              </a:ln>
+              <a:scene3d>
+                <a:camera prst="orthographicFront"/>
+                <a:lightRig rig="threePt" dir="t"/>
+              </a:scene3d>
+              <a:sp3d>
+                <a:bevelT/>
+              </a:sp3d>
+            </p:spPr>
+            <p:style>
+              <a:lnRef idx="2">
+                <a:schemeClr val="accent1">
+                  <a:shade val="15000"/>
+                </a:schemeClr>
+              </a:lnRef>
+              <a:fillRef idx="1">
+                <a:schemeClr val="accent1"/>
+              </a:fillRef>
+              <a:effectRef idx="0">
+                <a:schemeClr val="accent1"/>
+              </a:effectRef>
+              <a:fontRef idx="minor">
+                <a:schemeClr val="lt1"/>
+              </a:fontRef>
+            </p:style>
+            <p:txBody>
+              <a:bodyPr rtlCol="0" anchor="ctr"/>
+              <a:lstStyle/>
+              <a:p>
+                <a:pPr algn="ctr"/>
+                <a:endParaRPr lang="de-DE"/>
+              </a:p>
+            </p:txBody>
+          </p:sp>
+          <p:sp>
+            <p:nvSpPr>
+              <p:cNvPr id="156" name="Oval 155">
+                <a:extLst>
+                  <a:ext uri="{FF2B5EF4-FFF2-40B4-BE49-F238E27FC236}">
+                    <a16:creationId xmlns:a16="http://schemas.microsoft.com/office/drawing/2014/main" id="{26576EFB-D6B7-685E-1BD6-63417A8F062A}"/>
+                  </a:ext>
+                </a:extLst>
+              </p:cNvPr>
+              <p:cNvSpPr/>
+              <p:nvPr/>
+            </p:nvSpPr>
+            <p:spPr>
+              <a:xfrm>
+                <a:off x="5377924" y="1414485"/>
+                <a:ext cx="881133" cy="881133"/>
+              </a:xfrm>
+              <a:prstGeom prst="ellipse">
+                <a:avLst/>
+              </a:prstGeom>
+              <a:solidFill>
+                <a:schemeClr val="bg1">
+                  <a:lumMod val="75000"/>
+                </a:schemeClr>
+              </a:solidFill>
+              <a:ln>
+                <a:noFill/>
+              </a:ln>
+              <a:scene3d>
+                <a:camera prst="orthographicFront"/>
+                <a:lightRig rig="threePt" dir="t"/>
+              </a:scene3d>
+              <a:sp3d>
+                <a:bevelT w="317500" h="260350"/>
+              </a:sp3d>
+            </p:spPr>
+            <p:style>
+              <a:lnRef idx="2">
+                <a:schemeClr val="accent1">
+                  <a:shade val="15000"/>
+                </a:schemeClr>
+              </a:lnRef>
+              <a:fillRef idx="1">
+                <a:schemeClr val="accent1"/>
+              </a:fillRef>
+              <a:effectRef idx="0">
+                <a:schemeClr val="accent1"/>
+              </a:effectRef>
+              <a:fontRef idx="minor">
+                <a:schemeClr val="lt1"/>
+              </a:fontRef>
+            </p:style>
+            <p:txBody>
+              <a:bodyPr rtlCol="0" anchor="ctr"/>
+              <a:lstStyle/>
+              <a:p>
+                <a:pPr algn="ctr"/>
+                <a:endParaRPr lang="de-DE"/>
+              </a:p>
+            </p:txBody>
+          </p:sp>
+        </p:grpSp>
+        <p:sp>
+          <p:nvSpPr>
+            <p:cNvPr id="154" name="Abgerundetes Rechteck 153">
+              <a:extLst>
+                <a:ext uri="{FF2B5EF4-FFF2-40B4-BE49-F238E27FC236}">
+                  <a16:creationId xmlns:a16="http://schemas.microsoft.com/office/drawing/2014/main" id="{F7D5E955-BA70-D48A-A04D-A42B82196A45}"/>
+                </a:ext>
+              </a:extLst>
+            </p:cNvPr>
+            <p:cNvSpPr/>
+            <p:nvPr/>
+          </p:nvSpPr>
+          <p:spPr>
+            <a:xfrm>
+              <a:off x="7770061" y="1226450"/>
+              <a:ext cx="281889" cy="1256399"/>
+            </a:xfrm>
+            <a:prstGeom prst="roundRect">
+              <a:avLst>
+                <a:gd name="adj" fmla="val 33106"/>
+              </a:avLst>
+            </a:prstGeom>
+            <a:solidFill>
+              <a:schemeClr val="bg1">
+                <a:lumMod val="75000"/>
+              </a:schemeClr>
+            </a:solidFill>
+            <a:ln>
+              <a:noFill/>
+            </a:ln>
+            <a:scene3d>
+              <a:camera prst="orthographicFront"/>
+              <a:lightRig rig="threePt" dir="t"/>
+            </a:scene3d>
+            <a:sp3d>
+              <a:bevelT w="50800" h="50800"/>
+            </a:sp3d>
+          </p:spPr>
+          <p:style>
+            <a:lnRef idx="2">
+              <a:schemeClr val="accent1">
+                <a:shade val="15000"/>
+              </a:schemeClr>
+            </a:lnRef>
+            <a:fillRef idx="1">
+              <a:schemeClr val="accent1"/>
+            </a:fillRef>
+            <a:effectRef idx="0">
+              <a:schemeClr val="accent1"/>
+            </a:effectRef>
+            <a:fontRef idx="minor">
+              <a:schemeClr val="lt1"/>
+            </a:fontRef>
+          </p:style>
+          <p:txBody>
+            <a:bodyPr rtlCol="0" anchor="ctr"/>
+            <a:lstStyle/>
+            <a:p>
+              <a:pPr algn="ctr"/>
+              <a:endParaRPr lang="de-DE"/>
+            </a:p>
+          </p:txBody>
+        </p:sp>
+      </p:grpSp>
+      <p:grpSp>
+        <p:nvGrpSpPr>
+          <p:cNvPr id="158" name="Gruppieren 157">
+            <a:extLst>
+              <a:ext uri="{FF2B5EF4-FFF2-40B4-BE49-F238E27FC236}">
+                <a16:creationId xmlns:a16="http://schemas.microsoft.com/office/drawing/2014/main" id="{11C2B119-7374-627F-EBB2-206D270F971D}"/>
+              </a:ext>
+            </a:extLst>
+          </p:cNvPr>
+          <p:cNvGrpSpPr/>
+          <p:nvPr/>
+        </p:nvGrpSpPr>
+        <p:grpSpPr>
+          <a:xfrm>
+            <a:off x="4264668" y="3127394"/>
+            <a:ext cx="710643" cy="710324"/>
+            <a:chOff x="10798299" y="3795876"/>
+            <a:chExt cx="710643" cy="710324"/>
+          </a:xfrm>
+        </p:grpSpPr>
+        <p:grpSp>
+          <p:nvGrpSpPr>
+            <p:cNvPr id="159" name="Gruppieren 158">
+              <a:extLst>
+                <a:ext uri="{FF2B5EF4-FFF2-40B4-BE49-F238E27FC236}">
+                  <a16:creationId xmlns:a16="http://schemas.microsoft.com/office/drawing/2014/main" id="{B9E7A8F0-43F2-ABB1-0F10-246E869923EC}"/>
+                </a:ext>
+              </a:extLst>
+            </p:cNvPr>
+            <p:cNvGrpSpPr/>
+            <p:nvPr/>
+          </p:nvGrpSpPr>
+          <p:grpSpPr>
+            <a:xfrm>
+              <a:off x="10809332" y="3803169"/>
+              <a:ext cx="699610" cy="698318"/>
+              <a:chOff x="8936345" y="1226850"/>
+              <a:chExt cx="1258726" cy="1256400"/>
+            </a:xfrm>
+          </p:grpSpPr>
+          <p:grpSp>
+            <p:nvGrpSpPr>
+              <p:cNvPr id="162" name="Gruppieren 161">
+                <a:extLst>
+                  <a:ext uri="{FF2B5EF4-FFF2-40B4-BE49-F238E27FC236}">
+                    <a16:creationId xmlns:a16="http://schemas.microsoft.com/office/drawing/2014/main" id="{FAB864F7-4DAA-7F36-018B-25EDBE6C6C3B}"/>
+                  </a:ext>
+                </a:extLst>
+              </p:cNvPr>
+              <p:cNvGrpSpPr/>
+              <p:nvPr/>
+            </p:nvGrpSpPr>
+            <p:grpSpPr>
+              <a:xfrm>
+                <a:off x="8936345" y="1243128"/>
+                <a:ext cx="1223847" cy="1223847"/>
+                <a:chOff x="5206567" y="1243128"/>
+                <a:chExt cx="1223847" cy="1223847"/>
+              </a:xfrm>
+            </p:grpSpPr>
+            <p:sp>
+              <p:nvSpPr>
+                <p:cNvPr id="166" name="Ring 165">
+                  <a:extLst>
+                    <a:ext uri="{FF2B5EF4-FFF2-40B4-BE49-F238E27FC236}">
+                      <a16:creationId xmlns:a16="http://schemas.microsoft.com/office/drawing/2014/main" id="{09DB4EF2-4953-AE69-D09F-3A8FCFB1F331}"/>
+                    </a:ext>
+                  </a:extLst>
+                </p:cNvPr>
+                <p:cNvSpPr/>
+                <p:nvPr/>
+              </p:nvSpPr>
+              <p:spPr>
+                <a:xfrm>
+                  <a:off x="5206567" y="1243128"/>
+                  <a:ext cx="1223847" cy="1223847"/>
+                </a:xfrm>
+                <a:prstGeom prst="donut">
+                  <a:avLst>
+                    <a:gd name="adj" fmla="val 14231"/>
+                  </a:avLst>
+                </a:prstGeom>
+                <a:solidFill>
+                  <a:schemeClr val="bg1">
+                    <a:lumMod val="75000"/>
+                  </a:schemeClr>
+                </a:solidFill>
+                <a:ln>
+                  <a:noFill/>
+                </a:ln>
+                <a:scene3d>
+                  <a:camera prst="orthographicFront"/>
+                  <a:lightRig rig="threePt" dir="t"/>
+                </a:scene3d>
+                <a:sp3d>
+                  <a:bevelT/>
+                </a:sp3d>
+              </p:spPr>
+              <p:style>
+                <a:lnRef idx="2">
+                  <a:schemeClr val="accent1">
+                    <a:shade val="15000"/>
+                  </a:schemeClr>
+                </a:lnRef>
+                <a:fillRef idx="1">
+                  <a:schemeClr val="accent1"/>
+                </a:fillRef>
+                <a:effectRef idx="0">
+                  <a:schemeClr val="accent1"/>
+                </a:effectRef>
+                <a:fontRef idx="minor">
+                  <a:schemeClr val="lt1"/>
+                </a:fontRef>
+              </p:style>
+              <p:txBody>
+                <a:bodyPr rtlCol="0" anchor="ctr"/>
+                <a:lstStyle/>
+                <a:p>
+                  <a:pPr algn="ctr"/>
+                  <a:endParaRPr lang="de-DE"/>
+                </a:p>
+              </p:txBody>
+            </p:sp>
+            <p:sp>
+              <p:nvSpPr>
+                <p:cNvPr id="167" name="Oval 166">
+                  <a:extLst>
+                    <a:ext uri="{FF2B5EF4-FFF2-40B4-BE49-F238E27FC236}">
+                      <a16:creationId xmlns:a16="http://schemas.microsoft.com/office/drawing/2014/main" id="{4294D009-2F65-35DF-77C4-3E245B4CD4A8}"/>
+                    </a:ext>
+                  </a:extLst>
+                </p:cNvPr>
+                <p:cNvSpPr/>
+                <p:nvPr/>
+              </p:nvSpPr>
+              <p:spPr>
+                <a:xfrm>
+                  <a:off x="5377924" y="1414485"/>
+                  <a:ext cx="881133" cy="881133"/>
+                </a:xfrm>
+                <a:prstGeom prst="ellipse">
+                  <a:avLst/>
+                </a:prstGeom>
+                <a:solidFill>
+                  <a:schemeClr val="bg1">
+                    <a:lumMod val="75000"/>
+                  </a:schemeClr>
+                </a:solidFill>
+                <a:ln>
+                  <a:noFill/>
+                </a:ln>
+                <a:scene3d>
+                  <a:camera prst="orthographicFront"/>
+                  <a:lightRig rig="threePt" dir="t"/>
+                </a:scene3d>
+                <a:sp3d>
+                  <a:bevelT w="317500" h="260350"/>
+                </a:sp3d>
+              </p:spPr>
+              <p:style>
+                <a:lnRef idx="2">
+                  <a:schemeClr val="accent1">
+                    <a:shade val="15000"/>
+                  </a:schemeClr>
+                </a:lnRef>
+                <a:fillRef idx="1">
+                  <a:schemeClr val="accent1"/>
+                </a:fillRef>
+                <a:effectRef idx="0">
+                  <a:schemeClr val="accent1"/>
+                </a:effectRef>
+                <a:fontRef idx="minor">
+                  <a:schemeClr val="lt1"/>
+                </a:fontRef>
+              </p:style>
+              <p:txBody>
+                <a:bodyPr rtlCol="0" anchor="ctr"/>
+                <a:lstStyle/>
+                <a:p>
+                  <a:pPr algn="ctr"/>
+                  <a:endParaRPr lang="de-DE"/>
+                </a:p>
+              </p:txBody>
+            </p:sp>
+          </p:grpSp>
+          <p:pic>
+            <p:nvPicPr>
+              <p:cNvPr id="165" name="Grafik 164">
+                <a:extLst>
+                  <a:ext uri="{FF2B5EF4-FFF2-40B4-BE49-F238E27FC236}">
+                    <a16:creationId xmlns:a16="http://schemas.microsoft.com/office/drawing/2014/main" id="{62632ECB-379D-DB3D-C981-C773DF752B49}"/>
+                  </a:ext>
+                </a:extLst>
+              </p:cNvPr>
+              <p:cNvPicPr>
+                <a:picLocks noChangeAspect="1"/>
+              </p:cNvPicPr>
+              <p:nvPr/>
+            </p:nvPicPr>
+            <p:blipFill>
+              <a:blip r:embed="rId4"/>
+              <a:stretch>
+                <a:fillRect/>
+              </a:stretch>
+            </p:blipFill>
+            <p:spPr>
+              <a:xfrm>
+                <a:off x="9550021" y="1226850"/>
+                <a:ext cx="645049" cy="1256400"/>
+              </a:xfrm>
+              <a:prstGeom prst="rect">
+                <a:avLst/>
+              </a:prstGeom>
+            </p:spPr>
+          </p:pic>
+        </p:grpSp>
+        <p:pic>
+          <p:nvPicPr>
+            <p:cNvPr id="160" name="Grafik 159">
+              <a:extLst>
+                <a:ext uri="{FF2B5EF4-FFF2-40B4-BE49-F238E27FC236}">
+                  <a16:creationId xmlns:a16="http://schemas.microsoft.com/office/drawing/2014/main" id="{6E41A730-C5E1-D1BA-8166-029960CA3F84}"/>
+                </a:ext>
+              </a:extLst>
+            </p:cNvPr>
+            <p:cNvPicPr>
+              <a:picLocks noChangeAspect="1"/>
+            </p:cNvPicPr>
+            <p:nvPr/>
+          </p:nvPicPr>
+          <p:blipFill>
+            <a:blip r:embed="rId6"/>
+            <a:stretch>
+              <a:fillRect/>
+            </a:stretch>
+          </p:blipFill>
+          <p:spPr>
+            <a:xfrm>
+              <a:off x="10798299" y="3795876"/>
+              <a:ext cx="360095" cy="710324"/>
+            </a:xfrm>
+            <a:prstGeom prst="rect">
+              <a:avLst/>
+            </a:prstGeom>
+          </p:spPr>
+        </p:pic>
+        <p:sp>
+          <p:nvSpPr>
+            <p:cNvPr id="161" name="Abgerundetes Rechteck 160">
+              <a:extLst>
+                <a:ext uri="{FF2B5EF4-FFF2-40B4-BE49-F238E27FC236}">
+                  <a16:creationId xmlns:a16="http://schemas.microsoft.com/office/drawing/2014/main" id="{05C12DD1-93FE-D2A6-9F7C-6940AB74803D}"/>
+                </a:ext>
+              </a:extLst>
+            </p:cNvPr>
+            <p:cNvSpPr/>
+            <p:nvPr/>
+          </p:nvSpPr>
+          <p:spPr>
+            <a:xfrm>
+              <a:off x="11081953" y="3802947"/>
+              <a:ext cx="156676" cy="698318"/>
+            </a:xfrm>
+            <a:prstGeom prst="roundRect">
+              <a:avLst>
+                <a:gd name="adj" fmla="val 33106"/>
+              </a:avLst>
+            </a:prstGeom>
+            <a:solidFill>
+              <a:schemeClr val="bg1">
+                <a:lumMod val="75000"/>
+              </a:schemeClr>
+            </a:solidFill>
+            <a:ln>
+              <a:noFill/>
+            </a:ln>
+            <a:scene3d>
+              <a:camera prst="orthographicFront"/>
+              <a:lightRig rig="threePt" dir="t"/>
+            </a:scene3d>
+            <a:sp3d>
+              <a:bevelT w="50800" h="50800"/>
+            </a:sp3d>
+          </p:spPr>
+          <p:style>
+            <a:lnRef idx="2">
+              <a:schemeClr val="accent1">
+                <a:shade val="15000"/>
+              </a:schemeClr>
+            </a:lnRef>
+            <a:fillRef idx="1">
+              <a:schemeClr val="accent1"/>
+            </a:fillRef>
+            <a:effectRef idx="0">
+              <a:schemeClr val="accent1"/>
+            </a:effectRef>
+            <a:fontRef idx="minor">
+              <a:schemeClr val="lt1"/>
+            </a:fontRef>
+          </p:style>
+          <p:txBody>
+            <a:bodyPr rtlCol="0" anchor="ctr"/>
+            <a:lstStyle/>
+            <a:p>
+              <a:pPr algn="ctr"/>
+              <a:endParaRPr lang="de-DE"/>
+            </a:p>
+          </p:txBody>
+        </p:sp>
+      </p:grpSp>
+      <p:sp>
+        <p:nvSpPr>
+          <p:cNvPr id="168" name="Textfeld 167">
+            <a:extLst>
+              <a:ext uri="{FF2B5EF4-FFF2-40B4-BE49-F238E27FC236}">
+                <a16:creationId xmlns:a16="http://schemas.microsoft.com/office/drawing/2014/main" id="{45F32258-B74C-BC05-5A59-FB003A26B34B}"/>
+              </a:ext>
+            </a:extLst>
+          </p:cNvPr>
+          <p:cNvSpPr txBox="1"/>
+          <p:nvPr/>
+        </p:nvSpPr>
+        <p:spPr>
+          <a:xfrm>
+            <a:off x="1040130" y="4787953"/>
+            <a:ext cx="1657826" cy="369332"/>
+          </a:xfrm>
+          <a:prstGeom prst="rect">
+            <a:avLst/>
+          </a:prstGeom>
+          <a:noFill/>
+        </p:spPr>
+        <p:txBody>
+          <a:bodyPr wrap="none" rtlCol="0">
+            <a:spAutoFit/>
+          </a:bodyPr>
+          <a:lstStyle/>
+          <a:p>
+            <a:r>
+              <a:rPr lang="de-DE" i="1" dirty="0">
+                <a:latin typeface="Times New Roman" panose="02020603050405020304" pitchFamily="18" charset="0"/>
+                <a:cs typeface="Times New Roman" panose="02020603050405020304" pitchFamily="18" charset="0"/>
+              </a:rPr>
+              <a:t>t = 3.0:    </a:t>
+            </a:r>
+            <a:r>
+              <a:rPr lang="de-DE" dirty="0">
+                <a:latin typeface="+mj-lt"/>
+                <a:cs typeface="Times New Roman" panose="02020603050405020304" pitchFamily="18" charset="0"/>
+              </a:rPr>
+              <a:t>music</a:t>
+            </a:r>
+            <a:endParaRPr lang="de-DE" i="1" dirty="0">
+              <a:latin typeface="Times New Roman" panose="02020603050405020304" pitchFamily="18" charset="0"/>
+              <a:cs typeface="Times New Roman" panose="02020603050405020304" pitchFamily="18" charset="0"/>
+            </a:endParaRPr>
+          </a:p>
+        </p:txBody>
+      </p:sp>
+      <p:grpSp>
+        <p:nvGrpSpPr>
+          <p:cNvPr id="169" name="Gruppieren 168">
+            <a:extLst>
+              <a:ext uri="{FF2B5EF4-FFF2-40B4-BE49-F238E27FC236}">
+                <a16:creationId xmlns:a16="http://schemas.microsoft.com/office/drawing/2014/main" id="{B291B910-4367-82F0-B9E6-6B17500F1760}"/>
+              </a:ext>
+            </a:extLst>
+          </p:cNvPr>
+          <p:cNvGrpSpPr/>
+          <p:nvPr/>
+        </p:nvGrpSpPr>
+        <p:grpSpPr>
+          <a:xfrm>
+            <a:off x="4280550" y="4622782"/>
+            <a:ext cx="680225" cy="698318"/>
+            <a:chOff x="7297328" y="1226450"/>
+            <a:chExt cx="1223847" cy="1256399"/>
+          </a:xfrm>
+        </p:grpSpPr>
+        <p:grpSp>
+          <p:nvGrpSpPr>
+            <p:cNvPr id="170" name="Gruppieren 169">
+              <a:extLst>
+                <a:ext uri="{FF2B5EF4-FFF2-40B4-BE49-F238E27FC236}">
+                  <a16:creationId xmlns:a16="http://schemas.microsoft.com/office/drawing/2014/main" id="{1655652C-C6FD-6268-DAB0-FE8036C037A1}"/>
+                </a:ext>
+              </a:extLst>
+            </p:cNvPr>
+            <p:cNvGrpSpPr/>
+            <p:nvPr/>
+          </p:nvGrpSpPr>
+          <p:grpSpPr>
+            <a:xfrm>
+              <a:off x="7297328" y="1243128"/>
+              <a:ext cx="1223847" cy="1223847"/>
+              <a:chOff x="5206567" y="1243128"/>
+              <a:chExt cx="1223847" cy="1223847"/>
+            </a:xfrm>
+          </p:grpSpPr>
+          <p:sp>
+            <p:nvSpPr>
+              <p:cNvPr id="177" name="Ring 176">
+                <a:extLst>
+                  <a:ext uri="{FF2B5EF4-FFF2-40B4-BE49-F238E27FC236}">
+                    <a16:creationId xmlns:a16="http://schemas.microsoft.com/office/drawing/2014/main" id="{E86B37FF-B2E2-201B-1A5B-BEA201D21DDD}"/>
+                  </a:ext>
+                </a:extLst>
+              </p:cNvPr>
+              <p:cNvSpPr/>
+              <p:nvPr/>
+            </p:nvSpPr>
+            <p:spPr>
+              <a:xfrm>
+                <a:off x="5206567" y="1243128"/>
+                <a:ext cx="1223847" cy="1223847"/>
+              </a:xfrm>
+              <a:prstGeom prst="donut">
+                <a:avLst>
+                  <a:gd name="adj" fmla="val 14231"/>
+                </a:avLst>
+              </a:prstGeom>
+              <a:solidFill>
+                <a:schemeClr val="bg1">
+                  <a:lumMod val="75000"/>
+                </a:schemeClr>
+              </a:solidFill>
+              <a:ln>
+                <a:noFill/>
+              </a:ln>
+              <a:scene3d>
+                <a:camera prst="orthographicFront"/>
+                <a:lightRig rig="threePt" dir="t"/>
+              </a:scene3d>
+              <a:sp3d>
+                <a:bevelT/>
+              </a:sp3d>
+            </p:spPr>
+            <p:style>
+              <a:lnRef idx="2">
+                <a:schemeClr val="accent1">
+                  <a:shade val="15000"/>
+                </a:schemeClr>
+              </a:lnRef>
+              <a:fillRef idx="1">
+                <a:schemeClr val="accent1"/>
+              </a:fillRef>
+              <a:effectRef idx="0">
+                <a:schemeClr val="accent1"/>
+              </a:effectRef>
+              <a:fontRef idx="minor">
+                <a:schemeClr val="lt1"/>
+              </a:fontRef>
+            </p:style>
+            <p:txBody>
+              <a:bodyPr rtlCol="0" anchor="ctr"/>
+              <a:lstStyle/>
+              <a:p>
+                <a:pPr algn="ctr"/>
+                <a:endParaRPr lang="de-DE"/>
+              </a:p>
+            </p:txBody>
+          </p:sp>
+          <p:sp>
+            <p:nvSpPr>
+              <p:cNvPr id="179" name="Oval 178">
+                <a:extLst>
+                  <a:ext uri="{FF2B5EF4-FFF2-40B4-BE49-F238E27FC236}">
+                    <a16:creationId xmlns:a16="http://schemas.microsoft.com/office/drawing/2014/main" id="{5CF871DC-629F-D8D5-E3A0-362CA96D1237}"/>
+                  </a:ext>
+                </a:extLst>
+              </p:cNvPr>
+              <p:cNvSpPr/>
+              <p:nvPr/>
+            </p:nvSpPr>
+            <p:spPr>
+              <a:xfrm>
+                <a:off x="5377924" y="1414485"/>
+                <a:ext cx="881133" cy="881133"/>
+              </a:xfrm>
+              <a:prstGeom prst="ellipse">
+                <a:avLst/>
+              </a:prstGeom>
+              <a:solidFill>
+                <a:schemeClr val="bg1">
+                  <a:lumMod val="75000"/>
+                </a:schemeClr>
+              </a:solidFill>
+              <a:ln>
+                <a:noFill/>
+              </a:ln>
+              <a:scene3d>
+                <a:camera prst="orthographicFront"/>
+                <a:lightRig rig="threePt" dir="t"/>
+              </a:scene3d>
+              <a:sp3d>
+                <a:bevelT w="317500" h="260350"/>
+              </a:sp3d>
+            </p:spPr>
+            <p:style>
+              <a:lnRef idx="2">
+                <a:schemeClr val="accent1">
+                  <a:shade val="15000"/>
+                </a:schemeClr>
+              </a:lnRef>
+              <a:fillRef idx="1">
+                <a:schemeClr val="accent1"/>
+              </a:fillRef>
+              <a:effectRef idx="0">
+                <a:schemeClr val="accent1"/>
+              </a:effectRef>
+              <a:fontRef idx="minor">
+                <a:schemeClr val="lt1"/>
+              </a:fontRef>
+            </p:style>
+            <p:txBody>
+              <a:bodyPr rtlCol="0" anchor="ctr"/>
+              <a:lstStyle/>
+              <a:p>
+                <a:pPr algn="ctr"/>
+                <a:endParaRPr lang="de-DE"/>
+              </a:p>
+            </p:txBody>
+          </p:sp>
+        </p:grpSp>
+        <p:sp>
+          <p:nvSpPr>
+            <p:cNvPr id="176" name="Abgerundetes Rechteck 175">
+              <a:extLst>
+                <a:ext uri="{FF2B5EF4-FFF2-40B4-BE49-F238E27FC236}">
+                  <a16:creationId xmlns:a16="http://schemas.microsoft.com/office/drawing/2014/main" id="{07DB3023-31F6-C4F9-77EA-A694B065E9E9}"/>
+                </a:ext>
+              </a:extLst>
+            </p:cNvPr>
+            <p:cNvSpPr/>
+            <p:nvPr/>
+          </p:nvSpPr>
+          <p:spPr>
+            <a:xfrm>
+              <a:off x="7770061" y="1226450"/>
+              <a:ext cx="281889" cy="1256399"/>
+            </a:xfrm>
+            <a:prstGeom prst="roundRect">
+              <a:avLst>
+                <a:gd name="adj" fmla="val 33106"/>
+              </a:avLst>
+            </a:prstGeom>
+            <a:solidFill>
+              <a:schemeClr val="bg1">
+                <a:lumMod val="75000"/>
+              </a:schemeClr>
+            </a:solidFill>
+            <a:ln>
+              <a:noFill/>
+            </a:ln>
+            <a:scene3d>
+              <a:camera prst="orthographicFront"/>
+              <a:lightRig rig="threePt" dir="t"/>
+            </a:scene3d>
+            <a:sp3d>
+              <a:bevelT w="50800" h="50800"/>
+            </a:sp3d>
+          </p:spPr>
+          <p:style>
+            <a:lnRef idx="2">
+              <a:schemeClr val="accent1">
+                <a:shade val="15000"/>
+              </a:schemeClr>
+            </a:lnRef>
+            <a:fillRef idx="1">
+              <a:schemeClr val="accent1"/>
+            </a:fillRef>
+            <a:effectRef idx="0">
+              <a:schemeClr val="accent1"/>
+            </a:effectRef>
+            <a:fontRef idx="minor">
+              <a:schemeClr val="lt1"/>
+            </a:fontRef>
+          </p:style>
+          <p:txBody>
+            <a:bodyPr rtlCol="0" anchor="ctr"/>
+            <a:lstStyle/>
+            <a:p>
+              <a:pPr algn="ctr"/>
+              <a:endParaRPr lang="de-DE"/>
+            </a:p>
+          </p:txBody>
+        </p:sp>
+      </p:grpSp>
+      <p:grpSp>
+        <p:nvGrpSpPr>
+          <p:cNvPr id="180" name="Gruppieren 179">
+            <a:extLst>
+              <a:ext uri="{FF2B5EF4-FFF2-40B4-BE49-F238E27FC236}">
+                <a16:creationId xmlns:a16="http://schemas.microsoft.com/office/drawing/2014/main" id="{CD4C87B7-5F40-639F-B377-4771B25D6ABF}"/>
+              </a:ext>
+            </a:extLst>
+          </p:cNvPr>
+          <p:cNvGrpSpPr/>
+          <p:nvPr/>
+        </p:nvGrpSpPr>
+        <p:grpSpPr>
+          <a:xfrm>
+            <a:off x="3045505" y="4622782"/>
+            <a:ext cx="680225" cy="698318"/>
+            <a:chOff x="7297328" y="1226450"/>
+            <a:chExt cx="1223847" cy="1256399"/>
+          </a:xfrm>
+        </p:grpSpPr>
+        <p:grpSp>
+          <p:nvGrpSpPr>
+            <p:cNvPr id="181" name="Gruppieren 180">
+              <a:extLst>
+                <a:ext uri="{FF2B5EF4-FFF2-40B4-BE49-F238E27FC236}">
+                  <a16:creationId xmlns:a16="http://schemas.microsoft.com/office/drawing/2014/main" id="{8FE4379C-219E-56EA-78C8-05652CE1D21E}"/>
+                </a:ext>
+              </a:extLst>
+            </p:cNvPr>
+            <p:cNvGrpSpPr/>
+            <p:nvPr/>
+          </p:nvGrpSpPr>
+          <p:grpSpPr>
+            <a:xfrm>
+              <a:off x="7297328" y="1243128"/>
+              <a:ext cx="1223847" cy="1223847"/>
+              <a:chOff x="5206567" y="1243128"/>
+              <a:chExt cx="1223847" cy="1223847"/>
+            </a:xfrm>
+          </p:grpSpPr>
+          <p:sp>
+            <p:nvSpPr>
+              <p:cNvPr id="183" name="Ring 182">
+                <a:extLst>
+                  <a:ext uri="{FF2B5EF4-FFF2-40B4-BE49-F238E27FC236}">
+                    <a16:creationId xmlns:a16="http://schemas.microsoft.com/office/drawing/2014/main" id="{F7D9B8DF-D00D-CEDF-2E01-E319B2871E9F}"/>
+                  </a:ext>
+                </a:extLst>
+              </p:cNvPr>
+              <p:cNvSpPr/>
+              <p:nvPr/>
+            </p:nvSpPr>
+            <p:spPr>
+              <a:xfrm>
+                <a:off x="5206567" y="1243128"/>
+                <a:ext cx="1223847" cy="1223847"/>
+              </a:xfrm>
+              <a:prstGeom prst="donut">
+                <a:avLst>
+                  <a:gd name="adj" fmla="val 14231"/>
+                </a:avLst>
+              </a:prstGeom>
+              <a:solidFill>
+                <a:schemeClr val="bg1">
+                  <a:lumMod val="75000"/>
+                </a:schemeClr>
+              </a:solidFill>
+              <a:ln>
+                <a:noFill/>
+              </a:ln>
+              <a:scene3d>
+                <a:camera prst="orthographicFront"/>
+                <a:lightRig rig="threePt" dir="t"/>
+              </a:scene3d>
+              <a:sp3d>
+                <a:bevelT/>
+              </a:sp3d>
+            </p:spPr>
+            <p:style>
+              <a:lnRef idx="2">
+                <a:schemeClr val="accent1">
+                  <a:shade val="15000"/>
+                </a:schemeClr>
+              </a:lnRef>
+              <a:fillRef idx="1">
+                <a:schemeClr val="accent1"/>
+              </a:fillRef>
+              <a:effectRef idx="0">
+                <a:schemeClr val="accent1"/>
+              </a:effectRef>
+              <a:fontRef idx="minor">
+                <a:schemeClr val="lt1"/>
+              </a:fontRef>
+            </p:style>
+            <p:txBody>
+              <a:bodyPr rtlCol="0" anchor="ctr"/>
+              <a:lstStyle/>
+              <a:p>
+                <a:pPr algn="ctr"/>
+                <a:endParaRPr lang="de-DE"/>
+              </a:p>
+            </p:txBody>
+          </p:sp>
+          <p:sp>
+            <p:nvSpPr>
+              <p:cNvPr id="184" name="Oval 183">
+                <a:extLst>
+                  <a:ext uri="{FF2B5EF4-FFF2-40B4-BE49-F238E27FC236}">
+                    <a16:creationId xmlns:a16="http://schemas.microsoft.com/office/drawing/2014/main" id="{36A3FA29-90B8-F4FB-E178-129802A3CA11}"/>
+                  </a:ext>
+                </a:extLst>
+              </p:cNvPr>
+              <p:cNvSpPr/>
+              <p:nvPr/>
+            </p:nvSpPr>
+            <p:spPr>
+              <a:xfrm>
+                <a:off x="5377924" y="1414485"/>
+                <a:ext cx="881133" cy="881133"/>
+              </a:xfrm>
+              <a:prstGeom prst="ellipse">
+                <a:avLst/>
+              </a:prstGeom>
+              <a:solidFill>
+                <a:schemeClr val="bg1">
+                  <a:lumMod val="75000"/>
+                </a:schemeClr>
+              </a:solidFill>
+              <a:ln>
+                <a:noFill/>
+              </a:ln>
+              <a:scene3d>
+                <a:camera prst="orthographicFront"/>
+                <a:lightRig rig="threePt" dir="t"/>
+              </a:scene3d>
+              <a:sp3d>
+                <a:bevelT w="317500" h="260350"/>
+              </a:sp3d>
+            </p:spPr>
+            <p:style>
+              <a:lnRef idx="2">
+                <a:schemeClr val="accent1">
+                  <a:shade val="15000"/>
+                </a:schemeClr>
+              </a:lnRef>
+              <a:fillRef idx="1">
+                <a:schemeClr val="accent1"/>
+              </a:fillRef>
+              <a:effectRef idx="0">
+                <a:schemeClr val="accent1"/>
+              </a:effectRef>
+              <a:fontRef idx="minor">
+                <a:schemeClr val="lt1"/>
+              </a:fontRef>
+            </p:style>
+            <p:txBody>
+              <a:bodyPr rtlCol="0" anchor="ctr"/>
+              <a:lstStyle/>
+              <a:p>
+                <a:pPr algn="ctr"/>
+                <a:endParaRPr lang="de-DE"/>
+              </a:p>
+            </p:txBody>
+          </p:sp>
+        </p:grpSp>
+        <p:sp>
+          <p:nvSpPr>
+            <p:cNvPr id="182" name="Abgerundetes Rechteck 181">
+              <a:extLst>
+                <a:ext uri="{FF2B5EF4-FFF2-40B4-BE49-F238E27FC236}">
+                  <a16:creationId xmlns:a16="http://schemas.microsoft.com/office/drawing/2014/main" id="{8D7507BF-C121-11BA-E205-B59BBB6DE44C}"/>
+                </a:ext>
+              </a:extLst>
+            </p:cNvPr>
+            <p:cNvSpPr/>
+            <p:nvPr/>
+          </p:nvSpPr>
+          <p:spPr>
+            <a:xfrm>
+              <a:off x="7770061" y="1226450"/>
+              <a:ext cx="281889" cy="1256399"/>
+            </a:xfrm>
+            <a:prstGeom prst="roundRect">
+              <a:avLst>
+                <a:gd name="adj" fmla="val 33106"/>
+              </a:avLst>
+            </a:prstGeom>
+            <a:solidFill>
+              <a:schemeClr val="bg1">
+                <a:lumMod val="75000"/>
+              </a:schemeClr>
+            </a:solidFill>
+            <a:ln>
+              <a:noFill/>
+            </a:ln>
+            <a:scene3d>
+              <a:camera prst="orthographicFront"/>
+              <a:lightRig rig="threePt" dir="t"/>
+            </a:scene3d>
+            <a:sp3d>
+              <a:bevelT w="50800" h="50800"/>
+            </a:sp3d>
+          </p:spPr>
+          <p:style>
+            <a:lnRef idx="2">
+              <a:schemeClr val="accent1">
+                <a:shade val="15000"/>
+              </a:schemeClr>
+            </a:lnRef>
+            <a:fillRef idx="1">
+              <a:schemeClr val="accent1"/>
+            </a:fillRef>
+            <a:effectRef idx="0">
+              <a:schemeClr val="accent1"/>
+            </a:effectRef>
+            <a:fontRef idx="minor">
+              <a:schemeClr val="lt1"/>
+            </a:fontRef>
+          </p:style>
+          <p:txBody>
+            <a:bodyPr rtlCol="0" anchor="ctr"/>
+            <a:lstStyle/>
+            <a:p>
+              <a:pPr algn="ctr"/>
+              <a:endParaRPr lang="de-DE"/>
+            </a:p>
+          </p:txBody>
+        </p:sp>
+      </p:grpSp>
+      <p:grpSp>
+        <p:nvGrpSpPr>
+          <p:cNvPr id="185" name="Gruppieren 184">
+            <a:extLst>
+              <a:ext uri="{FF2B5EF4-FFF2-40B4-BE49-F238E27FC236}">
+                <a16:creationId xmlns:a16="http://schemas.microsoft.com/office/drawing/2014/main" id="{43B0BEAA-790D-2108-5CC7-8F2E306C3501}"/>
+              </a:ext>
+            </a:extLst>
+          </p:cNvPr>
+          <p:cNvGrpSpPr/>
+          <p:nvPr/>
+        </p:nvGrpSpPr>
+        <p:grpSpPr>
+          <a:xfrm>
+            <a:off x="5509464" y="4614653"/>
+            <a:ext cx="710643" cy="710324"/>
+            <a:chOff x="10798299" y="3795876"/>
+            <a:chExt cx="710643" cy="710324"/>
+          </a:xfrm>
+        </p:grpSpPr>
+        <p:grpSp>
+          <p:nvGrpSpPr>
+            <p:cNvPr id="186" name="Gruppieren 185">
+              <a:extLst>
+                <a:ext uri="{FF2B5EF4-FFF2-40B4-BE49-F238E27FC236}">
+                  <a16:creationId xmlns:a16="http://schemas.microsoft.com/office/drawing/2014/main" id="{006077F6-7454-4529-A8C6-13BC438BDC71}"/>
+                </a:ext>
+              </a:extLst>
+            </p:cNvPr>
+            <p:cNvGrpSpPr/>
+            <p:nvPr/>
+          </p:nvGrpSpPr>
+          <p:grpSpPr>
+            <a:xfrm>
+              <a:off x="10809332" y="3803169"/>
+              <a:ext cx="699610" cy="698318"/>
+              <a:chOff x="8936345" y="1226850"/>
+              <a:chExt cx="1258726" cy="1256400"/>
+            </a:xfrm>
+          </p:grpSpPr>
+          <p:grpSp>
+            <p:nvGrpSpPr>
+              <p:cNvPr id="189" name="Gruppieren 188">
+                <a:extLst>
+                  <a:ext uri="{FF2B5EF4-FFF2-40B4-BE49-F238E27FC236}">
+                    <a16:creationId xmlns:a16="http://schemas.microsoft.com/office/drawing/2014/main" id="{EBDD3B96-17C6-2CC2-8CDF-DBC6332C2146}"/>
+                  </a:ext>
+                </a:extLst>
+              </p:cNvPr>
+              <p:cNvGrpSpPr/>
+              <p:nvPr/>
+            </p:nvGrpSpPr>
+            <p:grpSpPr>
+              <a:xfrm>
+                <a:off x="8936345" y="1243128"/>
+                <a:ext cx="1223847" cy="1223847"/>
+                <a:chOff x="5206567" y="1243128"/>
+                <a:chExt cx="1223847" cy="1223847"/>
+              </a:xfrm>
+            </p:grpSpPr>
+            <p:sp>
+              <p:nvSpPr>
+                <p:cNvPr id="191" name="Ring 190">
+                  <a:extLst>
+                    <a:ext uri="{FF2B5EF4-FFF2-40B4-BE49-F238E27FC236}">
+                      <a16:creationId xmlns:a16="http://schemas.microsoft.com/office/drawing/2014/main" id="{13E0A2BE-37D9-390E-BEEF-AD17D4F12980}"/>
+                    </a:ext>
+                  </a:extLst>
+                </p:cNvPr>
+                <p:cNvSpPr/>
+                <p:nvPr/>
+              </p:nvSpPr>
+              <p:spPr>
+                <a:xfrm>
+                  <a:off x="5206567" y="1243128"/>
+                  <a:ext cx="1223847" cy="1223847"/>
+                </a:xfrm>
+                <a:prstGeom prst="donut">
+                  <a:avLst>
+                    <a:gd name="adj" fmla="val 14231"/>
+                  </a:avLst>
+                </a:prstGeom>
+                <a:solidFill>
+                  <a:schemeClr val="bg1">
+                    <a:lumMod val="75000"/>
+                  </a:schemeClr>
+                </a:solidFill>
+                <a:ln>
+                  <a:noFill/>
+                </a:ln>
+                <a:scene3d>
+                  <a:camera prst="orthographicFront"/>
+                  <a:lightRig rig="threePt" dir="t"/>
+                </a:scene3d>
+                <a:sp3d>
+                  <a:bevelT/>
+                </a:sp3d>
+              </p:spPr>
+              <p:style>
+                <a:lnRef idx="2">
+                  <a:schemeClr val="accent1">
+                    <a:shade val="15000"/>
+                  </a:schemeClr>
+                </a:lnRef>
+                <a:fillRef idx="1">
+                  <a:schemeClr val="accent1"/>
+                </a:fillRef>
+                <a:effectRef idx="0">
+                  <a:schemeClr val="accent1"/>
+                </a:effectRef>
+                <a:fontRef idx="minor">
+                  <a:schemeClr val="lt1"/>
+                </a:fontRef>
+              </p:style>
+              <p:txBody>
+                <a:bodyPr rtlCol="0" anchor="ctr"/>
+                <a:lstStyle/>
+                <a:p>
+                  <a:pPr algn="ctr"/>
+                  <a:endParaRPr lang="de-DE"/>
+                </a:p>
+              </p:txBody>
+            </p:sp>
+            <p:sp>
+              <p:nvSpPr>
+                <p:cNvPr id="192" name="Oval 191">
+                  <a:extLst>
+                    <a:ext uri="{FF2B5EF4-FFF2-40B4-BE49-F238E27FC236}">
+                      <a16:creationId xmlns:a16="http://schemas.microsoft.com/office/drawing/2014/main" id="{153B0284-4875-4F55-1E20-723AA2D0657E}"/>
+                    </a:ext>
+                  </a:extLst>
+                </p:cNvPr>
+                <p:cNvSpPr/>
+                <p:nvPr/>
+              </p:nvSpPr>
+              <p:spPr>
+                <a:xfrm>
+                  <a:off x="5377924" y="1414485"/>
+                  <a:ext cx="881133" cy="881133"/>
+                </a:xfrm>
+                <a:prstGeom prst="ellipse">
+                  <a:avLst/>
+                </a:prstGeom>
+                <a:solidFill>
+                  <a:schemeClr val="bg1">
+                    <a:lumMod val="75000"/>
+                  </a:schemeClr>
+                </a:solidFill>
+                <a:ln>
+                  <a:noFill/>
+                </a:ln>
+                <a:scene3d>
+                  <a:camera prst="orthographicFront"/>
+                  <a:lightRig rig="threePt" dir="t"/>
+                </a:scene3d>
+                <a:sp3d>
+                  <a:bevelT w="317500" h="260350"/>
+                </a:sp3d>
+              </p:spPr>
+              <p:style>
+                <a:lnRef idx="2">
+                  <a:schemeClr val="accent1">
+                    <a:shade val="15000"/>
+                  </a:schemeClr>
+                </a:lnRef>
+                <a:fillRef idx="1">
+                  <a:schemeClr val="accent1"/>
+                </a:fillRef>
+                <a:effectRef idx="0">
+                  <a:schemeClr val="accent1"/>
+                </a:effectRef>
+                <a:fontRef idx="minor">
+                  <a:schemeClr val="lt1"/>
+                </a:fontRef>
+              </p:style>
+              <p:txBody>
+                <a:bodyPr rtlCol="0" anchor="ctr"/>
+                <a:lstStyle/>
+                <a:p>
+                  <a:pPr algn="ctr"/>
+                  <a:endParaRPr lang="de-DE"/>
+                </a:p>
+              </p:txBody>
+            </p:sp>
+          </p:grpSp>
+          <p:pic>
+            <p:nvPicPr>
+              <p:cNvPr id="190" name="Grafik 189">
+                <a:extLst>
+                  <a:ext uri="{FF2B5EF4-FFF2-40B4-BE49-F238E27FC236}">
+                    <a16:creationId xmlns:a16="http://schemas.microsoft.com/office/drawing/2014/main" id="{9E2DD2D3-C7C9-9548-2F4C-B25318424C6D}"/>
+                  </a:ext>
+                </a:extLst>
+              </p:cNvPr>
+              <p:cNvPicPr>
+                <a:picLocks noChangeAspect="1"/>
+              </p:cNvPicPr>
+              <p:nvPr/>
+            </p:nvPicPr>
+            <p:blipFill>
+              <a:blip r:embed="rId4"/>
+              <a:stretch>
+                <a:fillRect/>
+              </a:stretch>
+            </p:blipFill>
+            <p:spPr>
+              <a:xfrm>
+                <a:off x="9550021" y="1226850"/>
+                <a:ext cx="645049" cy="1256400"/>
+              </a:xfrm>
+              <a:prstGeom prst="rect">
+                <a:avLst/>
+              </a:prstGeom>
+            </p:spPr>
+          </p:pic>
+        </p:grpSp>
+        <p:pic>
+          <p:nvPicPr>
+            <p:cNvPr id="187" name="Grafik 186">
+              <a:extLst>
+                <a:ext uri="{FF2B5EF4-FFF2-40B4-BE49-F238E27FC236}">
+                  <a16:creationId xmlns:a16="http://schemas.microsoft.com/office/drawing/2014/main" id="{B5ACDB3C-D253-E32C-9DDE-C3559D33131B}"/>
+                </a:ext>
+              </a:extLst>
+            </p:cNvPr>
+            <p:cNvPicPr>
+              <a:picLocks noChangeAspect="1"/>
+            </p:cNvPicPr>
+            <p:nvPr/>
+          </p:nvPicPr>
+          <p:blipFill>
+            <a:blip r:embed="rId6"/>
+            <a:stretch>
+              <a:fillRect/>
+            </a:stretch>
+          </p:blipFill>
+          <p:spPr>
+            <a:xfrm>
+              <a:off x="10798299" y="3795876"/>
+              <a:ext cx="360095" cy="710324"/>
+            </a:xfrm>
+            <a:prstGeom prst="rect">
+              <a:avLst/>
+            </a:prstGeom>
+          </p:spPr>
+        </p:pic>
+        <p:sp>
+          <p:nvSpPr>
+            <p:cNvPr id="188" name="Abgerundetes Rechteck 187">
+              <a:extLst>
+                <a:ext uri="{FF2B5EF4-FFF2-40B4-BE49-F238E27FC236}">
+                  <a16:creationId xmlns:a16="http://schemas.microsoft.com/office/drawing/2014/main" id="{A8F2031B-9082-53CF-060F-12AA215E4DEF}"/>
+                </a:ext>
+              </a:extLst>
+            </p:cNvPr>
+            <p:cNvSpPr/>
+            <p:nvPr/>
+          </p:nvSpPr>
+          <p:spPr>
+            <a:xfrm>
+              <a:off x="11081953" y="3802947"/>
+              <a:ext cx="156676" cy="698318"/>
+            </a:xfrm>
+            <a:prstGeom prst="roundRect">
+              <a:avLst>
+                <a:gd name="adj" fmla="val 33106"/>
+              </a:avLst>
+            </a:prstGeom>
+            <a:solidFill>
+              <a:schemeClr val="bg1">
+                <a:lumMod val="75000"/>
+              </a:schemeClr>
+            </a:solidFill>
+            <a:ln>
+              <a:noFill/>
+            </a:ln>
+            <a:scene3d>
+              <a:camera prst="orthographicFront"/>
+              <a:lightRig rig="threePt" dir="t"/>
+            </a:scene3d>
+            <a:sp3d>
+              <a:bevelT w="50800" h="50800"/>
+            </a:sp3d>
+          </p:spPr>
+          <p:style>
+            <a:lnRef idx="2">
+              <a:schemeClr val="accent1">
+                <a:shade val="15000"/>
+              </a:schemeClr>
+            </a:lnRef>
+            <a:fillRef idx="1">
+              <a:schemeClr val="accent1"/>
+            </a:fillRef>
+            <a:effectRef idx="0">
+              <a:schemeClr val="accent1"/>
+            </a:effectRef>
+            <a:fontRef idx="minor">
+              <a:schemeClr val="lt1"/>
+            </a:fontRef>
+          </p:style>
+          <p:txBody>
+            <a:bodyPr rtlCol="0" anchor="ctr"/>
+            <a:lstStyle/>
+            <a:p>
+              <a:pPr algn="ctr"/>
+              <a:endParaRPr lang="de-DE"/>
+            </a:p>
+          </p:txBody>
+        </p:sp>
+      </p:grpSp>
+      <p:sp>
+        <p:nvSpPr>
+          <p:cNvPr id="193" name="Textfeld 192">
+            <a:extLst>
+              <a:ext uri="{FF2B5EF4-FFF2-40B4-BE49-F238E27FC236}">
+                <a16:creationId xmlns:a16="http://schemas.microsoft.com/office/drawing/2014/main" id="{EA768742-252B-4D43-AB86-E46AABCF734C}"/>
+              </a:ext>
+            </a:extLst>
+          </p:cNvPr>
+          <p:cNvSpPr txBox="1"/>
+          <p:nvPr/>
+        </p:nvSpPr>
+        <p:spPr>
+          <a:xfrm>
+            <a:off x="1040130" y="5535039"/>
+            <a:ext cx="1657826" cy="369332"/>
+          </a:xfrm>
+          <a:prstGeom prst="rect">
+            <a:avLst/>
+          </a:prstGeom>
+          <a:noFill/>
+        </p:spPr>
+        <p:txBody>
+          <a:bodyPr wrap="none" rtlCol="0">
+            <a:spAutoFit/>
+          </a:bodyPr>
+          <a:lstStyle/>
+          <a:p>
+            <a:r>
+              <a:rPr lang="de-DE" i="1" dirty="0">
+                <a:latin typeface="Times New Roman" panose="02020603050405020304" pitchFamily="18" charset="0"/>
+                <a:cs typeface="Times New Roman" panose="02020603050405020304" pitchFamily="18" charset="0"/>
+              </a:rPr>
+              <a:t>t = 3.1:    </a:t>
+            </a:r>
+            <a:r>
+              <a:rPr lang="de-DE" dirty="0">
+                <a:latin typeface="+mj-lt"/>
+                <a:cs typeface="Times New Roman" panose="02020603050405020304" pitchFamily="18" charset="0"/>
+              </a:rPr>
+              <a:t>music</a:t>
+            </a:r>
+            <a:endParaRPr lang="de-DE" i="1" dirty="0">
+              <a:latin typeface="Times New Roman" panose="02020603050405020304" pitchFamily="18" charset="0"/>
+              <a:cs typeface="Times New Roman" panose="02020603050405020304" pitchFamily="18" charset="0"/>
+            </a:endParaRPr>
+          </a:p>
+        </p:txBody>
+      </p:sp>
+      <p:grpSp>
+        <p:nvGrpSpPr>
+          <p:cNvPr id="194" name="Gruppieren 193">
+            <a:extLst>
+              <a:ext uri="{FF2B5EF4-FFF2-40B4-BE49-F238E27FC236}">
+                <a16:creationId xmlns:a16="http://schemas.microsoft.com/office/drawing/2014/main" id="{6A1F00D2-D821-BE72-D1C8-95E4303D8C57}"/>
+              </a:ext>
+            </a:extLst>
+          </p:cNvPr>
+          <p:cNvGrpSpPr/>
+          <p:nvPr/>
+        </p:nvGrpSpPr>
+        <p:grpSpPr>
+          <a:xfrm>
+            <a:off x="4280550" y="5369868"/>
+            <a:ext cx="680225" cy="698318"/>
+            <a:chOff x="7297328" y="1226450"/>
+            <a:chExt cx="1223847" cy="1256399"/>
+          </a:xfrm>
+        </p:grpSpPr>
+        <p:grpSp>
+          <p:nvGrpSpPr>
+            <p:cNvPr id="195" name="Gruppieren 194">
+              <a:extLst>
+                <a:ext uri="{FF2B5EF4-FFF2-40B4-BE49-F238E27FC236}">
+                  <a16:creationId xmlns:a16="http://schemas.microsoft.com/office/drawing/2014/main" id="{05B158CB-9799-E6D6-4EA3-4969F798970E}"/>
+                </a:ext>
+              </a:extLst>
+            </p:cNvPr>
+            <p:cNvGrpSpPr/>
+            <p:nvPr/>
+          </p:nvGrpSpPr>
+          <p:grpSpPr>
+            <a:xfrm>
+              <a:off x="7297328" y="1243128"/>
+              <a:ext cx="1223847" cy="1223847"/>
+              <a:chOff x="5206567" y="1243128"/>
+              <a:chExt cx="1223847" cy="1223847"/>
+            </a:xfrm>
+          </p:grpSpPr>
+          <p:sp>
+            <p:nvSpPr>
+              <p:cNvPr id="233" name="Ring 232">
+                <a:extLst>
+                  <a:ext uri="{FF2B5EF4-FFF2-40B4-BE49-F238E27FC236}">
+                    <a16:creationId xmlns:a16="http://schemas.microsoft.com/office/drawing/2014/main" id="{A3F64200-D5F7-9A8A-24C3-4E1CFFF046FD}"/>
+                  </a:ext>
+                </a:extLst>
+              </p:cNvPr>
+              <p:cNvSpPr/>
+              <p:nvPr/>
+            </p:nvSpPr>
+            <p:spPr>
+              <a:xfrm>
+                <a:off x="5206567" y="1243128"/>
+                <a:ext cx="1223847" cy="1223847"/>
+              </a:xfrm>
+              <a:prstGeom prst="donut">
+                <a:avLst>
+                  <a:gd name="adj" fmla="val 14231"/>
+                </a:avLst>
+              </a:prstGeom>
+              <a:solidFill>
+                <a:schemeClr val="bg1">
+                  <a:lumMod val="75000"/>
+                </a:schemeClr>
+              </a:solidFill>
+              <a:ln>
+                <a:noFill/>
+              </a:ln>
+              <a:scene3d>
+                <a:camera prst="orthographicFront"/>
+                <a:lightRig rig="threePt" dir="t"/>
+              </a:scene3d>
+              <a:sp3d>
+                <a:bevelT/>
+              </a:sp3d>
+            </p:spPr>
+            <p:style>
+              <a:lnRef idx="2">
+                <a:schemeClr val="accent1">
+                  <a:shade val="15000"/>
+                </a:schemeClr>
+              </a:lnRef>
+              <a:fillRef idx="1">
+                <a:schemeClr val="accent1"/>
+              </a:fillRef>
+              <a:effectRef idx="0">
+                <a:schemeClr val="accent1"/>
+              </a:effectRef>
+              <a:fontRef idx="minor">
+                <a:schemeClr val="lt1"/>
+              </a:fontRef>
+            </p:style>
+            <p:txBody>
+              <a:bodyPr rtlCol="0" anchor="ctr"/>
+              <a:lstStyle/>
+              <a:p>
+                <a:pPr algn="ctr"/>
+                <a:endParaRPr lang="de-DE"/>
+              </a:p>
+            </p:txBody>
+          </p:sp>
+          <p:sp>
+            <p:nvSpPr>
+              <p:cNvPr id="234" name="Oval 233">
+                <a:extLst>
+                  <a:ext uri="{FF2B5EF4-FFF2-40B4-BE49-F238E27FC236}">
+                    <a16:creationId xmlns:a16="http://schemas.microsoft.com/office/drawing/2014/main" id="{29C15BF5-C32B-DE4D-44FC-734D60378562}"/>
+                  </a:ext>
+                </a:extLst>
+              </p:cNvPr>
+              <p:cNvSpPr/>
+              <p:nvPr/>
+            </p:nvSpPr>
+            <p:spPr>
+              <a:xfrm>
+                <a:off x="5377924" y="1414485"/>
+                <a:ext cx="881133" cy="881133"/>
+              </a:xfrm>
+              <a:prstGeom prst="ellipse">
+                <a:avLst/>
+              </a:prstGeom>
+              <a:solidFill>
+                <a:schemeClr val="bg1">
+                  <a:lumMod val="75000"/>
+                </a:schemeClr>
+              </a:solidFill>
+              <a:ln>
+                <a:noFill/>
+              </a:ln>
+              <a:scene3d>
+                <a:camera prst="orthographicFront"/>
+                <a:lightRig rig="threePt" dir="t"/>
+              </a:scene3d>
+              <a:sp3d>
+                <a:bevelT w="317500" h="260350"/>
+              </a:sp3d>
+            </p:spPr>
+            <p:style>
+              <a:lnRef idx="2">
+                <a:schemeClr val="accent1">
+                  <a:shade val="15000"/>
+                </a:schemeClr>
+              </a:lnRef>
+              <a:fillRef idx="1">
+                <a:schemeClr val="accent1"/>
+              </a:fillRef>
+              <a:effectRef idx="0">
+                <a:schemeClr val="accent1"/>
+              </a:effectRef>
+              <a:fontRef idx="minor">
+                <a:schemeClr val="lt1"/>
+              </a:fontRef>
+            </p:style>
+            <p:txBody>
+              <a:bodyPr rtlCol="0" anchor="ctr"/>
+              <a:lstStyle/>
+              <a:p>
+                <a:pPr algn="ctr"/>
+                <a:endParaRPr lang="de-DE"/>
+              </a:p>
+            </p:txBody>
+          </p:sp>
+        </p:grpSp>
+        <p:sp>
+          <p:nvSpPr>
+            <p:cNvPr id="232" name="Abgerundetes Rechteck 231">
+              <a:extLst>
+                <a:ext uri="{FF2B5EF4-FFF2-40B4-BE49-F238E27FC236}">
+                  <a16:creationId xmlns:a16="http://schemas.microsoft.com/office/drawing/2014/main" id="{AB31CB2E-2ED3-9F99-9AAB-1B6D4BAA78FB}"/>
+                </a:ext>
+              </a:extLst>
+            </p:cNvPr>
+            <p:cNvSpPr/>
+            <p:nvPr/>
+          </p:nvSpPr>
+          <p:spPr>
+            <a:xfrm>
+              <a:off x="7770061" y="1226450"/>
+              <a:ext cx="281889" cy="1256399"/>
+            </a:xfrm>
+            <a:prstGeom prst="roundRect">
+              <a:avLst>
+                <a:gd name="adj" fmla="val 33106"/>
+              </a:avLst>
+            </a:prstGeom>
+            <a:solidFill>
+              <a:schemeClr val="bg1">
+                <a:lumMod val="75000"/>
+              </a:schemeClr>
+            </a:solidFill>
+            <a:ln>
+              <a:noFill/>
+            </a:ln>
+            <a:scene3d>
+              <a:camera prst="orthographicFront"/>
+              <a:lightRig rig="threePt" dir="t"/>
+            </a:scene3d>
+            <a:sp3d>
+              <a:bevelT w="50800" h="50800"/>
+            </a:sp3d>
+          </p:spPr>
+          <p:style>
+            <a:lnRef idx="2">
+              <a:schemeClr val="accent1">
+                <a:shade val="15000"/>
+              </a:schemeClr>
+            </a:lnRef>
+            <a:fillRef idx="1">
+              <a:schemeClr val="accent1"/>
+            </a:fillRef>
+            <a:effectRef idx="0">
+              <a:schemeClr val="accent1"/>
+            </a:effectRef>
+            <a:fontRef idx="minor">
+              <a:schemeClr val="lt1"/>
+            </a:fontRef>
+          </p:style>
+          <p:txBody>
+            <a:bodyPr rtlCol="0" anchor="ctr"/>
+            <a:lstStyle/>
+            <a:p>
+              <a:pPr algn="ctr"/>
+              <a:endParaRPr lang="de-DE"/>
+            </a:p>
+          </p:txBody>
+        </p:sp>
+      </p:grpSp>
+      <p:grpSp>
+        <p:nvGrpSpPr>
+          <p:cNvPr id="235" name="Gruppieren 234">
+            <a:extLst>
+              <a:ext uri="{FF2B5EF4-FFF2-40B4-BE49-F238E27FC236}">
+                <a16:creationId xmlns:a16="http://schemas.microsoft.com/office/drawing/2014/main" id="{F8CC8501-7090-F4E7-4351-546DF09C8940}"/>
+              </a:ext>
+            </a:extLst>
+          </p:cNvPr>
+          <p:cNvGrpSpPr/>
+          <p:nvPr/>
+        </p:nvGrpSpPr>
+        <p:grpSpPr>
+          <a:xfrm>
+            <a:off x="3045505" y="5369868"/>
+            <a:ext cx="680225" cy="698318"/>
+            <a:chOff x="7297328" y="1226450"/>
+            <a:chExt cx="1223847" cy="1256399"/>
+          </a:xfrm>
+        </p:grpSpPr>
+        <p:grpSp>
+          <p:nvGrpSpPr>
+            <p:cNvPr id="236" name="Gruppieren 235">
+              <a:extLst>
+                <a:ext uri="{FF2B5EF4-FFF2-40B4-BE49-F238E27FC236}">
+                  <a16:creationId xmlns:a16="http://schemas.microsoft.com/office/drawing/2014/main" id="{274926E2-444F-3462-4442-32CEE18D5DCC}"/>
+                </a:ext>
+              </a:extLst>
+            </p:cNvPr>
+            <p:cNvGrpSpPr/>
+            <p:nvPr/>
+          </p:nvGrpSpPr>
+          <p:grpSpPr>
+            <a:xfrm>
+              <a:off x="7297328" y="1243128"/>
+              <a:ext cx="1223847" cy="1223847"/>
+              <a:chOff x="5206567" y="1243128"/>
+              <a:chExt cx="1223847" cy="1223847"/>
+            </a:xfrm>
+          </p:grpSpPr>
+          <p:sp>
+            <p:nvSpPr>
+              <p:cNvPr id="238" name="Ring 237">
+                <a:extLst>
+                  <a:ext uri="{FF2B5EF4-FFF2-40B4-BE49-F238E27FC236}">
+                    <a16:creationId xmlns:a16="http://schemas.microsoft.com/office/drawing/2014/main" id="{C2E48702-E0A0-E96F-F42C-08A1A391C7AE}"/>
+                  </a:ext>
+                </a:extLst>
+              </p:cNvPr>
+              <p:cNvSpPr/>
+              <p:nvPr/>
+            </p:nvSpPr>
+            <p:spPr>
+              <a:xfrm>
+                <a:off x="5206567" y="1243128"/>
+                <a:ext cx="1223847" cy="1223847"/>
+              </a:xfrm>
+              <a:prstGeom prst="donut">
+                <a:avLst>
+                  <a:gd name="adj" fmla="val 14231"/>
+                </a:avLst>
+              </a:prstGeom>
+              <a:solidFill>
+                <a:schemeClr val="bg1">
+                  <a:lumMod val="75000"/>
+                </a:schemeClr>
+              </a:solidFill>
+              <a:ln>
+                <a:noFill/>
+              </a:ln>
+              <a:scene3d>
+                <a:camera prst="orthographicFront"/>
+                <a:lightRig rig="threePt" dir="t"/>
+              </a:scene3d>
+              <a:sp3d>
+                <a:bevelT/>
+              </a:sp3d>
+            </p:spPr>
+            <p:style>
+              <a:lnRef idx="2">
+                <a:schemeClr val="accent1">
+                  <a:shade val="15000"/>
+                </a:schemeClr>
+              </a:lnRef>
+              <a:fillRef idx="1">
+                <a:schemeClr val="accent1"/>
+              </a:fillRef>
+              <a:effectRef idx="0">
+                <a:schemeClr val="accent1"/>
+              </a:effectRef>
+              <a:fontRef idx="minor">
+                <a:schemeClr val="lt1"/>
+              </a:fontRef>
+            </p:style>
+            <p:txBody>
+              <a:bodyPr rtlCol="0" anchor="ctr"/>
+              <a:lstStyle/>
+              <a:p>
+                <a:pPr algn="ctr"/>
+                <a:endParaRPr lang="de-DE"/>
+              </a:p>
+            </p:txBody>
+          </p:sp>
+          <p:sp>
+            <p:nvSpPr>
+              <p:cNvPr id="239" name="Oval 238">
+                <a:extLst>
+                  <a:ext uri="{FF2B5EF4-FFF2-40B4-BE49-F238E27FC236}">
+                    <a16:creationId xmlns:a16="http://schemas.microsoft.com/office/drawing/2014/main" id="{980A640B-EC24-2088-2D4B-60F3E2CAF415}"/>
+                  </a:ext>
+                </a:extLst>
+              </p:cNvPr>
+              <p:cNvSpPr/>
+              <p:nvPr/>
+            </p:nvSpPr>
+            <p:spPr>
+              <a:xfrm>
+                <a:off x="5377924" y="1414485"/>
+                <a:ext cx="881133" cy="881133"/>
+              </a:xfrm>
+              <a:prstGeom prst="ellipse">
+                <a:avLst/>
+              </a:prstGeom>
+              <a:solidFill>
+                <a:schemeClr val="bg1">
+                  <a:lumMod val="75000"/>
+                </a:schemeClr>
+              </a:solidFill>
+              <a:ln>
+                <a:noFill/>
+              </a:ln>
+              <a:scene3d>
+                <a:camera prst="orthographicFront"/>
+                <a:lightRig rig="threePt" dir="t"/>
+              </a:scene3d>
+              <a:sp3d>
+                <a:bevelT w="317500" h="260350"/>
+              </a:sp3d>
+            </p:spPr>
+            <p:style>
+              <a:lnRef idx="2">
+                <a:schemeClr val="accent1">
+                  <a:shade val="15000"/>
+                </a:schemeClr>
+              </a:lnRef>
+              <a:fillRef idx="1">
+                <a:schemeClr val="accent1"/>
+              </a:fillRef>
+              <a:effectRef idx="0">
+                <a:schemeClr val="accent1"/>
+              </a:effectRef>
+              <a:fontRef idx="minor">
+                <a:schemeClr val="lt1"/>
+              </a:fontRef>
+            </p:style>
+            <p:txBody>
+              <a:bodyPr rtlCol="0" anchor="ctr"/>
+              <a:lstStyle/>
+              <a:p>
+                <a:pPr algn="ctr"/>
+                <a:endParaRPr lang="de-DE"/>
+              </a:p>
+            </p:txBody>
+          </p:sp>
+        </p:grpSp>
+        <p:sp>
+          <p:nvSpPr>
+            <p:cNvPr id="237" name="Abgerundetes Rechteck 236">
+              <a:extLst>
+                <a:ext uri="{FF2B5EF4-FFF2-40B4-BE49-F238E27FC236}">
+                  <a16:creationId xmlns:a16="http://schemas.microsoft.com/office/drawing/2014/main" id="{1860E79D-EF2E-B52A-E75E-44EB32F20891}"/>
+                </a:ext>
+              </a:extLst>
+            </p:cNvPr>
+            <p:cNvSpPr/>
+            <p:nvPr/>
+          </p:nvSpPr>
+          <p:spPr>
+            <a:xfrm>
+              <a:off x="7770061" y="1226450"/>
+              <a:ext cx="281889" cy="1256399"/>
+            </a:xfrm>
+            <a:prstGeom prst="roundRect">
+              <a:avLst>
+                <a:gd name="adj" fmla="val 33106"/>
+              </a:avLst>
+            </a:prstGeom>
+            <a:solidFill>
+              <a:schemeClr val="bg1">
+                <a:lumMod val="75000"/>
+              </a:schemeClr>
+            </a:solidFill>
+            <a:ln>
+              <a:noFill/>
+            </a:ln>
+            <a:scene3d>
+              <a:camera prst="orthographicFront"/>
+              <a:lightRig rig="threePt" dir="t"/>
+            </a:scene3d>
+            <a:sp3d>
+              <a:bevelT w="50800" h="50800"/>
+            </a:sp3d>
+          </p:spPr>
+          <p:style>
+            <a:lnRef idx="2">
+              <a:schemeClr val="accent1">
+                <a:shade val="15000"/>
+              </a:schemeClr>
+            </a:lnRef>
+            <a:fillRef idx="1">
+              <a:schemeClr val="accent1"/>
+            </a:fillRef>
+            <a:effectRef idx="0">
+              <a:schemeClr val="accent1"/>
+            </a:effectRef>
+            <a:fontRef idx="minor">
+              <a:schemeClr val="lt1"/>
+            </a:fontRef>
+          </p:style>
+          <p:txBody>
+            <a:bodyPr rtlCol="0" anchor="ctr"/>
+            <a:lstStyle/>
+            <a:p>
+              <a:pPr algn="ctr"/>
+              <a:endParaRPr lang="de-DE"/>
+            </a:p>
+          </p:txBody>
+        </p:sp>
+      </p:grpSp>
+      <p:grpSp>
+        <p:nvGrpSpPr>
+          <p:cNvPr id="268" name="Gruppieren 267">
+            <a:extLst>
+              <a:ext uri="{FF2B5EF4-FFF2-40B4-BE49-F238E27FC236}">
+                <a16:creationId xmlns:a16="http://schemas.microsoft.com/office/drawing/2014/main" id="{E22538D8-AB7B-CF94-419F-40207933B9EB}"/>
+              </a:ext>
+            </a:extLst>
+          </p:cNvPr>
+          <p:cNvGrpSpPr/>
+          <p:nvPr/>
+        </p:nvGrpSpPr>
+        <p:grpSpPr>
+          <a:xfrm>
+            <a:off x="5509464" y="5361739"/>
+            <a:ext cx="710643" cy="710324"/>
+            <a:chOff x="10798299" y="3795876"/>
+            <a:chExt cx="710643" cy="710324"/>
+          </a:xfrm>
+        </p:grpSpPr>
+        <p:grpSp>
+          <p:nvGrpSpPr>
+            <p:cNvPr id="269" name="Gruppieren 268">
+              <a:extLst>
+                <a:ext uri="{FF2B5EF4-FFF2-40B4-BE49-F238E27FC236}">
+                  <a16:creationId xmlns:a16="http://schemas.microsoft.com/office/drawing/2014/main" id="{A5780AC4-11A0-9647-11CF-5C23CAF98C61}"/>
+                </a:ext>
+              </a:extLst>
+            </p:cNvPr>
+            <p:cNvGrpSpPr/>
+            <p:nvPr/>
+          </p:nvGrpSpPr>
+          <p:grpSpPr>
+            <a:xfrm>
+              <a:off x="10809332" y="3803169"/>
+              <a:ext cx="699610" cy="698318"/>
+              <a:chOff x="8936345" y="1226850"/>
+              <a:chExt cx="1258726" cy="1256400"/>
+            </a:xfrm>
+          </p:grpSpPr>
+          <p:grpSp>
+            <p:nvGrpSpPr>
+              <p:cNvPr id="272" name="Gruppieren 271">
+                <a:extLst>
+                  <a:ext uri="{FF2B5EF4-FFF2-40B4-BE49-F238E27FC236}">
+                    <a16:creationId xmlns:a16="http://schemas.microsoft.com/office/drawing/2014/main" id="{DCB9B342-5F2E-06CE-CFF1-7D7E38E6F3F7}"/>
+                  </a:ext>
+                </a:extLst>
+              </p:cNvPr>
+              <p:cNvGrpSpPr/>
+              <p:nvPr/>
+            </p:nvGrpSpPr>
+            <p:grpSpPr>
+              <a:xfrm>
+                <a:off x="8936345" y="1243128"/>
+                <a:ext cx="1223847" cy="1223847"/>
+                <a:chOff x="5206567" y="1243128"/>
+                <a:chExt cx="1223847" cy="1223847"/>
+              </a:xfrm>
+            </p:grpSpPr>
+            <p:sp>
+              <p:nvSpPr>
+                <p:cNvPr id="274" name="Ring 273">
+                  <a:extLst>
+                    <a:ext uri="{FF2B5EF4-FFF2-40B4-BE49-F238E27FC236}">
+                      <a16:creationId xmlns:a16="http://schemas.microsoft.com/office/drawing/2014/main" id="{86D5F91C-A0AA-DCD8-CEAB-208F3421C021}"/>
+                    </a:ext>
+                  </a:extLst>
+                </p:cNvPr>
+                <p:cNvSpPr/>
+                <p:nvPr/>
+              </p:nvSpPr>
+              <p:spPr>
+                <a:xfrm>
+                  <a:off x="5206567" y="1243128"/>
+                  <a:ext cx="1223847" cy="1223847"/>
+                </a:xfrm>
+                <a:prstGeom prst="donut">
+                  <a:avLst>
+                    <a:gd name="adj" fmla="val 14231"/>
+                  </a:avLst>
+                </a:prstGeom>
+                <a:solidFill>
+                  <a:schemeClr val="bg1">
+                    <a:lumMod val="75000"/>
+                  </a:schemeClr>
+                </a:solidFill>
+                <a:ln>
+                  <a:noFill/>
+                </a:ln>
+                <a:scene3d>
+                  <a:camera prst="orthographicFront"/>
+                  <a:lightRig rig="threePt" dir="t"/>
+                </a:scene3d>
+                <a:sp3d>
+                  <a:bevelT/>
+                </a:sp3d>
+              </p:spPr>
+              <p:style>
+                <a:lnRef idx="2">
+                  <a:schemeClr val="accent1">
+                    <a:shade val="15000"/>
+                  </a:schemeClr>
+                </a:lnRef>
+                <a:fillRef idx="1">
+                  <a:schemeClr val="accent1"/>
+                </a:fillRef>
+                <a:effectRef idx="0">
+                  <a:schemeClr val="accent1"/>
+                </a:effectRef>
+                <a:fontRef idx="minor">
+                  <a:schemeClr val="lt1"/>
+                </a:fontRef>
+              </p:style>
+              <p:txBody>
+                <a:bodyPr rtlCol="0" anchor="ctr"/>
+                <a:lstStyle/>
+                <a:p>
+                  <a:pPr algn="ctr"/>
+                  <a:endParaRPr lang="de-DE"/>
+                </a:p>
+              </p:txBody>
+            </p:sp>
+            <p:sp>
+              <p:nvSpPr>
+                <p:cNvPr id="275" name="Oval 274">
+                  <a:extLst>
+                    <a:ext uri="{FF2B5EF4-FFF2-40B4-BE49-F238E27FC236}">
+                      <a16:creationId xmlns:a16="http://schemas.microsoft.com/office/drawing/2014/main" id="{B5684420-6263-5635-0B7B-698637F7F998}"/>
+                    </a:ext>
+                  </a:extLst>
+                </p:cNvPr>
+                <p:cNvSpPr/>
+                <p:nvPr/>
+              </p:nvSpPr>
+              <p:spPr>
+                <a:xfrm>
+                  <a:off x="5377924" y="1414485"/>
+                  <a:ext cx="881133" cy="881133"/>
+                </a:xfrm>
+                <a:prstGeom prst="ellipse">
+                  <a:avLst/>
+                </a:prstGeom>
+                <a:solidFill>
+                  <a:schemeClr val="bg1">
+                    <a:lumMod val="75000"/>
+                  </a:schemeClr>
+                </a:solidFill>
+                <a:ln>
+                  <a:noFill/>
+                </a:ln>
+                <a:scene3d>
+                  <a:camera prst="orthographicFront"/>
+                  <a:lightRig rig="threePt" dir="t"/>
+                </a:scene3d>
+                <a:sp3d>
+                  <a:bevelT w="317500" h="260350"/>
+                </a:sp3d>
+              </p:spPr>
+              <p:style>
+                <a:lnRef idx="2">
+                  <a:schemeClr val="accent1">
+                    <a:shade val="15000"/>
+                  </a:schemeClr>
+                </a:lnRef>
+                <a:fillRef idx="1">
+                  <a:schemeClr val="accent1"/>
+                </a:fillRef>
+                <a:effectRef idx="0">
+                  <a:schemeClr val="accent1"/>
+                </a:effectRef>
+                <a:fontRef idx="minor">
+                  <a:schemeClr val="lt1"/>
+                </a:fontRef>
+              </p:style>
+              <p:txBody>
+                <a:bodyPr rtlCol="0" anchor="ctr"/>
+                <a:lstStyle/>
+                <a:p>
+                  <a:pPr algn="ctr"/>
+                  <a:endParaRPr lang="de-DE"/>
+                </a:p>
+              </p:txBody>
+            </p:sp>
+          </p:grpSp>
+          <p:pic>
+            <p:nvPicPr>
+              <p:cNvPr id="273" name="Grafik 272">
+                <a:extLst>
+                  <a:ext uri="{FF2B5EF4-FFF2-40B4-BE49-F238E27FC236}">
+                    <a16:creationId xmlns:a16="http://schemas.microsoft.com/office/drawing/2014/main" id="{98C554B9-2B4A-45E8-4EBA-981A3E37F5DA}"/>
+                  </a:ext>
+                </a:extLst>
+              </p:cNvPr>
+              <p:cNvPicPr>
+                <a:picLocks noChangeAspect="1"/>
+              </p:cNvPicPr>
+              <p:nvPr/>
+            </p:nvPicPr>
+            <p:blipFill>
+              <a:blip r:embed="rId4"/>
+              <a:stretch>
+                <a:fillRect/>
+              </a:stretch>
+            </p:blipFill>
+            <p:spPr>
+              <a:xfrm>
+                <a:off x="9550021" y="1226850"/>
+                <a:ext cx="645049" cy="1256400"/>
+              </a:xfrm>
+              <a:prstGeom prst="rect">
+                <a:avLst/>
+              </a:prstGeom>
+            </p:spPr>
+          </p:pic>
+        </p:grpSp>
+        <p:pic>
+          <p:nvPicPr>
+            <p:cNvPr id="270" name="Grafik 269">
+              <a:extLst>
+                <a:ext uri="{FF2B5EF4-FFF2-40B4-BE49-F238E27FC236}">
+                  <a16:creationId xmlns:a16="http://schemas.microsoft.com/office/drawing/2014/main" id="{0911C0BD-F60A-B5CD-9368-165F6515F5A7}"/>
+                </a:ext>
+              </a:extLst>
+            </p:cNvPr>
+            <p:cNvPicPr>
+              <a:picLocks noChangeAspect="1"/>
+            </p:cNvPicPr>
+            <p:nvPr/>
+          </p:nvPicPr>
+          <p:blipFill>
+            <a:blip r:embed="rId6"/>
+            <a:stretch>
+              <a:fillRect/>
+            </a:stretch>
+          </p:blipFill>
+          <p:spPr>
+            <a:xfrm>
+              <a:off x="10798299" y="3795876"/>
+              <a:ext cx="360095" cy="710324"/>
+            </a:xfrm>
+            <a:prstGeom prst="rect">
+              <a:avLst/>
+            </a:prstGeom>
+          </p:spPr>
+        </p:pic>
+        <p:sp>
+          <p:nvSpPr>
+            <p:cNvPr id="271" name="Abgerundetes Rechteck 270">
+              <a:extLst>
+                <a:ext uri="{FF2B5EF4-FFF2-40B4-BE49-F238E27FC236}">
+                  <a16:creationId xmlns:a16="http://schemas.microsoft.com/office/drawing/2014/main" id="{7C2F8309-8418-6F6C-2EEE-A33A3351414F}"/>
+                </a:ext>
+              </a:extLst>
+            </p:cNvPr>
+            <p:cNvSpPr/>
+            <p:nvPr/>
+          </p:nvSpPr>
+          <p:spPr>
+            <a:xfrm>
+              <a:off x="11081953" y="3802947"/>
+              <a:ext cx="156676" cy="698318"/>
+            </a:xfrm>
+            <a:prstGeom prst="roundRect">
+              <a:avLst>
+                <a:gd name="adj" fmla="val 33106"/>
+              </a:avLst>
+            </a:prstGeom>
+            <a:solidFill>
+              <a:schemeClr val="bg1">
+                <a:lumMod val="75000"/>
+              </a:schemeClr>
+            </a:solidFill>
+            <a:ln>
+              <a:noFill/>
+            </a:ln>
+            <a:scene3d>
+              <a:camera prst="orthographicFront"/>
+              <a:lightRig rig="threePt" dir="t"/>
+            </a:scene3d>
+            <a:sp3d>
+              <a:bevelT w="50800" h="50800"/>
+            </a:sp3d>
+          </p:spPr>
+          <p:style>
+            <a:lnRef idx="2">
+              <a:schemeClr val="accent1">
+                <a:shade val="15000"/>
+              </a:schemeClr>
+            </a:lnRef>
+            <a:fillRef idx="1">
+              <a:schemeClr val="accent1"/>
+            </a:fillRef>
+            <a:effectRef idx="0">
+              <a:schemeClr val="accent1"/>
+            </a:effectRef>
+            <a:fontRef idx="minor">
+              <a:schemeClr val="lt1"/>
+            </a:fontRef>
+          </p:style>
+          <p:txBody>
+            <a:bodyPr rtlCol="0" anchor="ctr"/>
+            <a:lstStyle/>
+            <a:p>
+              <a:pPr algn="ctr"/>
+              <a:endParaRPr lang="de-DE"/>
+            </a:p>
+          </p:txBody>
+        </p:sp>
+      </p:grpSp>
+      <p:sp>
+        <p:nvSpPr>
+          <p:cNvPr id="276" name="Textfeld 275">
+            <a:extLst>
+              <a:ext uri="{FF2B5EF4-FFF2-40B4-BE49-F238E27FC236}">
+                <a16:creationId xmlns:a16="http://schemas.microsoft.com/office/drawing/2014/main" id="{C999A9B2-7103-1806-659D-799F9FADD134}"/>
+              </a:ext>
+            </a:extLst>
+          </p:cNvPr>
+          <p:cNvSpPr txBox="1"/>
+          <p:nvPr/>
+        </p:nvSpPr>
+        <p:spPr>
+          <a:xfrm>
+            <a:off x="1040130" y="6270763"/>
+            <a:ext cx="1657826" cy="369332"/>
+          </a:xfrm>
+          <a:prstGeom prst="rect">
+            <a:avLst/>
+          </a:prstGeom>
+          <a:noFill/>
+        </p:spPr>
+        <p:txBody>
+          <a:bodyPr wrap="none" rtlCol="0">
+            <a:spAutoFit/>
+          </a:bodyPr>
+          <a:lstStyle/>
+          <a:p>
+            <a:r>
+              <a:rPr lang="de-DE" i="1" dirty="0">
+                <a:latin typeface="Times New Roman" panose="02020603050405020304" pitchFamily="18" charset="0"/>
+                <a:cs typeface="Times New Roman" panose="02020603050405020304" pitchFamily="18" charset="0"/>
+              </a:rPr>
+              <a:t>t = 3.2:    </a:t>
+            </a:r>
+            <a:r>
+              <a:rPr lang="de-DE" dirty="0">
+                <a:latin typeface="+mj-lt"/>
+                <a:cs typeface="Times New Roman" panose="02020603050405020304" pitchFamily="18" charset="0"/>
+              </a:rPr>
+              <a:t>music</a:t>
+            </a:r>
+            <a:endParaRPr lang="de-DE" i="1" dirty="0">
+              <a:latin typeface="Times New Roman" panose="02020603050405020304" pitchFamily="18" charset="0"/>
+              <a:cs typeface="Times New Roman" panose="02020603050405020304" pitchFamily="18" charset="0"/>
+            </a:endParaRPr>
+          </a:p>
+        </p:txBody>
+      </p:sp>
+      <p:grpSp>
+        <p:nvGrpSpPr>
+          <p:cNvPr id="277" name="Gruppieren 276">
+            <a:extLst>
+              <a:ext uri="{FF2B5EF4-FFF2-40B4-BE49-F238E27FC236}">
+                <a16:creationId xmlns:a16="http://schemas.microsoft.com/office/drawing/2014/main" id="{9DA001C2-4951-E320-7FCC-CECF156EF5F0}"/>
+              </a:ext>
+            </a:extLst>
+          </p:cNvPr>
+          <p:cNvGrpSpPr/>
+          <p:nvPr/>
+        </p:nvGrpSpPr>
+        <p:grpSpPr>
+          <a:xfrm>
+            <a:off x="4280550" y="6100266"/>
+            <a:ext cx="680225" cy="698318"/>
+            <a:chOff x="7297328" y="1226450"/>
+            <a:chExt cx="1223847" cy="1256399"/>
+          </a:xfrm>
+        </p:grpSpPr>
+        <p:grpSp>
+          <p:nvGrpSpPr>
+            <p:cNvPr id="278" name="Gruppieren 277">
+              <a:extLst>
+                <a:ext uri="{FF2B5EF4-FFF2-40B4-BE49-F238E27FC236}">
+                  <a16:creationId xmlns:a16="http://schemas.microsoft.com/office/drawing/2014/main" id="{0A29A438-FBBA-AF5D-0246-16D07FC5A45C}"/>
+                </a:ext>
+              </a:extLst>
+            </p:cNvPr>
+            <p:cNvGrpSpPr/>
+            <p:nvPr/>
+          </p:nvGrpSpPr>
+          <p:grpSpPr>
+            <a:xfrm>
+              <a:off x="7297328" y="1243128"/>
+              <a:ext cx="1223847" cy="1223847"/>
+              <a:chOff x="5206567" y="1243128"/>
+              <a:chExt cx="1223847" cy="1223847"/>
+            </a:xfrm>
+          </p:grpSpPr>
+          <p:sp>
+            <p:nvSpPr>
+              <p:cNvPr id="280" name="Ring 279">
+                <a:extLst>
+                  <a:ext uri="{FF2B5EF4-FFF2-40B4-BE49-F238E27FC236}">
+                    <a16:creationId xmlns:a16="http://schemas.microsoft.com/office/drawing/2014/main" id="{788E71E7-621D-86CA-57D3-24AFF7B1F87A}"/>
+                  </a:ext>
+                </a:extLst>
+              </p:cNvPr>
+              <p:cNvSpPr/>
+              <p:nvPr/>
+            </p:nvSpPr>
+            <p:spPr>
+              <a:xfrm>
+                <a:off x="5206567" y="1243128"/>
+                <a:ext cx="1223847" cy="1223847"/>
+              </a:xfrm>
+              <a:prstGeom prst="donut">
+                <a:avLst>
+                  <a:gd name="adj" fmla="val 14231"/>
+                </a:avLst>
+              </a:prstGeom>
+              <a:solidFill>
+                <a:schemeClr val="bg1">
+                  <a:lumMod val="75000"/>
+                </a:schemeClr>
+              </a:solidFill>
+              <a:ln>
+                <a:noFill/>
+              </a:ln>
+              <a:scene3d>
+                <a:camera prst="orthographicFront"/>
+                <a:lightRig rig="threePt" dir="t"/>
+              </a:scene3d>
+              <a:sp3d>
+                <a:bevelT/>
+              </a:sp3d>
+            </p:spPr>
+            <p:style>
+              <a:lnRef idx="2">
+                <a:schemeClr val="accent1">
+                  <a:shade val="15000"/>
+                </a:schemeClr>
+              </a:lnRef>
+              <a:fillRef idx="1">
+                <a:schemeClr val="accent1"/>
+              </a:fillRef>
+              <a:effectRef idx="0">
+                <a:schemeClr val="accent1"/>
+              </a:effectRef>
+              <a:fontRef idx="minor">
+                <a:schemeClr val="lt1"/>
+              </a:fontRef>
+            </p:style>
+            <p:txBody>
+              <a:bodyPr rtlCol="0" anchor="ctr"/>
+              <a:lstStyle/>
+              <a:p>
+                <a:pPr algn="ctr"/>
+                <a:endParaRPr lang="de-DE"/>
+              </a:p>
+            </p:txBody>
+          </p:sp>
+          <p:sp>
+            <p:nvSpPr>
+              <p:cNvPr id="281" name="Oval 280">
+                <a:extLst>
+                  <a:ext uri="{FF2B5EF4-FFF2-40B4-BE49-F238E27FC236}">
+                    <a16:creationId xmlns:a16="http://schemas.microsoft.com/office/drawing/2014/main" id="{78AABA77-3689-7520-49ED-778CCE96E467}"/>
+                  </a:ext>
+                </a:extLst>
+              </p:cNvPr>
+              <p:cNvSpPr/>
+              <p:nvPr/>
+            </p:nvSpPr>
+            <p:spPr>
+              <a:xfrm>
+                <a:off x="5377924" y="1414485"/>
+                <a:ext cx="881133" cy="881133"/>
+              </a:xfrm>
+              <a:prstGeom prst="ellipse">
+                <a:avLst/>
+              </a:prstGeom>
+              <a:solidFill>
+                <a:schemeClr val="bg1">
+                  <a:lumMod val="75000"/>
+                </a:schemeClr>
+              </a:solidFill>
+              <a:ln>
+                <a:noFill/>
+              </a:ln>
+              <a:scene3d>
+                <a:camera prst="orthographicFront"/>
+                <a:lightRig rig="threePt" dir="t"/>
+              </a:scene3d>
+              <a:sp3d>
+                <a:bevelT w="317500" h="260350"/>
+              </a:sp3d>
+            </p:spPr>
+            <p:style>
+              <a:lnRef idx="2">
+                <a:schemeClr val="accent1">
+                  <a:shade val="15000"/>
+                </a:schemeClr>
+              </a:lnRef>
+              <a:fillRef idx="1">
+                <a:schemeClr val="accent1"/>
+              </a:fillRef>
+              <a:effectRef idx="0">
+                <a:schemeClr val="accent1"/>
+              </a:effectRef>
+              <a:fontRef idx="minor">
+                <a:schemeClr val="lt1"/>
+              </a:fontRef>
+            </p:style>
+            <p:txBody>
+              <a:bodyPr rtlCol="0" anchor="ctr"/>
+              <a:lstStyle/>
+              <a:p>
+                <a:pPr algn="ctr"/>
+                <a:endParaRPr lang="de-DE"/>
+              </a:p>
+            </p:txBody>
+          </p:sp>
+        </p:grpSp>
+        <p:sp>
+          <p:nvSpPr>
+            <p:cNvPr id="279" name="Abgerundetes Rechteck 278">
+              <a:extLst>
+                <a:ext uri="{FF2B5EF4-FFF2-40B4-BE49-F238E27FC236}">
+                  <a16:creationId xmlns:a16="http://schemas.microsoft.com/office/drawing/2014/main" id="{C35C7D86-288D-4A3D-D95C-B83F0E64E588}"/>
+                </a:ext>
+              </a:extLst>
+            </p:cNvPr>
+            <p:cNvSpPr/>
+            <p:nvPr/>
+          </p:nvSpPr>
+          <p:spPr>
+            <a:xfrm>
+              <a:off x="7770061" y="1226450"/>
+              <a:ext cx="281889" cy="1256399"/>
+            </a:xfrm>
+            <a:prstGeom prst="roundRect">
+              <a:avLst>
+                <a:gd name="adj" fmla="val 33106"/>
+              </a:avLst>
+            </a:prstGeom>
+            <a:solidFill>
+              <a:schemeClr val="bg1">
+                <a:lumMod val="75000"/>
+              </a:schemeClr>
+            </a:solidFill>
+            <a:ln>
+              <a:noFill/>
+            </a:ln>
+            <a:scene3d>
+              <a:camera prst="orthographicFront"/>
+              <a:lightRig rig="threePt" dir="t"/>
+            </a:scene3d>
+            <a:sp3d>
+              <a:bevelT w="50800" h="50800"/>
+            </a:sp3d>
+          </p:spPr>
+          <p:style>
+            <a:lnRef idx="2">
+              <a:schemeClr val="accent1">
+                <a:shade val="15000"/>
+              </a:schemeClr>
+            </a:lnRef>
+            <a:fillRef idx="1">
+              <a:schemeClr val="accent1"/>
+            </a:fillRef>
+            <a:effectRef idx="0">
+              <a:schemeClr val="accent1"/>
+            </a:effectRef>
+            <a:fontRef idx="minor">
+              <a:schemeClr val="lt1"/>
+            </a:fontRef>
+          </p:style>
+          <p:txBody>
+            <a:bodyPr rtlCol="0" anchor="ctr"/>
+            <a:lstStyle/>
+            <a:p>
+              <a:pPr algn="ctr"/>
+              <a:endParaRPr lang="de-DE"/>
+            </a:p>
+          </p:txBody>
+        </p:sp>
+      </p:grpSp>
+      <p:grpSp>
+        <p:nvGrpSpPr>
+          <p:cNvPr id="282" name="Gruppieren 281">
+            <a:extLst>
+              <a:ext uri="{FF2B5EF4-FFF2-40B4-BE49-F238E27FC236}">
+                <a16:creationId xmlns:a16="http://schemas.microsoft.com/office/drawing/2014/main" id="{818472E3-D1C3-67B2-6C58-ED9C64BB7A9E}"/>
+              </a:ext>
+            </a:extLst>
+          </p:cNvPr>
+          <p:cNvGrpSpPr/>
+          <p:nvPr/>
+        </p:nvGrpSpPr>
+        <p:grpSpPr>
+          <a:xfrm>
+            <a:off x="3045505" y="6100266"/>
+            <a:ext cx="680225" cy="698318"/>
+            <a:chOff x="7297328" y="1226450"/>
+            <a:chExt cx="1223847" cy="1256399"/>
+          </a:xfrm>
+        </p:grpSpPr>
+        <p:grpSp>
+          <p:nvGrpSpPr>
+            <p:cNvPr id="283" name="Gruppieren 282">
+              <a:extLst>
+                <a:ext uri="{FF2B5EF4-FFF2-40B4-BE49-F238E27FC236}">
+                  <a16:creationId xmlns:a16="http://schemas.microsoft.com/office/drawing/2014/main" id="{D931BEC5-E6DB-DD4F-6006-B4D146C8666E}"/>
+                </a:ext>
+              </a:extLst>
+            </p:cNvPr>
+            <p:cNvGrpSpPr/>
+            <p:nvPr/>
+          </p:nvGrpSpPr>
+          <p:grpSpPr>
+            <a:xfrm>
+              <a:off x="7297328" y="1243128"/>
+              <a:ext cx="1223847" cy="1223847"/>
+              <a:chOff x="5206567" y="1243128"/>
+              <a:chExt cx="1223847" cy="1223847"/>
+            </a:xfrm>
+          </p:grpSpPr>
+          <p:sp>
+            <p:nvSpPr>
+              <p:cNvPr id="285" name="Ring 284">
+                <a:extLst>
+                  <a:ext uri="{FF2B5EF4-FFF2-40B4-BE49-F238E27FC236}">
+                    <a16:creationId xmlns:a16="http://schemas.microsoft.com/office/drawing/2014/main" id="{CE884CEF-BB2E-1572-EE41-93F25977C4F0}"/>
+                  </a:ext>
+                </a:extLst>
+              </p:cNvPr>
+              <p:cNvSpPr/>
+              <p:nvPr/>
+            </p:nvSpPr>
+            <p:spPr>
+              <a:xfrm>
+                <a:off x="5206567" y="1243128"/>
+                <a:ext cx="1223847" cy="1223847"/>
+              </a:xfrm>
+              <a:prstGeom prst="donut">
+                <a:avLst>
+                  <a:gd name="adj" fmla="val 14231"/>
+                </a:avLst>
+              </a:prstGeom>
+              <a:solidFill>
+                <a:schemeClr val="bg1">
+                  <a:lumMod val="75000"/>
+                </a:schemeClr>
+              </a:solidFill>
+              <a:ln>
+                <a:noFill/>
+              </a:ln>
+              <a:scene3d>
+                <a:camera prst="orthographicFront"/>
+                <a:lightRig rig="threePt" dir="t"/>
+              </a:scene3d>
+              <a:sp3d>
+                <a:bevelT/>
+              </a:sp3d>
+            </p:spPr>
+            <p:style>
+              <a:lnRef idx="2">
+                <a:schemeClr val="accent1">
+                  <a:shade val="15000"/>
+                </a:schemeClr>
+              </a:lnRef>
+              <a:fillRef idx="1">
+                <a:schemeClr val="accent1"/>
+              </a:fillRef>
+              <a:effectRef idx="0">
+                <a:schemeClr val="accent1"/>
+              </a:effectRef>
+              <a:fontRef idx="minor">
+                <a:schemeClr val="lt1"/>
+              </a:fontRef>
+            </p:style>
+            <p:txBody>
+              <a:bodyPr rtlCol="0" anchor="ctr"/>
+              <a:lstStyle/>
+              <a:p>
+                <a:pPr algn="ctr"/>
+                <a:endParaRPr lang="de-DE"/>
+              </a:p>
+            </p:txBody>
+          </p:sp>
+          <p:sp>
+            <p:nvSpPr>
+              <p:cNvPr id="286" name="Oval 285">
+                <a:extLst>
+                  <a:ext uri="{FF2B5EF4-FFF2-40B4-BE49-F238E27FC236}">
+                    <a16:creationId xmlns:a16="http://schemas.microsoft.com/office/drawing/2014/main" id="{50454C0E-21A2-AA32-9D3E-429D917B53DE}"/>
+                  </a:ext>
+                </a:extLst>
+              </p:cNvPr>
+              <p:cNvSpPr/>
+              <p:nvPr/>
+            </p:nvSpPr>
+            <p:spPr>
+              <a:xfrm>
+                <a:off x="5377924" y="1414485"/>
+                <a:ext cx="881133" cy="881133"/>
+              </a:xfrm>
+              <a:prstGeom prst="ellipse">
+                <a:avLst/>
+              </a:prstGeom>
+              <a:solidFill>
+                <a:schemeClr val="bg1">
+                  <a:lumMod val="75000"/>
+                </a:schemeClr>
+              </a:solidFill>
+              <a:ln>
+                <a:noFill/>
+              </a:ln>
+              <a:scene3d>
+                <a:camera prst="orthographicFront"/>
+                <a:lightRig rig="threePt" dir="t"/>
+              </a:scene3d>
+              <a:sp3d>
+                <a:bevelT w="317500" h="260350"/>
+              </a:sp3d>
+            </p:spPr>
+            <p:style>
+              <a:lnRef idx="2">
+                <a:schemeClr val="accent1">
+                  <a:shade val="15000"/>
+                </a:schemeClr>
+              </a:lnRef>
+              <a:fillRef idx="1">
+                <a:schemeClr val="accent1"/>
+              </a:fillRef>
+              <a:effectRef idx="0">
+                <a:schemeClr val="accent1"/>
+              </a:effectRef>
+              <a:fontRef idx="minor">
+                <a:schemeClr val="lt1"/>
+              </a:fontRef>
+            </p:style>
+            <p:txBody>
+              <a:bodyPr rtlCol="0" anchor="ctr"/>
+              <a:lstStyle/>
+              <a:p>
+                <a:pPr algn="ctr"/>
+                <a:endParaRPr lang="de-DE"/>
+              </a:p>
+            </p:txBody>
+          </p:sp>
+        </p:grpSp>
+        <p:sp>
+          <p:nvSpPr>
+            <p:cNvPr id="284" name="Abgerundetes Rechteck 283">
+              <a:extLst>
+                <a:ext uri="{FF2B5EF4-FFF2-40B4-BE49-F238E27FC236}">
+                  <a16:creationId xmlns:a16="http://schemas.microsoft.com/office/drawing/2014/main" id="{BCA91367-E2BF-5B84-509F-0EFC4B543E9F}"/>
+                </a:ext>
+              </a:extLst>
+            </p:cNvPr>
+            <p:cNvSpPr/>
+            <p:nvPr/>
+          </p:nvSpPr>
+          <p:spPr>
+            <a:xfrm>
+              <a:off x="7770061" y="1226450"/>
+              <a:ext cx="281889" cy="1256399"/>
+            </a:xfrm>
+            <a:prstGeom prst="roundRect">
+              <a:avLst>
+                <a:gd name="adj" fmla="val 33106"/>
+              </a:avLst>
+            </a:prstGeom>
+            <a:solidFill>
+              <a:schemeClr val="bg1">
+                <a:lumMod val="75000"/>
+              </a:schemeClr>
+            </a:solidFill>
+            <a:ln>
+              <a:noFill/>
+            </a:ln>
+            <a:scene3d>
+              <a:camera prst="orthographicFront"/>
+              <a:lightRig rig="threePt" dir="t"/>
+            </a:scene3d>
+            <a:sp3d>
+              <a:bevelT w="50800" h="50800"/>
+            </a:sp3d>
+          </p:spPr>
+          <p:style>
+            <a:lnRef idx="2">
+              <a:schemeClr val="accent1">
+                <a:shade val="15000"/>
+              </a:schemeClr>
+            </a:lnRef>
+            <a:fillRef idx="1">
+              <a:schemeClr val="accent1"/>
+            </a:fillRef>
+            <a:effectRef idx="0">
+              <a:schemeClr val="accent1"/>
+            </a:effectRef>
+            <a:fontRef idx="minor">
+              <a:schemeClr val="lt1"/>
+            </a:fontRef>
+          </p:style>
+          <p:txBody>
+            <a:bodyPr rtlCol="0" anchor="ctr"/>
+            <a:lstStyle/>
+            <a:p>
+              <a:pPr algn="ctr"/>
+              <a:endParaRPr lang="de-DE"/>
+            </a:p>
+          </p:txBody>
+        </p:sp>
+      </p:grpSp>
+      <p:grpSp>
+        <p:nvGrpSpPr>
+          <p:cNvPr id="295" name="Gruppieren 294">
+            <a:extLst>
+              <a:ext uri="{FF2B5EF4-FFF2-40B4-BE49-F238E27FC236}">
+                <a16:creationId xmlns:a16="http://schemas.microsoft.com/office/drawing/2014/main" id="{2CCA2831-919A-2D75-AB72-00CB76F08622}"/>
+              </a:ext>
+            </a:extLst>
+          </p:cNvPr>
+          <p:cNvGrpSpPr/>
+          <p:nvPr/>
+        </p:nvGrpSpPr>
+        <p:grpSpPr>
+          <a:xfrm>
+            <a:off x="5536335" y="6096264"/>
+            <a:ext cx="706234" cy="706322"/>
+            <a:chOff x="9391771" y="3793537"/>
+            <a:chExt cx="706234" cy="706322"/>
+          </a:xfrm>
+        </p:grpSpPr>
+        <p:grpSp>
+          <p:nvGrpSpPr>
+            <p:cNvPr id="296" name="Gruppieren 295">
+              <a:extLst>
+                <a:ext uri="{FF2B5EF4-FFF2-40B4-BE49-F238E27FC236}">
+                  <a16:creationId xmlns:a16="http://schemas.microsoft.com/office/drawing/2014/main" id="{87871B44-71A1-F2DF-E360-0D1CDBAEBAF8}"/>
+                </a:ext>
+              </a:extLst>
+            </p:cNvPr>
+            <p:cNvGrpSpPr/>
+            <p:nvPr/>
+          </p:nvGrpSpPr>
+          <p:grpSpPr>
+            <a:xfrm>
+              <a:off x="9391771" y="3793537"/>
+              <a:ext cx="688831" cy="706322"/>
+              <a:chOff x="7281844" y="1218399"/>
+              <a:chExt cx="1239331" cy="1270800"/>
+            </a:xfrm>
+          </p:grpSpPr>
+          <p:grpSp>
+            <p:nvGrpSpPr>
+              <p:cNvPr id="299" name="Gruppieren 298">
+                <a:extLst>
+                  <a:ext uri="{FF2B5EF4-FFF2-40B4-BE49-F238E27FC236}">
+                    <a16:creationId xmlns:a16="http://schemas.microsoft.com/office/drawing/2014/main" id="{F029E885-4CF3-E456-060A-DE86A785A07E}"/>
+                  </a:ext>
+                </a:extLst>
+              </p:cNvPr>
+              <p:cNvGrpSpPr/>
+              <p:nvPr/>
+            </p:nvGrpSpPr>
+            <p:grpSpPr>
+              <a:xfrm>
+                <a:off x="7297328" y="1243128"/>
+                <a:ext cx="1223847" cy="1223847"/>
+                <a:chOff x="5206567" y="1243128"/>
+                <a:chExt cx="1223847" cy="1223847"/>
+              </a:xfrm>
+            </p:grpSpPr>
+            <p:sp>
+              <p:nvSpPr>
+                <p:cNvPr id="301" name="Ring 300">
+                  <a:extLst>
+                    <a:ext uri="{FF2B5EF4-FFF2-40B4-BE49-F238E27FC236}">
+                      <a16:creationId xmlns:a16="http://schemas.microsoft.com/office/drawing/2014/main" id="{E0FFCE73-0574-2B48-127D-5195CC33A721}"/>
+                    </a:ext>
+                  </a:extLst>
+                </p:cNvPr>
+                <p:cNvSpPr/>
+                <p:nvPr/>
+              </p:nvSpPr>
+              <p:spPr>
+                <a:xfrm>
+                  <a:off x="5206567" y="1243128"/>
+                  <a:ext cx="1223847" cy="1223847"/>
+                </a:xfrm>
+                <a:prstGeom prst="donut">
+                  <a:avLst>
+                    <a:gd name="adj" fmla="val 14231"/>
+                  </a:avLst>
+                </a:prstGeom>
+                <a:solidFill>
+                  <a:schemeClr val="bg1">
+                    <a:lumMod val="75000"/>
+                  </a:schemeClr>
+                </a:solidFill>
+                <a:ln>
+                  <a:noFill/>
+                </a:ln>
+                <a:scene3d>
+                  <a:camera prst="orthographicFront"/>
+                  <a:lightRig rig="threePt" dir="t"/>
+                </a:scene3d>
+                <a:sp3d>
+                  <a:bevelT/>
+                </a:sp3d>
+              </p:spPr>
+              <p:style>
+                <a:lnRef idx="2">
+                  <a:schemeClr val="accent1">
+                    <a:shade val="15000"/>
+                  </a:schemeClr>
+                </a:lnRef>
+                <a:fillRef idx="1">
+                  <a:schemeClr val="accent1"/>
+                </a:fillRef>
+                <a:effectRef idx="0">
+                  <a:schemeClr val="accent1"/>
+                </a:effectRef>
+                <a:fontRef idx="minor">
+                  <a:schemeClr val="lt1"/>
+                </a:fontRef>
+              </p:style>
+              <p:txBody>
+                <a:bodyPr rtlCol="0" anchor="ctr"/>
+                <a:lstStyle/>
+                <a:p>
+                  <a:pPr algn="ctr"/>
+                  <a:endParaRPr lang="de-DE"/>
+                </a:p>
+              </p:txBody>
+            </p:sp>
+            <p:sp>
+              <p:nvSpPr>
+                <p:cNvPr id="302" name="Oval 301">
+                  <a:extLst>
+                    <a:ext uri="{FF2B5EF4-FFF2-40B4-BE49-F238E27FC236}">
+                      <a16:creationId xmlns:a16="http://schemas.microsoft.com/office/drawing/2014/main" id="{1A6DF503-F138-956A-079B-8D8A3605DF9A}"/>
+                    </a:ext>
+                  </a:extLst>
+                </p:cNvPr>
+                <p:cNvSpPr/>
+                <p:nvPr/>
+              </p:nvSpPr>
+              <p:spPr>
+                <a:xfrm>
+                  <a:off x="5377924" y="1414485"/>
+                  <a:ext cx="881133" cy="881133"/>
+                </a:xfrm>
+                <a:prstGeom prst="ellipse">
+                  <a:avLst/>
+                </a:prstGeom>
+                <a:solidFill>
+                  <a:schemeClr val="bg1">
+                    <a:lumMod val="75000"/>
+                  </a:schemeClr>
+                </a:solidFill>
+                <a:ln>
+                  <a:noFill/>
+                </a:ln>
+                <a:scene3d>
+                  <a:camera prst="orthographicFront"/>
+                  <a:lightRig rig="threePt" dir="t"/>
+                </a:scene3d>
+                <a:sp3d>
+                  <a:bevelT w="317500" h="260350"/>
+                </a:sp3d>
+              </p:spPr>
+              <p:style>
+                <a:lnRef idx="2">
+                  <a:schemeClr val="accent1">
+                    <a:shade val="15000"/>
+                  </a:schemeClr>
+                </a:lnRef>
+                <a:fillRef idx="1">
+                  <a:schemeClr val="accent1"/>
+                </a:fillRef>
+                <a:effectRef idx="0">
+                  <a:schemeClr val="accent1"/>
+                </a:effectRef>
+                <a:fontRef idx="minor">
+                  <a:schemeClr val="lt1"/>
+                </a:fontRef>
+              </p:style>
+              <p:txBody>
+                <a:bodyPr rtlCol="0" anchor="ctr"/>
+                <a:lstStyle/>
+                <a:p>
+                  <a:pPr algn="ctr"/>
+                  <a:endParaRPr lang="de-DE"/>
+                </a:p>
+              </p:txBody>
+            </p:sp>
+          </p:grpSp>
+          <p:pic>
+            <p:nvPicPr>
+              <p:cNvPr id="300" name="Grafik 299">
+                <a:extLst>
+                  <a:ext uri="{FF2B5EF4-FFF2-40B4-BE49-F238E27FC236}">
+                    <a16:creationId xmlns:a16="http://schemas.microsoft.com/office/drawing/2014/main" id="{E4BC7AF2-E586-EFC7-7CA3-E837456E739E}"/>
+                  </a:ext>
+                </a:extLst>
+              </p:cNvPr>
+              <p:cNvPicPr>
+                <a:picLocks noChangeAspect="1"/>
+              </p:cNvPicPr>
+              <p:nvPr/>
+            </p:nvPicPr>
+            <p:blipFill>
+              <a:blip r:embed="rId3"/>
+              <a:stretch>
+                <a:fillRect/>
+              </a:stretch>
+            </p:blipFill>
+            <p:spPr>
+              <a:xfrm>
+                <a:off x="7281844" y="1218399"/>
+                <a:ext cx="625772" cy="1270800"/>
+              </a:xfrm>
+              <a:prstGeom prst="rect">
+                <a:avLst/>
+              </a:prstGeom>
+            </p:spPr>
+          </p:pic>
+        </p:grpSp>
+        <p:pic>
+          <p:nvPicPr>
+            <p:cNvPr id="297" name="Grafik 296">
+              <a:extLst>
+                <a:ext uri="{FF2B5EF4-FFF2-40B4-BE49-F238E27FC236}">
+                  <a16:creationId xmlns:a16="http://schemas.microsoft.com/office/drawing/2014/main" id="{4DC6DF3F-8365-618D-3826-D108F82C6B9B}"/>
+                </a:ext>
+              </a:extLst>
+            </p:cNvPr>
+            <p:cNvPicPr>
+              <a:picLocks noChangeAspect="1"/>
+            </p:cNvPicPr>
+            <p:nvPr/>
+          </p:nvPicPr>
+          <p:blipFill>
+            <a:blip r:embed="rId4"/>
+            <a:stretch>
+              <a:fillRect/>
+            </a:stretch>
+          </p:blipFill>
+          <p:spPr>
+            <a:xfrm>
+              <a:off x="9739481" y="3799155"/>
+              <a:ext cx="358524" cy="698318"/>
+            </a:xfrm>
+            <a:prstGeom prst="rect">
+              <a:avLst/>
+            </a:prstGeom>
+          </p:spPr>
+        </p:pic>
+        <p:sp>
+          <p:nvSpPr>
+            <p:cNvPr id="298" name="Abgerundetes Rechteck 297">
+              <a:extLst>
+                <a:ext uri="{FF2B5EF4-FFF2-40B4-BE49-F238E27FC236}">
+                  <a16:creationId xmlns:a16="http://schemas.microsoft.com/office/drawing/2014/main" id="{AD263506-D72A-6982-7845-2DD3A5ACEDE3}"/>
+                </a:ext>
+              </a:extLst>
+            </p:cNvPr>
+            <p:cNvSpPr/>
+            <p:nvPr/>
+          </p:nvSpPr>
+          <p:spPr>
+            <a:xfrm>
+              <a:off x="9663126" y="3798012"/>
+              <a:ext cx="156676" cy="698318"/>
+            </a:xfrm>
+            <a:prstGeom prst="roundRect">
+              <a:avLst>
+                <a:gd name="adj" fmla="val 33106"/>
+              </a:avLst>
+            </a:prstGeom>
+            <a:solidFill>
+              <a:schemeClr val="bg1">
+                <a:lumMod val="75000"/>
+              </a:schemeClr>
+            </a:solidFill>
+            <a:ln>
+              <a:noFill/>
+            </a:ln>
+            <a:scene3d>
+              <a:camera prst="orthographicFront"/>
+              <a:lightRig rig="threePt" dir="t"/>
+            </a:scene3d>
+            <a:sp3d>
+              <a:bevelT w="50800" h="50800"/>
+            </a:sp3d>
+          </p:spPr>
+          <p:style>
+            <a:lnRef idx="2">
+              <a:schemeClr val="accent1">
+                <a:shade val="15000"/>
+              </a:schemeClr>
+            </a:lnRef>
+            <a:fillRef idx="1">
+              <a:schemeClr val="accent1"/>
+            </a:fillRef>
+            <a:effectRef idx="0">
+              <a:schemeClr val="accent1"/>
+            </a:effectRef>
+            <a:fontRef idx="minor">
+              <a:schemeClr val="lt1"/>
+            </a:fontRef>
+          </p:style>
+          <p:txBody>
+            <a:bodyPr rtlCol="0" anchor="ctr"/>
+            <a:lstStyle/>
+            <a:p>
+              <a:pPr algn="ctr"/>
+              <a:endParaRPr lang="de-DE"/>
+            </a:p>
+          </p:txBody>
+        </p:sp>
+      </p:grpSp>
+      <p:sp>
+        <p:nvSpPr>
+          <p:cNvPr id="303" name="Rechteck 302">
+            <a:extLst>
+              <a:ext uri="{FF2B5EF4-FFF2-40B4-BE49-F238E27FC236}">
+                <a16:creationId xmlns:a16="http://schemas.microsoft.com/office/drawing/2014/main" id="{1E1E7754-C595-C421-6734-BB027EEB84A3}"/>
+              </a:ext>
+            </a:extLst>
+          </p:cNvPr>
+          <p:cNvSpPr/>
+          <p:nvPr/>
+        </p:nvSpPr>
+        <p:spPr>
+          <a:xfrm>
+            <a:off x="813418" y="76434"/>
+            <a:ext cx="5681971" cy="6767844"/>
+          </a:xfrm>
+          <a:prstGeom prst="rect">
+            <a:avLst/>
+          </a:prstGeom>
+          <a:noFill/>
+          <a:ln w="19050"/>
+        </p:spPr>
+        <p:style>
+          <a:lnRef idx="2">
+            <a:schemeClr val="accent1">
+              <a:shade val="15000"/>
+            </a:schemeClr>
+          </a:lnRef>
+          <a:fillRef idx="1">
+            <a:schemeClr val="accent1"/>
+          </a:fillRef>
+          <a:effectRef idx="0">
+            <a:schemeClr val="accent1"/>
+          </a:effectRef>
+          <a:fontRef idx="minor">
+            <a:schemeClr val="lt1"/>
+          </a:fontRef>
+        </p:style>
+        <p:txBody>
+          <a:bodyPr rtlCol="0" anchor="ctr"/>
+          <a:lstStyle/>
+          <a:p>
+            <a:pPr algn="ctr"/>
+            <a:endParaRPr lang="de-DE"/>
+          </a:p>
+        </p:txBody>
+      </p:sp>
+    </p:spTree>
+    <p:extLst>
+      <p:ext uri="{BB962C8B-B14F-4D97-AF65-F5344CB8AC3E}">
+        <p14:creationId xmlns:p14="http://schemas.microsoft.com/office/powerpoint/2010/main" val="1582449241"/>
+      </p:ext>
+    </p:extLst>
+  </p:cSld>
+  <p:clrMapOvr>
+    <a:masterClrMapping/>
+  </p:clrMapOvr>
+</p:sld>
+</file>
+
+<file path=ppt/slides/slide15.xml><?xml version="1.0" encoding="utf-8"?>
+<p:sld xmlns:a="http://schemas.openxmlformats.org/drawingml/2006/main" xmlns:r="http://schemas.openxmlformats.org/officeDocument/2006/relationships" xmlns:p="http://schemas.openxmlformats.org/presentationml/2006/main">
+  <p:cSld>
+    <p:spTree>
+      <p:nvGrpSpPr>
+        <p:cNvPr id="1" name=""/>
+        <p:cNvGrpSpPr/>
+        <p:nvPr/>
+      </p:nvGrpSpPr>
+      <p:grpSpPr>
+        <a:xfrm>
+          <a:off x="0" y="0"/>
+          <a:ext cx="0" cy="0"/>
+          <a:chOff x="0" y="0"/>
+          <a:chExt cx="0" cy="0"/>
+        </a:xfrm>
+      </p:grpSpPr>
       <p:sp>
         <p:nvSpPr>
           <p:cNvPr id="5" name="Rechteck 4">
